--- a/ppt 2.pptx
+++ b/ppt 2.pptx
@@ -265,7 +265,7 @@
           <a:p>
             <a:fld id="{48C758BE-379E-42B5-B6D8-0F335935E9A9}" type="datetimeFigureOut">
               <a:rPr lang="en-US" smtClean="0"/>
-              <a:t>12/16/2024</a:t>
+              <a:t>12/22/2024</a:t>
             </a:fld>
             <a:endParaRPr lang="en-US"/>
           </a:p>
@@ -465,7 +465,7 @@
           <a:p>
             <a:fld id="{48C758BE-379E-42B5-B6D8-0F335935E9A9}" type="datetimeFigureOut">
               <a:rPr lang="en-US" smtClean="0"/>
-              <a:t>12/16/2024</a:t>
+              <a:t>12/22/2024</a:t>
             </a:fld>
             <a:endParaRPr lang="en-US"/>
           </a:p>
@@ -675,7 +675,7 @@
           <a:p>
             <a:fld id="{48C758BE-379E-42B5-B6D8-0F335935E9A9}" type="datetimeFigureOut">
               <a:rPr lang="en-US" smtClean="0"/>
-              <a:t>12/16/2024</a:t>
+              <a:t>12/22/2024</a:t>
             </a:fld>
             <a:endParaRPr lang="en-US"/>
           </a:p>
@@ -875,7 +875,7 @@
           <a:p>
             <a:fld id="{48C758BE-379E-42B5-B6D8-0F335935E9A9}" type="datetimeFigureOut">
               <a:rPr lang="en-US" smtClean="0"/>
-              <a:t>12/16/2024</a:t>
+              <a:t>12/22/2024</a:t>
             </a:fld>
             <a:endParaRPr lang="en-US"/>
           </a:p>
@@ -1151,7 +1151,7 @@
           <a:p>
             <a:fld id="{48C758BE-379E-42B5-B6D8-0F335935E9A9}" type="datetimeFigureOut">
               <a:rPr lang="en-US" smtClean="0"/>
-              <a:t>12/16/2024</a:t>
+              <a:t>12/22/2024</a:t>
             </a:fld>
             <a:endParaRPr lang="en-US"/>
           </a:p>
@@ -1419,7 +1419,7 @@
           <a:p>
             <a:fld id="{48C758BE-379E-42B5-B6D8-0F335935E9A9}" type="datetimeFigureOut">
               <a:rPr lang="en-US" smtClean="0"/>
-              <a:t>12/16/2024</a:t>
+              <a:t>12/22/2024</a:t>
             </a:fld>
             <a:endParaRPr lang="en-US"/>
           </a:p>
@@ -1834,7 +1834,7 @@
           <a:p>
             <a:fld id="{48C758BE-379E-42B5-B6D8-0F335935E9A9}" type="datetimeFigureOut">
               <a:rPr lang="en-US" smtClean="0"/>
-              <a:t>12/16/2024</a:t>
+              <a:t>12/22/2024</a:t>
             </a:fld>
             <a:endParaRPr lang="en-US"/>
           </a:p>
@@ -1976,7 +1976,7 @@
           <a:p>
             <a:fld id="{48C758BE-379E-42B5-B6D8-0F335935E9A9}" type="datetimeFigureOut">
               <a:rPr lang="en-US" smtClean="0"/>
-              <a:t>12/16/2024</a:t>
+              <a:t>12/22/2024</a:t>
             </a:fld>
             <a:endParaRPr lang="en-US"/>
           </a:p>
@@ -2089,7 +2089,7 @@
           <a:p>
             <a:fld id="{48C758BE-379E-42B5-B6D8-0F335935E9A9}" type="datetimeFigureOut">
               <a:rPr lang="en-US" smtClean="0"/>
-              <a:t>12/16/2024</a:t>
+              <a:t>12/22/2024</a:t>
             </a:fld>
             <a:endParaRPr lang="en-US"/>
           </a:p>
@@ -2402,7 +2402,7 @@
           <a:p>
             <a:fld id="{48C758BE-379E-42B5-B6D8-0F335935E9A9}" type="datetimeFigureOut">
               <a:rPr lang="en-US" smtClean="0"/>
-              <a:t>12/16/2024</a:t>
+              <a:t>12/22/2024</a:t>
             </a:fld>
             <a:endParaRPr lang="en-US"/>
           </a:p>
@@ -2691,7 +2691,7 @@
           <a:p>
             <a:fld id="{48C758BE-379E-42B5-B6D8-0F335935E9A9}" type="datetimeFigureOut">
               <a:rPr lang="en-US" smtClean="0"/>
-              <a:t>12/16/2024</a:t>
+              <a:t>12/22/2024</a:t>
             </a:fld>
             <a:endParaRPr lang="en-US"/>
           </a:p>
@@ -2943,7 +2943,7 @@
           <a:p>
             <a:fld id="{48C758BE-379E-42B5-B6D8-0F335935E9A9}" type="datetimeFigureOut">
               <a:rPr lang="en-US" smtClean="0"/>
-              <a:t>12/16/2024</a:t>
+              <a:t>12/22/2024</a:t>
             </a:fld>
             <a:endParaRPr lang="en-US"/>
           </a:p>
@@ -3505,7 +3505,7 @@
           <a:p>
             <a:r>
               <a:rPr lang="en-US" sz="3600" b="1" dirty="0"/>
-              <a:t>CRUD</a:t>
+              <a:t>REST API </a:t>
             </a:r>
           </a:p>
         </p:txBody>
@@ -3533,43 +3533,164 @@
           </a:bodyPr>
           <a:lstStyle/>
           <a:p>
-            <a:pPr marL="342900" indent="-342900" algn="l">
-              <a:buFont typeface="Arial" panose="020B0604020202020204" pitchFamily="34" charset="0"/>
-              <a:buChar char="•"/>
+            <a:pPr marL="0" indent="0" algn="l">
+              <a:buNone/>
             </a:pPr>
             <a:r>
               <a:rPr lang="en-US" dirty="0"/>
-              <a:t>Create</a:t>
-            </a:r>
-          </a:p>
-          <a:p>
-            <a:pPr marL="342900" indent="-342900" algn="l">
-              <a:buFont typeface="Arial" panose="020B0604020202020204" pitchFamily="34" charset="0"/>
-              <a:buChar char="•"/>
-            </a:pPr>
-            <a:r>
-              <a:rPr lang="en-US" dirty="0"/>
-              <a:t>Read</a:t>
-            </a:r>
-          </a:p>
-          <a:p>
-            <a:pPr marL="342900" indent="-342900" algn="l">
-              <a:buFont typeface="Arial" panose="020B0604020202020204" pitchFamily="34" charset="0"/>
-              <a:buChar char="•"/>
-            </a:pPr>
-            <a:r>
-              <a:rPr lang="en-US" dirty="0"/>
-              <a:t>Update</a:t>
-            </a:r>
-          </a:p>
-          <a:p>
-            <a:pPr marL="342900" indent="-342900" algn="l">
-              <a:buFont typeface="Arial" panose="020B0604020202020204" pitchFamily="34" charset="0"/>
-              <a:buChar char="•"/>
-            </a:pPr>
-            <a:r>
-              <a:rPr lang="en-US" dirty="0"/>
-              <a:t>Delete</a:t>
+              <a:t>REST API (Representational State Transfer Application Programming Interface) </a:t>
+            </a:r>
+            <a:r>
+              <a:rPr lang="en-US" dirty="0" err="1"/>
+              <a:t>adalah</a:t>
+            </a:r>
+            <a:r>
+              <a:rPr lang="en-US" dirty="0"/>
+              <a:t> </a:t>
+            </a:r>
+            <a:r>
+              <a:rPr lang="en-US" dirty="0" err="1"/>
+              <a:t>arsitektur</a:t>
+            </a:r>
+            <a:r>
+              <a:rPr lang="en-US" dirty="0"/>
+              <a:t> yang </a:t>
+            </a:r>
+            <a:r>
+              <a:rPr lang="en-US" dirty="0" err="1"/>
+              <a:t>digunakan</a:t>
+            </a:r>
+            <a:r>
+              <a:rPr lang="en-US" dirty="0"/>
+              <a:t> </a:t>
+            </a:r>
+            <a:r>
+              <a:rPr lang="en-US" dirty="0" err="1"/>
+              <a:t>untuk</a:t>
+            </a:r>
+            <a:r>
+              <a:rPr lang="en-US" dirty="0"/>
+              <a:t> </a:t>
+            </a:r>
+            <a:r>
+              <a:rPr lang="en-US" dirty="0" err="1"/>
+              <a:t>membangun</a:t>
+            </a:r>
+            <a:r>
+              <a:rPr lang="en-US" dirty="0"/>
+              <a:t> </a:t>
+            </a:r>
+            <a:r>
+              <a:rPr lang="en-US" dirty="0" err="1"/>
+              <a:t>layanan</a:t>
+            </a:r>
+            <a:r>
+              <a:rPr lang="en-US" dirty="0"/>
+              <a:t> web yang </a:t>
+            </a:r>
+            <a:r>
+              <a:rPr lang="en-US" dirty="0" err="1"/>
+              <a:t>memungkinkan</a:t>
+            </a:r>
+            <a:r>
+              <a:rPr lang="en-US" dirty="0"/>
+              <a:t> </a:t>
+            </a:r>
+            <a:r>
+              <a:rPr lang="en-US" dirty="0" err="1"/>
+              <a:t>komunikasi</a:t>
+            </a:r>
+            <a:r>
+              <a:rPr lang="en-US" dirty="0"/>
+              <a:t> </a:t>
+            </a:r>
+            <a:r>
+              <a:rPr lang="en-US" dirty="0" err="1"/>
+              <a:t>antara</a:t>
+            </a:r>
+            <a:r>
+              <a:rPr lang="en-US" dirty="0"/>
+              <a:t> </a:t>
+            </a:r>
+            <a:r>
+              <a:rPr lang="en-US" dirty="0" err="1"/>
+              <a:t>aplikasi</a:t>
+            </a:r>
+            <a:r>
+              <a:rPr lang="en-US" dirty="0"/>
+              <a:t> </a:t>
+            </a:r>
+            <a:r>
+              <a:rPr lang="en-US" dirty="0" err="1"/>
+              <a:t>dengan</a:t>
+            </a:r>
+            <a:r>
+              <a:rPr lang="en-US" dirty="0"/>
+              <a:t> </a:t>
+            </a:r>
+            <a:r>
+              <a:rPr lang="en-US" dirty="0" err="1"/>
+              <a:t>menggunakan</a:t>
+            </a:r>
+            <a:r>
+              <a:rPr lang="en-US" dirty="0"/>
+              <a:t> </a:t>
+            </a:r>
+            <a:r>
+              <a:rPr lang="en-US" dirty="0" err="1"/>
+              <a:t>protokol</a:t>
+            </a:r>
+            <a:r>
+              <a:rPr lang="en-US" dirty="0"/>
+              <a:t> HTTP, </a:t>
+            </a:r>
+            <a:r>
+              <a:rPr lang="en-US" dirty="0" err="1"/>
+              <a:t>untuk</a:t>
+            </a:r>
+            <a:r>
+              <a:rPr lang="en-US" dirty="0"/>
+              <a:t> </a:t>
+            </a:r>
+            <a:r>
+              <a:rPr lang="en-US" dirty="0" err="1"/>
+              <a:t>mengakses</a:t>
+            </a:r>
+            <a:r>
+              <a:rPr lang="en-US" dirty="0"/>
+              <a:t> data </a:t>
+            </a:r>
+            <a:r>
+              <a:rPr lang="en-US" dirty="0" err="1"/>
+              <a:t>menggunakan</a:t>
+            </a:r>
+            <a:r>
+              <a:rPr lang="en-US" dirty="0"/>
+              <a:t> </a:t>
+            </a:r>
+            <a:r>
+              <a:rPr lang="en-US" dirty="0" err="1"/>
+              <a:t>metode</a:t>
+            </a:r>
+            <a:r>
+              <a:rPr lang="en-US" dirty="0"/>
+              <a:t> HTTP </a:t>
+            </a:r>
+            <a:r>
+              <a:rPr lang="en-US" dirty="0" err="1"/>
+              <a:t>standar</a:t>
+            </a:r>
+            <a:r>
+              <a:rPr lang="en-US" dirty="0"/>
+              <a:t> </a:t>
+            </a:r>
+            <a:r>
+              <a:rPr lang="en-US" dirty="0" err="1"/>
+              <a:t>seperti</a:t>
+            </a:r>
+            <a:r>
+              <a:rPr lang="en-US" dirty="0"/>
+              <a:t> GET, POST, PUT, DELETE, dan PATCH.</a:t>
             </a:r>
           </a:p>
         </p:txBody>
@@ -3630,7 +3751,7 @@
         </p:nvSpPr>
         <p:spPr>
           <a:xfrm>
-            <a:off x="838200" y="1842233"/>
+            <a:off x="838200" y="379193"/>
             <a:ext cx="10515600" cy="1325563"/>
           </a:xfrm>
         </p:spPr>
@@ -3667,20 +3788,21 @@
         </p:nvSpPr>
         <p:spPr>
           <a:xfrm>
-            <a:off x="838200" y="3302733"/>
-            <a:ext cx="10515600" cy="1480283"/>
+            <a:off x="838200" y="1871003"/>
+            <a:ext cx="10515600" cy="2912013"/>
           </a:xfrm>
         </p:spPr>
         <p:txBody>
           <a:bodyPr/>
           <a:lstStyle/>
           <a:p>
-            <a:pPr marL="0" indent="0">
-              <a:buNone/>
-            </a:pPr>
-            <a:r>
-              <a:rPr lang="en-US" dirty="0" err="1"/>
-              <a:t>Menghubungkan</a:t>
+            <a:r>
+              <a:rPr lang="en-US" dirty="0"/>
+              <a:t>middleware </a:t>
+            </a:r>
+            <a:r>
+              <a:rPr lang="en-US" dirty="0" err="1"/>
+              <a:t>adalah</a:t>
             </a:r>
             <a:r>
               <a:rPr lang="en-US" dirty="0"/>
@@ -3688,15 +3810,7 @@
             </a:r>
             <a:r>
               <a:rPr lang="en-US" dirty="0" err="1"/>
-              <a:t>komponen</a:t>
-            </a:r>
-            <a:r>
-              <a:rPr lang="en-US" dirty="0"/>
-              <a:t> di </a:t>
-            </a:r>
-            <a:r>
-              <a:rPr lang="en-US" dirty="0" err="1"/>
-              <a:t>dalam</a:t>
+              <a:t>kode</a:t>
             </a:r>
             <a:r>
               <a:rPr lang="en-US" dirty="0"/>
@@ -3704,9 +3818,250 @@
             </a:r>
             <a:r>
               <a:rPr lang="en-US" dirty="0" err="1"/>
-              <a:t>sistem</a:t>
-            </a:r>
-            <a:endParaRPr lang="en-US" dirty="0"/>
+              <a:t>atau</a:t>
+            </a:r>
+            <a:r>
+              <a:rPr lang="en-US" dirty="0"/>
+              <a:t> </a:t>
+            </a:r>
+            <a:r>
+              <a:rPr lang="en-US" dirty="0" err="1"/>
+              <a:t>fungsi</a:t>
+            </a:r>
+            <a:r>
+              <a:rPr lang="en-US" dirty="0"/>
+              <a:t> yang </a:t>
+            </a:r>
+            <a:r>
+              <a:rPr lang="en-US" dirty="0" err="1"/>
+              <a:t>menangani</a:t>
+            </a:r>
+            <a:r>
+              <a:rPr lang="en-US" dirty="0"/>
+              <a:t> </a:t>
+            </a:r>
+            <a:r>
+              <a:rPr lang="en-US" dirty="0" err="1"/>
+              <a:t>permintaan</a:t>
+            </a:r>
+            <a:r>
+              <a:rPr lang="en-US" dirty="0"/>
+              <a:t> (request) dan </a:t>
+            </a:r>
+            <a:r>
+              <a:rPr lang="en-US" dirty="0" err="1"/>
+              <a:t>respons</a:t>
+            </a:r>
+            <a:r>
+              <a:rPr lang="en-US" dirty="0"/>
+              <a:t> (response) </a:t>
+            </a:r>
+            <a:r>
+              <a:rPr lang="en-US" dirty="0" err="1"/>
+              <a:t>sebelum</a:t>
+            </a:r>
+            <a:r>
+              <a:rPr lang="en-US" dirty="0"/>
+              <a:t> </a:t>
+            </a:r>
+            <a:r>
+              <a:rPr lang="en-US" dirty="0" err="1"/>
+              <a:t>atau</a:t>
+            </a:r>
+            <a:r>
+              <a:rPr lang="en-US" dirty="0"/>
+              <a:t> </a:t>
+            </a:r>
+            <a:r>
+              <a:rPr lang="en-US" dirty="0" err="1"/>
+              <a:t>setelah</a:t>
+            </a:r>
+            <a:r>
+              <a:rPr lang="en-US" dirty="0"/>
+              <a:t> </a:t>
+            </a:r>
+            <a:r>
+              <a:rPr lang="en-US" dirty="0" err="1"/>
+              <a:t>permintaan</a:t>
+            </a:r>
+            <a:r>
+              <a:rPr lang="en-US" dirty="0"/>
+              <a:t> </a:t>
+            </a:r>
+            <a:r>
+              <a:rPr lang="en-US" dirty="0" err="1"/>
+              <a:t>mencapai</a:t>
+            </a:r>
+            <a:r>
+              <a:rPr lang="en-US" dirty="0"/>
+              <a:t> </a:t>
+            </a:r>
+            <a:r>
+              <a:rPr lang="en-US" dirty="0" err="1"/>
+              <a:t>logika</a:t>
+            </a:r>
+            <a:r>
+              <a:rPr lang="en-US" dirty="0"/>
+              <a:t> </a:t>
+            </a:r>
+            <a:r>
+              <a:rPr lang="en-US" dirty="0" err="1"/>
+              <a:t>utama</a:t>
+            </a:r>
+            <a:r>
+              <a:rPr lang="en-US" dirty="0"/>
+              <a:t> </a:t>
+            </a:r>
+            <a:r>
+              <a:rPr lang="en-US" dirty="0" err="1"/>
+              <a:t>aplikasi</a:t>
+            </a:r>
+            <a:r>
+              <a:rPr lang="en-US" dirty="0"/>
+              <a:t>, </a:t>
+            </a:r>
+            <a:r>
+              <a:rPr lang="en-US" dirty="0" err="1"/>
+              <a:t>atau</a:t>
+            </a:r>
+            <a:r>
+              <a:rPr lang="en-US" dirty="0"/>
+              <a:t> </a:t>
+            </a:r>
+            <a:r>
+              <a:rPr lang="en-US" dirty="0" err="1"/>
+              <a:t>sebelum</a:t>
+            </a:r>
+            <a:r>
+              <a:rPr lang="en-US" dirty="0"/>
+              <a:t> </a:t>
+            </a:r>
+            <a:r>
+              <a:rPr lang="en-US" dirty="0" err="1"/>
+              <a:t>respons</a:t>
+            </a:r>
+            <a:r>
+              <a:rPr lang="en-US" dirty="0"/>
+              <a:t> </a:t>
+            </a:r>
+            <a:r>
+              <a:rPr lang="en-US" dirty="0" err="1"/>
+              <a:t>dikirim</a:t>
+            </a:r>
+            <a:r>
+              <a:rPr lang="en-US" dirty="0"/>
+              <a:t> </a:t>
+            </a:r>
+            <a:r>
+              <a:rPr lang="en-US" dirty="0" err="1"/>
+              <a:t>kembali</a:t>
+            </a:r>
+            <a:r>
+              <a:rPr lang="en-US" dirty="0"/>
+              <a:t> </a:t>
+            </a:r>
+            <a:r>
+              <a:rPr lang="en-US" dirty="0" err="1"/>
+              <a:t>ke</a:t>
+            </a:r>
+            <a:r>
+              <a:rPr lang="en-US" dirty="0"/>
+              <a:t> </a:t>
+            </a:r>
+            <a:r>
+              <a:rPr lang="en-US" dirty="0" err="1"/>
+              <a:t>klien</a:t>
+            </a:r>
+            <a:r>
+              <a:rPr lang="en-US" dirty="0"/>
+              <a:t>.</a:t>
+            </a:r>
+          </a:p>
+          <a:p>
+            <a:r>
+              <a:rPr lang="en-US" dirty="0"/>
+              <a:t>Middleware </a:t>
+            </a:r>
+            <a:r>
+              <a:rPr lang="en-US" dirty="0" err="1"/>
+              <a:t>umumnya</a:t>
+            </a:r>
+            <a:r>
+              <a:rPr lang="en-US" dirty="0"/>
+              <a:t> </a:t>
+            </a:r>
+            <a:r>
+              <a:rPr lang="en-US" dirty="0" err="1"/>
+              <a:t>digunakan</a:t>
+            </a:r>
+            <a:r>
+              <a:rPr lang="en-US" dirty="0"/>
+              <a:t> </a:t>
+            </a:r>
+            <a:r>
+              <a:rPr lang="en-US" dirty="0" err="1"/>
+              <a:t>untuk</a:t>
+            </a:r>
+            <a:r>
+              <a:rPr lang="en-US" dirty="0"/>
+              <a:t> </a:t>
+            </a:r>
+            <a:r>
+              <a:rPr lang="en-US" dirty="0" err="1"/>
+              <a:t>berbagai</a:t>
+            </a:r>
+            <a:r>
+              <a:rPr lang="en-US" dirty="0"/>
+              <a:t> </a:t>
+            </a:r>
+            <a:r>
+              <a:rPr lang="en-US" dirty="0" err="1"/>
+              <a:t>tujuan</a:t>
+            </a:r>
+            <a:r>
+              <a:rPr lang="en-US" dirty="0"/>
+              <a:t>, </a:t>
+            </a:r>
+            <a:r>
+              <a:rPr lang="en-US" dirty="0" err="1"/>
+              <a:t>seperti</a:t>
+            </a:r>
+            <a:r>
+              <a:rPr lang="en-US" dirty="0"/>
+              <a:t> </a:t>
+            </a:r>
+            <a:r>
+              <a:rPr lang="en-US" dirty="0" err="1"/>
+              <a:t>otentikasi</a:t>
+            </a:r>
+            <a:r>
+              <a:rPr lang="en-US" dirty="0"/>
+              <a:t>, </a:t>
+            </a:r>
+            <a:r>
+              <a:rPr lang="en-US" dirty="0" err="1"/>
+              <a:t>otorisasi</a:t>
+            </a:r>
+            <a:r>
+              <a:rPr lang="en-US" dirty="0"/>
+              <a:t>, logging, </a:t>
+            </a:r>
+            <a:r>
+              <a:rPr lang="en-US" dirty="0" err="1"/>
+              <a:t>pengolahan</a:t>
+            </a:r>
+            <a:r>
+              <a:rPr lang="en-US" dirty="0"/>
+              <a:t> data, dan </a:t>
+            </a:r>
+            <a:r>
+              <a:rPr lang="en-US" dirty="0" err="1"/>
+              <a:t>penanganan</a:t>
+            </a:r>
+            <a:r>
+              <a:rPr lang="en-US" dirty="0"/>
+              <a:t> error.</a:t>
+            </a:r>
           </a:p>
         </p:txBody>
       </p:sp>
@@ -3830,14 +4185,7 @@
               <a:rPr lang="en-US" dirty="0">
                 <a:latin typeface="inherit"/>
               </a:rPr>
-              <a:t>MD</a:t>
-            </a:r>
-            <a:r>
-              <a:rPr lang="en-US" sz="4400" b="0" i="0" dirty="0">
-                <a:effectLst/>
-                <a:latin typeface="inherit"/>
-              </a:rPr>
-              <a:t>5</a:t>
+              <a:t>REDIS</a:t>
             </a:r>
             <a:endParaRPr lang="en-US" dirty="0"/>
           </a:p>
@@ -3873,175 +4221,109 @@
               <a:buNone/>
             </a:pPr>
             <a:r>
-              <a:rPr lang="en-US" dirty="0" err="1">
-                <a:solidFill>
-                  <a:srgbClr val="212529"/>
-                </a:solidFill>
-                <a:latin typeface="Inter"/>
-              </a:rPr>
-              <a:t>M</a:t>
-            </a:r>
-            <a:r>
-              <a:rPr lang="en-US" b="0" i="0" dirty="0" err="1">
-                <a:solidFill>
-                  <a:srgbClr val="212529"/>
-                </a:solidFill>
-                <a:effectLst/>
-                <a:latin typeface="Inter"/>
-              </a:rPr>
-              <a:t>erupakan</a:t>
-            </a:r>
-            <a:r>
-              <a:rPr lang="en-US" b="0" i="0" dirty="0">
-                <a:solidFill>
-                  <a:srgbClr val="212529"/>
-                </a:solidFill>
-                <a:effectLst/>
-                <a:latin typeface="Inter"/>
-              </a:rPr>
+              <a:rPr lang="en-US" b="1" dirty="0"/>
+              <a:t>Redis</a:t>
+            </a:r>
+            <a:r>
+              <a:rPr lang="en-US" dirty="0"/>
+              <a:t> (Remote Dictionary Server) </a:t>
+            </a:r>
+            <a:r>
+              <a:rPr lang="en-US" dirty="0" err="1"/>
+              <a:t>adalah</a:t>
+            </a:r>
+            <a:r>
+              <a:rPr lang="en-US" dirty="0"/>
               <a:t> </a:t>
             </a:r>
             <a:r>
-              <a:rPr lang="en-US" b="0" i="0" dirty="0" err="1">
-                <a:solidFill>
-                  <a:srgbClr val="212529"/>
-                </a:solidFill>
-                <a:effectLst/>
-                <a:latin typeface="Inter"/>
-              </a:rPr>
-              <a:t>sebuah</a:t>
-            </a:r>
-            <a:r>
-              <a:rPr lang="en-US" b="0" i="0" dirty="0">
-                <a:solidFill>
-                  <a:srgbClr val="212529"/>
-                </a:solidFill>
-                <a:effectLst/>
-                <a:latin typeface="Inter"/>
-              </a:rPr>
+              <a:rPr lang="en-US" dirty="0" err="1"/>
+              <a:t>sistem</a:t>
+            </a:r>
+            <a:r>
+              <a:rPr lang="en-US" dirty="0"/>
               <a:t> </a:t>
             </a:r>
             <a:r>
-              <a:rPr lang="en-US" b="0" i="0" dirty="0" err="1">
-                <a:solidFill>
-                  <a:srgbClr val="212529"/>
-                </a:solidFill>
-                <a:effectLst/>
-                <a:latin typeface="Inter"/>
-              </a:rPr>
-              <a:t>algoritma</a:t>
-            </a:r>
-            <a:r>
-              <a:rPr lang="en-US" b="0" i="0" dirty="0">
-                <a:solidFill>
-                  <a:srgbClr val="212529"/>
-                </a:solidFill>
-                <a:effectLst/>
-                <a:latin typeface="Inter"/>
-              </a:rPr>
+              <a:rPr lang="en-US" dirty="0" err="1"/>
+              <a:t>penyimpanan</a:t>
+            </a:r>
+            <a:r>
+              <a:rPr lang="en-US" dirty="0"/>
+              <a:t> data </a:t>
+            </a:r>
+            <a:r>
+              <a:rPr lang="en-US" dirty="0" err="1"/>
+              <a:t>berbasis</a:t>
+            </a:r>
+            <a:r>
+              <a:rPr lang="en-US" dirty="0"/>
               <a:t> </a:t>
             </a:r>
             <a:r>
-              <a:rPr lang="en-US" b="0" i="0" dirty="0" err="1">
-                <a:solidFill>
-                  <a:srgbClr val="212529"/>
-                </a:solidFill>
-                <a:effectLst/>
-                <a:latin typeface="Inter"/>
-              </a:rPr>
-              <a:t>fungsi</a:t>
-            </a:r>
-            <a:r>
-              <a:rPr lang="en-US" b="0" i="0" dirty="0">
-                <a:solidFill>
-                  <a:srgbClr val="212529"/>
-                </a:solidFill>
-                <a:effectLst/>
-                <a:latin typeface="Inter"/>
-              </a:rPr>
-              <a:t> hash </a:t>
-            </a:r>
-            <a:r>
-              <a:rPr lang="en-US" b="0" i="0" dirty="0" err="1">
-                <a:solidFill>
-                  <a:srgbClr val="212529"/>
-                </a:solidFill>
-                <a:effectLst/>
-                <a:latin typeface="Inter"/>
-              </a:rPr>
-              <a:t>dari</a:t>
-            </a:r>
-            <a:r>
-              <a:rPr lang="en-US" b="0" i="0" dirty="0">
-                <a:solidFill>
-                  <a:srgbClr val="212529"/>
-                </a:solidFill>
-                <a:effectLst/>
-                <a:latin typeface="Inter"/>
-              </a:rPr>
+              <a:rPr lang="en-US" dirty="0" err="1"/>
+              <a:t>memori</a:t>
+            </a:r>
+            <a:r>
+              <a:rPr lang="en-US" dirty="0"/>
+              <a:t> yang sangat </a:t>
+            </a:r>
+            <a:r>
+              <a:rPr lang="en-US" dirty="0" err="1"/>
+              <a:t>cepat</a:t>
+            </a:r>
+            <a:r>
+              <a:rPr lang="en-US" dirty="0"/>
+              <a:t> dan </a:t>
+            </a:r>
+            <a:r>
+              <a:rPr lang="en-US" dirty="0" err="1"/>
+              <a:t>digunakan</a:t>
+            </a:r>
+            <a:r>
+              <a:rPr lang="en-US" dirty="0"/>
               <a:t> </a:t>
             </a:r>
             <a:r>
-              <a:rPr lang="en-US" b="0" i="0" dirty="0" err="1">
-                <a:solidFill>
-                  <a:srgbClr val="212529"/>
-                </a:solidFill>
-                <a:effectLst/>
-                <a:latin typeface="Inter"/>
-              </a:rPr>
-              <a:t>kriptografi</a:t>
-            </a:r>
-            <a:r>
-              <a:rPr lang="en-US" b="0" i="0" dirty="0">
-                <a:solidFill>
-                  <a:srgbClr val="212529"/>
-                </a:solidFill>
-                <a:effectLst/>
-                <a:latin typeface="Inter"/>
-              </a:rPr>
-              <a:t> yang di </a:t>
-            </a:r>
-            <a:r>
-              <a:rPr lang="en-US" b="0" i="0" dirty="0" err="1">
-                <a:solidFill>
-                  <a:srgbClr val="212529"/>
-                </a:solidFill>
-                <a:effectLst/>
-                <a:latin typeface="Inter"/>
-              </a:rPr>
-              <a:t>gunakan</a:t>
-            </a:r>
-            <a:r>
-              <a:rPr lang="en-US" b="0" i="0" dirty="0">
-                <a:solidFill>
-                  <a:srgbClr val="212529"/>
-                </a:solidFill>
-                <a:effectLst/>
-                <a:latin typeface="Inter"/>
-              </a:rPr>
+              <a:rPr lang="en-US" dirty="0" err="1"/>
+              <a:t>untuk</a:t>
+            </a:r>
+            <a:r>
+              <a:rPr lang="en-US" dirty="0"/>
+              <a:t> caching, </a:t>
+            </a:r>
+            <a:r>
+              <a:rPr lang="en-US" dirty="0" err="1"/>
+              <a:t>penyimpanan</a:t>
+            </a:r>
+            <a:r>
+              <a:rPr lang="en-US" dirty="0"/>
+              <a:t> data </a:t>
+            </a:r>
+            <a:r>
+              <a:rPr lang="en-US" dirty="0" err="1"/>
+              <a:t>sementara</a:t>
+            </a:r>
+            <a:r>
+              <a:rPr lang="en-US" dirty="0"/>
+              <a:t>, dan </a:t>
+            </a:r>
+            <a:r>
+              <a:rPr lang="en-US" dirty="0" err="1"/>
+              <a:t>antrian</a:t>
+            </a:r>
+            <a:r>
+              <a:rPr lang="en-US" dirty="0"/>
               <a:t> </a:t>
             </a:r>
             <a:r>
-              <a:rPr lang="en-US" b="0" i="0" dirty="0" err="1">
-                <a:solidFill>
-                  <a:srgbClr val="212529"/>
-                </a:solidFill>
-                <a:effectLst/>
-                <a:latin typeface="Inter"/>
-              </a:rPr>
-              <a:t>dengan</a:t>
-            </a:r>
-            <a:r>
-              <a:rPr lang="en-US" b="0" i="0" dirty="0">
-                <a:solidFill>
-                  <a:srgbClr val="212529"/>
-                </a:solidFill>
-                <a:effectLst/>
-                <a:latin typeface="Inter"/>
-              </a:rPr>
-              <a:t> hash value 128-bit</a:t>
-            </a:r>
-            <a:endParaRPr lang="en-US" dirty="0"/>
+              <a:rPr lang="en-US" dirty="0" err="1"/>
+              <a:t>pesan</a:t>
+            </a:r>
+            <a:r>
+              <a:rPr lang="en-US" dirty="0"/>
+              <a:t>.</a:t>
+            </a:r>
           </a:p>
         </p:txBody>
       </p:sp>
@@ -4092,398 +4374,6 @@
             </a:lvl1pPr>
           </a:lstStyle>
           <a:p>
-            <a:endParaRPr lang="en-US" dirty="0"/>
-          </a:p>
-        </p:txBody>
-      </p:sp>
-      <p:sp>
-        <p:nvSpPr>
-          <p:cNvPr id="5" name="Judul 1">
-            <a:extLst>
-              <a:ext uri="{FF2B5EF4-FFF2-40B4-BE49-F238E27FC236}">
-                <a16:creationId xmlns:a16="http://schemas.microsoft.com/office/drawing/2014/main" id="{CECE605D-49C5-C2F8-8E65-C4124BF97C56}"/>
-              </a:ext>
-            </a:extLst>
-          </p:cNvPr>
-          <p:cNvSpPr txBox="1">
-            <a:spLocks/>
-          </p:cNvSpPr>
-          <p:nvPr/>
-        </p:nvSpPr>
-        <p:spPr>
-          <a:xfrm>
-            <a:off x="838200" y="2766218"/>
-            <a:ext cx="10515600" cy="1325563"/>
-          </a:xfrm>
-          <a:prstGeom prst="rect">
-            <a:avLst/>
-          </a:prstGeom>
-        </p:spPr>
-        <p:txBody>
-          <a:bodyPr vert="horz" lIns="91440" tIns="45720" rIns="91440" bIns="45720" rtlCol="0" anchor="ctr">
-            <a:normAutofit/>
-          </a:bodyPr>
-          <a:lstStyle>
-            <a:lvl1pPr algn="l" defTabSz="914400" rtl="0" eaLnBrk="1" latinLnBrk="0" hangingPunct="1">
-              <a:lnSpc>
-                <a:spcPct val="90000"/>
-              </a:lnSpc>
-              <a:spcBef>
-                <a:spcPct val="0"/>
-              </a:spcBef>
-              <a:buNone/>
-              <a:defRPr sz="4400" kern="1200">
-                <a:solidFill>
-                  <a:schemeClr val="tx1"/>
-                </a:solidFill>
-                <a:latin typeface="+mj-lt"/>
-                <a:ea typeface="+mj-ea"/>
-                <a:cs typeface="+mj-cs"/>
-              </a:defRPr>
-            </a:lvl1pPr>
-          </a:lstStyle>
-          <a:p>
-            <a:r>
-              <a:rPr lang="en-US" dirty="0" err="1">
-                <a:latin typeface="inherit"/>
-              </a:rPr>
-              <a:t>Bycript</a:t>
-            </a:r>
-            <a:endParaRPr lang="en-US" dirty="0"/>
-          </a:p>
-        </p:txBody>
-      </p:sp>
-      <p:sp>
-        <p:nvSpPr>
-          <p:cNvPr id="6" name="Tampungan Konten 2">
-            <a:extLst>
-              <a:ext uri="{FF2B5EF4-FFF2-40B4-BE49-F238E27FC236}">
-                <a16:creationId xmlns:a16="http://schemas.microsoft.com/office/drawing/2014/main" id="{EED06754-17CA-86BF-AE39-E7D007AABCED}"/>
-              </a:ext>
-            </a:extLst>
-          </p:cNvPr>
-          <p:cNvSpPr txBox="1">
-            <a:spLocks/>
-          </p:cNvSpPr>
-          <p:nvPr/>
-        </p:nvSpPr>
-        <p:spPr>
-          <a:xfrm>
-            <a:off x="838200" y="4226718"/>
-            <a:ext cx="10515600" cy="1480283"/>
-          </a:xfrm>
-          <a:prstGeom prst="rect">
-            <a:avLst/>
-          </a:prstGeom>
-        </p:spPr>
-        <p:txBody>
-          <a:bodyPr vert="horz" lIns="91440" tIns="45720" rIns="91440" bIns="45720" rtlCol="0">
-            <a:normAutofit/>
-          </a:bodyPr>
-          <a:lstStyle>
-            <a:lvl1pPr marL="228600" indent="-228600" algn="l" defTabSz="914400" rtl="0" eaLnBrk="1" latinLnBrk="0" hangingPunct="1">
-              <a:lnSpc>
-                <a:spcPct val="90000"/>
-              </a:lnSpc>
-              <a:spcBef>
-                <a:spcPts val="1000"/>
-              </a:spcBef>
-              <a:buFont typeface="Arial" panose="020B0604020202020204" pitchFamily="34" charset="0"/>
-              <a:buChar char="•"/>
-              <a:defRPr sz="2800" kern="1200">
-                <a:solidFill>
-                  <a:schemeClr val="tx1"/>
-                </a:solidFill>
-                <a:latin typeface="+mn-lt"/>
-                <a:ea typeface="+mn-ea"/>
-                <a:cs typeface="+mn-cs"/>
-              </a:defRPr>
-            </a:lvl1pPr>
-            <a:lvl2pPr marL="685800" indent="-228600" algn="l" defTabSz="914400" rtl="0" eaLnBrk="1" latinLnBrk="0" hangingPunct="1">
-              <a:lnSpc>
-                <a:spcPct val="90000"/>
-              </a:lnSpc>
-              <a:spcBef>
-                <a:spcPts val="500"/>
-              </a:spcBef>
-              <a:buFont typeface="Arial" panose="020B0604020202020204" pitchFamily="34" charset="0"/>
-              <a:buChar char="•"/>
-              <a:defRPr sz="2400" kern="1200">
-                <a:solidFill>
-                  <a:schemeClr val="tx1"/>
-                </a:solidFill>
-                <a:latin typeface="+mn-lt"/>
-                <a:ea typeface="+mn-ea"/>
-                <a:cs typeface="+mn-cs"/>
-              </a:defRPr>
-            </a:lvl2pPr>
-            <a:lvl3pPr marL="1143000" indent="-228600" algn="l" defTabSz="914400" rtl="0" eaLnBrk="1" latinLnBrk="0" hangingPunct="1">
-              <a:lnSpc>
-                <a:spcPct val="90000"/>
-              </a:lnSpc>
-              <a:spcBef>
-                <a:spcPts val="500"/>
-              </a:spcBef>
-              <a:buFont typeface="Arial" panose="020B0604020202020204" pitchFamily="34" charset="0"/>
-              <a:buChar char="•"/>
-              <a:defRPr sz="2000" kern="1200">
-                <a:solidFill>
-                  <a:schemeClr val="tx1"/>
-                </a:solidFill>
-                <a:latin typeface="+mn-lt"/>
-                <a:ea typeface="+mn-ea"/>
-                <a:cs typeface="+mn-cs"/>
-              </a:defRPr>
-            </a:lvl3pPr>
-            <a:lvl4pPr marL="1600200" indent="-228600" algn="l" defTabSz="914400" rtl="0" eaLnBrk="1" latinLnBrk="0" hangingPunct="1">
-              <a:lnSpc>
-                <a:spcPct val="90000"/>
-              </a:lnSpc>
-              <a:spcBef>
-                <a:spcPts val="500"/>
-              </a:spcBef>
-              <a:buFont typeface="Arial" panose="020B0604020202020204" pitchFamily="34" charset="0"/>
-              <a:buChar char="•"/>
-              <a:defRPr sz="1800" kern="1200">
-                <a:solidFill>
-                  <a:schemeClr val="tx1"/>
-                </a:solidFill>
-                <a:latin typeface="+mn-lt"/>
-                <a:ea typeface="+mn-ea"/>
-                <a:cs typeface="+mn-cs"/>
-              </a:defRPr>
-            </a:lvl4pPr>
-            <a:lvl5pPr marL="2057400" indent="-228600" algn="l" defTabSz="914400" rtl="0" eaLnBrk="1" latinLnBrk="0" hangingPunct="1">
-              <a:lnSpc>
-                <a:spcPct val="90000"/>
-              </a:lnSpc>
-              <a:spcBef>
-                <a:spcPts val="500"/>
-              </a:spcBef>
-              <a:buFont typeface="Arial" panose="020B0604020202020204" pitchFamily="34" charset="0"/>
-              <a:buChar char="•"/>
-              <a:defRPr sz="1800" kern="1200">
-                <a:solidFill>
-                  <a:schemeClr val="tx1"/>
-                </a:solidFill>
-                <a:latin typeface="+mn-lt"/>
-                <a:ea typeface="+mn-ea"/>
-                <a:cs typeface="+mn-cs"/>
-              </a:defRPr>
-            </a:lvl5pPr>
-            <a:lvl6pPr marL="2514600" indent="-228600" algn="l" defTabSz="914400" rtl="0" eaLnBrk="1" latinLnBrk="0" hangingPunct="1">
-              <a:lnSpc>
-                <a:spcPct val="90000"/>
-              </a:lnSpc>
-              <a:spcBef>
-                <a:spcPts val="500"/>
-              </a:spcBef>
-              <a:buFont typeface="Arial" panose="020B0604020202020204" pitchFamily="34" charset="0"/>
-              <a:buChar char="•"/>
-              <a:defRPr sz="1800" kern="1200">
-                <a:solidFill>
-                  <a:schemeClr val="tx1"/>
-                </a:solidFill>
-                <a:latin typeface="+mn-lt"/>
-                <a:ea typeface="+mn-ea"/>
-                <a:cs typeface="+mn-cs"/>
-              </a:defRPr>
-            </a:lvl6pPr>
-            <a:lvl7pPr marL="2971800" indent="-228600" algn="l" defTabSz="914400" rtl="0" eaLnBrk="1" latinLnBrk="0" hangingPunct="1">
-              <a:lnSpc>
-                <a:spcPct val="90000"/>
-              </a:lnSpc>
-              <a:spcBef>
-                <a:spcPts val="500"/>
-              </a:spcBef>
-              <a:buFont typeface="Arial" panose="020B0604020202020204" pitchFamily="34" charset="0"/>
-              <a:buChar char="•"/>
-              <a:defRPr sz="1800" kern="1200">
-                <a:solidFill>
-                  <a:schemeClr val="tx1"/>
-                </a:solidFill>
-                <a:latin typeface="+mn-lt"/>
-                <a:ea typeface="+mn-ea"/>
-                <a:cs typeface="+mn-cs"/>
-              </a:defRPr>
-            </a:lvl7pPr>
-            <a:lvl8pPr marL="3429000" indent="-228600" algn="l" defTabSz="914400" rtl="0" eaLnBrk="1" latinLnBrk="0" hangingPunct="1">
-              <a:lnSpc>
-                <a:spcPct val="90000"/>
-              </a:lnSpc>
-              <a:spcBef>
-                <a:spcPts val="500"/>
-              </a:spcBef>
-              <a:buFont typeface="Arial" panose="020B0604020202020204" pitchFamily="34" charset="0"/>
-              <a:buChar char="•"/>
-              <a:defRPr sz="1800" kern="1200">
-                <a:solidFill>
-                  <a:schemeClr val="tx1"/>
-                </a:solidFill>
-                <a:latin typeface="+mn-lt"/>
-                <a:ea typeface="+mn-ea"/>
-                <a:cs typeface="+mn-cs"/>
-              </a:defRPr>
-            </a:lvl8pPr>
-            <a:lvl9pPr marL="3886200" indent="-228600" algn="l" defTabSz="914400" rtl="0" eaLnBrk="1" latinLnBrk="0" hangingPunct="1">
-              <a:lnSpc>
-                <a:spcPct val="90000"/>
-              </a:lnSpc>
-              <a:spcBef>
-                <a:spcPts val="500"/>
-              </a:spcBef>
-              <a:buFont typeface="Arial" panose="020B0604020202020204" pitchFamily="34" charset="0"/>
-              <a:buChar char="•"/>
-              <a:defRPr sz="1800" kern="1200">
-                <a:solidFill>
-                  <a:schemeClr val="tx1"/>
-                </a:solidFill>
-                <a:latin typeface="+mn-lt"/>
-                <a:ea typeface="+mn-ea"/>
-                <a:cs typeface="+mn-cs"/>
-              </a:defRPr>
-            </a:lvl9pPr>
-          </a:lstStyle>
-          <a:p>
-            <a:pPr marL="0" indent="0">
-              <a:buFont typeface="Arial" panose="020B0604020202020204" pitchFamily="34" charset="0"/>
-              <a:buNone/>
-            </a:pPr>
-            <a:r>
-              <a:rPr lang="en-US" dirty="0" err="1">
-                <a:solidFill>
-                  <a:srgbClr val="212529"/>
-                </a:solidFill>
-                <a:latin typeface="Inter"/>
-              </a:rPr>
-              <a:t>Merupakan</a:t>
-            </a:r>
-            <a:r>
-              <a:rPr lang="en-US" dirty="0">
-                <a:solidFill>
-                  <a:srgbClr val="212529"/>
-                </a:solidFill>
-                <a:latin typeface="Inter"/>
-              </a:rPr>
-              <a:t> </a:t>
-            </a:r>
-            <a:r>
-              <a:rPr lang="en-US" dirty="0" err="1">
-                <a:solidFill>
-                  <a:srgbClr val="212529"/>
-                </a:solidFill>
-                <a:latin typeface="Inter"/>
-              </a:rPr>
-              <a:t>sebuah</a:t>
-            </a:r>
-            <a:r>
-              <a:rPr lang="en-US" dirty="0">
-                <a:solidFill>
-                  <a:srgbClr val="212529"/>
-                </a:solidFill>
-                <a:latin typeface="Inter"/>
-              </a:rPr>
-              <a:t> </a:t>
-            </a:r>
-            <a:r>
-              <a:rPr lang="en-US" dirty="0" err="1">
-                <a:solidFill>
-                  <a:srgbClr val="212529"/>
-                </a:solidFill>
-                <a:latin typeface="Inter"/>
-              </a:rPr>
-              <a:t>algoritma</a:t>
-            </a:r>
-            <a:r>
-              <a:rPr lang="en-US" dirty="0">
-                <a:solidFill>
-                  <a:srgbClr val="212529"/>
-                </a:solidFill>
-                <a:latin typeface="Inter"/>
-              </a:rPr>
-              <a:t> </a:t>
-            </a:r>
-            <a:r>
-              <a:rPr lang="en-US" dirty="0" err="1">
-                <a:solidFill>
-                  <a:srgbClr val="212529"/>
-                </a:solidFill>
-                <a:latin typeface="Inter"/>
-              </a:rPr>
-              <a:t>untuk</a:t>
-            </a:r>
-            <a:r>
-              <a:rPr lang="en-US" dirty="0">
-                <a:solidFill>
-                  <a:srgbClr val="212529"/>
-                </a:solidFill>
-                <a:latin typeface="Inter"/>
-              </a:rPr>
-              <a:t> </a:t>
-            </a:r>
-            <a:r>
-              <a:rPr lang="en-US" dirty="0" err="1">
-                <a:solidFill>
-                  <a:srgbClr val="212529"/>
-                </a:solidFill>
-                <a:latin typeface="Inter"/>
-              </a:rPr>
-              <a:t>mengkonversi</a:t>
-            </a:r>
-            <a:r>
-              <a:rPr lang="en-US" dirty="0">
-                <a:solidFill>
-                  <a:srgbClr val="212529"/>
-                </a:solidFill>
-                <a:latin typeface="Inter"/>
-              </a:rPr>
-              <a:t> plaintext </a:t>
-            </a:r>
-            <a:r>
-              <a:rPr lang="en-US" dirty="0" err="1">
-                <a:solidFill>
-                  <a:srgbClr val="212529"/>
-                </a:solidFill>
-                <a:latin typeface="Inter"/>
-              </a:rPr>
-              <a:t>menjadi</a:t>
-            </a:r>
-            <a:r>
-              <a:rPr lang="en-US" dirty="0">
-                <a:solidFill>
-                  <a:srgbClr val="212529"/>
-                </a:solidFill>
-                <a:latin typeface="Inter"/>
-              </a:rPr>
-              <a:t> hash yang </a:t>
-            </a:r>
-            <a:r>
-              <a:rPr lang="en-US" dirty="0" err="1">
-                <a:solidFill>
-                  <a:srgbClr val="212529"/>
-                </a:solidFill>
-                <a:latin typeface="Inter"/>
-              </a:rPr>
-              <a:t>sulit</a:t>
-            </a:r>
-            <a:r>
-              <a:rPr lang="en-US" dirty="0">
-                <a:solidFill>
-                  <a:srgbClr val="212529"/>
-                </a:solidFill>
-                <a:latin typeface="Inter"/>
-              </a:rPr>
-              <a:t> </a:t>
-            </a:r>
-            <a:r>
-              <a:rPr lang="en-US" dirty="0" err="1">
-                <a:solidFill>
-                  <a:srgbClr val="212529"/>
-                </a:solidFill>
-                <a:latin typeface="Inter"/>
-              </a:rPr>
-              <a:t>dipecahkan</a:t>
-            </a:r>
             <a:endParaRPr lang="en-US" dirty="0"/>
           </a:p>
         </p:txBody>
@@ -4548,8 +4438,8 @@
           <a:lstStyle/>
           <a:p>
             <a:r>
-              <a:rPr lang="en-US" dirty="0"/>
-              <a:t>Agron2 </a:t>
+              <a:rPr lang="en-US" b="1" dirty="0"/>
+              <a:t>GIN</a:t>
             </a:r>
           </a:p>
         </p:txBody>
@@ -4584,406 +4474,69 @@
               <a:buNone/>
             </a:pPr>
             <a:r>
-              <a:rPr lang="en-US" dirty="0" err="1">
-                <a:solidFill>
-                  <a:srgbClr val="212529"/>
-                </a:solidFill>
-                <a:latin typeface="Inter"/>
-              </a:rPr>
-              <a:t>Merupakan</a:t>
-            </a:r>
-            <a:r>
-              <a:rPr lang="en-US" dirty="0">
-                <a:solidFill>
-                  <a:srgbClr val="212529"/>
-                </a:solidFill>
-                <a:latin typeface="Inter"/>
-              </a:rPr>
+              <a:rPr lang="en-US" b="1" dirty="0"/>
+              <a:t>Gin</a:t>
+            </a:r>
+            <a:r>
+              <a:rPr lang="en-US" dirty="0"/>
               <a:t> </a:t>
             </a:r>
             <a:r>
-              <a:rPr lang="en-US" dirty="0" err="1">
-                <a:solidFill>
-                  <a:srgbClr val="212529"/>
-                </a:solidFill>
-                <a:latin typeface="Inter"/>
-              </a:rPr>
+              <a:rPr lang="en-US" dirty="0" err="1"/>
+              <a:t>adalah</a:t>
+            </a:r>
+            <a:r>
+              <a:rPr lang="en-US" dirty="0"/>
+              <a:t> </a:t>
+            </a:r>
+            <a:r>
+              <a:rPr lang="en-US" dirty="0" err="1"/>
               <a:t>sebuah</a:t>
             </a:r>
             <a:r>
-              <a:rPr lang="en-US" dirty="0">
-                <a:solidFill>
-                  <a:srgbClr val="212529"/>
-                </a:solidFill>
-                <a:latin typeface="Inter"/>
-              </a:rPr>
+              <a:rPr lang="en-US" dirty="0"/>
+              <a:t> framework web </a:t>
+            </a:r>
+            <a:r>
+              <a:rPr lang="en-US" dirty="0" err="1"/>
+              <a:t>ringan</a:t>
+            </a:r>
+            <a:r>
+              <a:rPr lang="en-US" dirty="0"/>
+              <a:t> dan </a:t>
+            </a:r>
+            <a:r>
+              <a:rPr lang="en-US" dirty="0" err="1"/>
+              <a:t>cepat</a:t>
+            </a:r>
+            <a:r>
+              <a:rPr lang="en-US" dirty="0"/>
               <a:t> </a:t>
             </a:r>
             <a:r>
-              <a:rPr lang="en-US" dirty="0" err="1">
-                <a:solidFill>
-                  <a:srgbClr val="212529"/>
-                </a:solidFill>
-                <a:latin typeface="Inter"/>
-              </a:rPr>
-              <a:t>algoritma</a:t>
-            </a:r>
-            <a:r>
-              <a:rPr lang="en-US" dirty="0">
-                <a:solidFill>
-                  <a:srgbClr val="212529"/>
-                </a:solidFill>
-                <a:latin typeface="Inter"/>
-              </a:rPr>
+              <a:rPr lang="en-US" dirty="0" err="1"/>
+              <a:t>untuk</a:t>
+            </a:r>
+            <a:r>
+              <a:rPr lang="en-US" dirty="0"/>
               <a:t> </a:t>
             </a:r>
             <a:r>
-              <a:rPr lang="en-US" dirty="0" err="1">
-                <a:solidFill>
-                  <a:srgbClr val="212529"/>
-                </a:solidFill>
-                <a:latin typeface="Inter"/>
-              </a:rPr>
-              <a:t>untuk</a:t>
-            </a:r>
-            <a:r>
-              <a:rPr lang="en-US" dirty="0">
-                <a:solidFill>
-                  <a:srgbClr val="212529"/>
-                </a:solidFill>
-                <a:latin typeface="Inter"/>
-              </a:rPr>
+              <a:rPr lang="en-US" dirty="0" err="1"/>
+              <a:t>bahasa</a:t>
+            </a:r>
+            <a:r>
+              <a:rPr lang="en-US" dirty="0"/>
               <a:t> </a:t>
             </a:r>
             <a:r>
-              <a:rPr lang="en-US" dirty="0" err="1">
-                <a:solidFill>
-                  <a:srgbClr val="212529"/>
-                </a:solidFill>
-                <a:latin typeface="Inter"/>
-              </a:rPr>
-              <a:t>mengkonversi</a:t>
-            </a:r>
-            <a:r>
-              <a:rPr lang="en-US" dirty="0">
-                <a:solidFill>
-                  <a:srgbClr val="212529"/>
-                </a:solidFill>
-                <a:latin typeface="Inter"/>
-              </a:rPr>
-              <a:t> plaintext </a:t>
-            </a:r>
-            <a:r>
-              <a:rPr lang="en-US" dirty="0" err="1">
-                <a:solidFill>
-                  <a:srgbClr val="212529"/>
-                </a:solidFill>
-                <a:latin typeface="Inter"/>
-              </a:rPr>
-              <a:t>menjadi</a:t>
-            </a:r>
-            <a:r>
-              <a:rPr lang="en-US" dirty="0">
-                <a:solidFill>
-                  <a:srgbClr val="212529"/>
-                </a:solidFill>
-                <a:latin typeface="Inter"/>
-              </a:rPr>
-              <a:t> hash yang </a:t>
-            </a:r>
-            <a:r>
-              <a:rPr lang="en-US" dirty="0" err="1">
-                <a:solidFill>
-                  <a:srgbClr val="212529"/>
-                </a:solidFill>
-                <a:latin typeface="Inter"/>
-              </a:rPr>
-              <a:t>sulit</a:t>
-            </a:r>
-            <a:r>
-              <a:rPr lang="en-US" dirty="0">
-                <a:solidFill>
-                  <a:srgbClr val="212529"/>
-                </a:solidFill>
-                <a:latin typeface="Inter"/>
-              </a:rPr>
-              <a:t> </a:t>
-            </a:r>
-            <a:r>
-              <a:rPr lang="en-US" dirty="0" err="1">
-                <a:solidFill>
-                  <a:srgbClr val="212529"/>
-                </a:solidFill>
-                <a:latin typeface="Inter"/>
-              </a:rPr>
-              <a:t>dipecahkan</a:t>
-            </a:r>
-            <a:endParaRPr lang="en-US" dirty="0"/>
-          </a:p>
-          <a:p>
-            <a:pPr marL="0" indent="0">
-              <a:buNone/>
-            </a:pPr>
-            <a:endParaRPr lang="en-US" dirty="0"/>
-          </a:p>
-        </p:txBody>
-      </p:sp>
-      <p:sp>
-        <p:nvSpPr>
-          <p:cNvPr id="6" name="Judul 1">
-            <a:extLst>
-              <a:ext uri="{FF2B5EF4-FFF2-40B4-BE49-F238E27FC236}">
-                <a16:creationId xmlns:a16="http://schemas.microsoft.com/office/drawing/2014/main" id="{A21E893C-558C-1484-861D-C49C438E4C07}"/>
-              </a:ext>
-            </a:extLst>
-          </p:cNvPr>
-          <p:cNvSpPr txBox="1">
-            <a:spLocks/>
-          </p:cNvSpPr>
-          <p:nvPr/>
-        </p:nvSpPr>
-        <p:spPr>
-          <a:xfrm>
-            <a:off x="838200" y="2990789"/>
-            <a:ext cx="10515600" cy="842658"/>
-          </a:xfrm>
-          <a:prstGeom prst="rect">
-            <a:avLst/>
-          </a:prstGeom>
-        </p:spPr>
-        <p:txBody>
-          <a:bodyPr vert="horz" lIns="91440" tIns="45720" rIns="91440" bIns="45720" rtlCol="0" anchor="ctr">
-            <a:normAutofit/>
-          </a:bodyPr>
-          <a:lstStyle>
-            <a:lvl1pPr algn="l" defTabSz="914400" rtl="0" eaLnBrk="1" latinLnBrk="0" hangingPunct="1">
-              <a:lnSpc>
-                <a:spcPct val="90000"/>
-              </a:lnSpc>
-              <a:spcBef>
-                <a:spcPct val="0"/>
-              </a:spcBef>
-              <a:buNone/>
-              <a:defRPr sz="4400" kern="1200">
-                <a:solidFill>
-                  <a:schemeClr val="tx1"/>
-                </a:solidFill>
-                <a:latin typeface="+mj-lt"/>
-                <a:ea typeface="+mj-ea"/>
-                <a:cs typeface="+mj-cs"/>
-              </a:defRPr>
-            </a:lvl1pPr>
-          </a:lstStyle>
-          <a:p>
-            <a:r>
-              <a:rPr lang="en-US"/>
-              <a:t>Token </a:t>
-            </a:r>
-            <a:endParaRPr lang="en-US" dirty="0"/>
-          </a:p>
-        </p:txBody>
-      </p:sp>
-      <p:sp>
-        <p:nvSpPr>
-          <p:cNvPr id="7" name="Tampungan Konten 6">
-            <a:extLst>
-              <a:ext uri="{FF2B5EF4-FFF2-40B4-BE49-F238E27FC236}">
-                <a16:creationId xmlns:a16="http://schemas.microsoft.com/office/drawing/2014/main" id="{A3F9C867-A348-849F-1AAC-0571A3132665}"/>
-              </a:ext>
-            </a:extLst>
-          </p:cNvPr>
-          <p:cNvSpPr txBox="1">
-            <a:spLocks/>
-          </p:cNvSpPr>
-          <p:nvPr/>
-        </p:nvSpPr>
-        <p:spPr>
-          <a:xfrm>
-            <a:off x="838200" y="4451288"/>
-            <a:ext cx="10515600" cy="1114523"/>
-          </a:xfrm>
-          <a:prstGeom prst="rect">
-            <a:avLst/>
-          </a:prstGeom>
-        </p:spPr>
-        <p:txBody>
-          <a:bodyPr vert="horz" lIns="91440" tIns="45720" rIns="91440" bIns="45720" rtlCol="0">
-            <a:normAutofit/>
-          </a:bodyPr>
-          <a:lstStyle>
-            <a:lvl1pPr marL="228600" indent="-228600" algn="l" defTabSz="914400" rtl="0" eaLnBrk="1" latinLnBrk="0" hangingPunct="1">
-              <a:lnSpc>
-                <a:spcPct val="90000"/>
-              </a:lnSpc>
-              <a:spcBef>
-                <a:spcPts val="1000"/>
-              </a:spcBef>
-              <a:buFont typeface="Arial" panose="020B0604020202020204" pitchFamily="34" charset="0"/>
-              <a:buChar char="•"/>
-              <a:defRPr sz="2800" kern="1200">
-                <a:solidFill>
-                  <a:schemeClr val="tx1"/>
-                </a:solidFill>
-                <a:latin typeface="+mn-lt"/>
-                <a:ea typeface="+mn-ea"/>
-                <a:cs typeface="+mn-cs"/>
-              </a:defRPr>
-            </a:lvl1pPr>
-            <a:lvl2pPr marL="685800" indent="-228600" algn="l" defTabSz="914400" rtl="0" eaLnBrk="1" latinLnBrk="0" hangingPunct="1">
-              <a:lnSpc>
-                <a:spcPct val="90000"/>
-              </a:lnSpc>
-              <a:spcBef>
-                <a:spcPts val="500"/>
-              </a:spcBef>
-              <a:buFont typeface="Arial" panose="020B0604020202020204" pitchFamily="34" charset="0"/>
-              <a:buChar char="•"/>
-              <a:defRPr sz="2400" kern="1200">
-                <a:solidFill>
-                  <a:schemeClr val="tx1"/>
-                </a:solidFill>
-                <a:latin typeface="+mn-lt"/>
-                <a:ea typeface="+mn-ea"/>
-                <a:cs typeface="+mn-cs"/>
-              </a:defRPr>
-            </a:lvl2pPr>
-            <a:lvl3pPr marL="1143000" indent="-228600" algn="l" defTabSz="914400" rtl="0" eaLnBrk="1" latinLnBrk="0" hangingPunct="1">
-              <a:lnSpc>
-                <a:spcPct val="90000"/>
-              </a:lnSpc>
-              <a:spcBef>
-                <a:spcPts val="500"/>
-              </a:spcBef>
-              <a:buFont typeface="Arial" panose="020B0604020202020204" pitchFamily="34" charset="0"/>
-              <a:buChar char="•"/>
-              <a:defRPr sz="2000" kern="1200">
-                <a:solidFill>
-                  <a:schemeClr val="tx1"/>
-                </a:solidFill>
-                <a:latin typeface="+mn-lt"/>
-                <a:ea typeface="+mn-ea"/>
-                <a:cs typeface="+mn-cs"/>
-              </a:defRPr>
-            </a:lvl3pPr>
-            <a:lvl4pPr marL="1600200" indent="-228600" algn="l" defTabSz="914400" rtl="0" eaLnBrk="1" latinLnBrk="0" hangingPunct="1">
-              <a:lnSpc>
-                <a:spcPct val="90000"/>
-              </a:lnSpc>
-              <a:spcBef>
-                <a:spcPts val="500"/>
-              </a:spcBef>
-              <a:buFont typeface="Arial" panose="020B0604020202020204" pitchFamily="34" charset="0"/>
-              <a:buChar char="•"/>
-              <a:defRPr sz="1800" kern="1200">
-                <a:solidFill>
-                  <a:schemeClr val="tx1"/>
-                </a:solidFill>
-                <a:latin typeface="+mn-lt"/>
-                <a:ea typeface="+mn-ea"/>
-                <a:cs typeface="+mn-cs"/>
-              </a:defRPr>
-            </a:lvl4pPr>
-            <a:lvl5pPr marL="2057400" indent="-228600" algn="l" defTabSz="914400" rtl="0" eaLnBrk="1" latinLnBrk="0" hangingPunct="1">
-              <a:lnSpc>
-                <a:spcPct val="90000"/>
-              </a:lnSpc>
-              <a:spcBef>
-                <a:spcPts val="500"/>
-              </a:spcBef>
-              <a:buFont typeface="Arial" panose="020B0604020202020204" pitchFamily="34" charset="0"/>
-              <a:buChar char="•"/>
-              <a:defRPr sz="1800" kern="1200">
-                <a:solidFill>
-                  <a:schemeClr val="tx1"/>
-                </a:solidFill>
-                <a:latin typeface="+mn-lt"/>
-                <a:ea typeface="+mn-ea"/>
-                <a:cs typeface="+mn-cs"/>
-              </a:defRPr>
-            </a:lvl5pPr>
-            <a:lvl6pPr marL="2514600" indent="-228600" algn="l" defTabSz="914400" rtl="0" eaLnBrk="1" latinLnBrk="0" hangingPunct="1">
-              <a:lnSpc>
-                <a:spcPct val="90000"/>
-              </a:lnSpc>
-              <a:spcBef>
-                <a:spcPts val="500"/>
-              </a:spcBef>
-              <a:buFont typeface="Arial" panose="020B0604020202020204" pitchFamily="34" charset="0"/>
-              <a:buChar char="•"/>
-              <a:defRPr sz="1800" kern="1200">
-                <a:solidFill>
-                  <a:schemeClr val="tx1"/>
-                </a:solidFill>
-                <a:latin typeface="+mn-lt"/>
-                <a:ea typeface="+mn-ea"/>
-                <a:cs typeface="+mn-cs"/>
-              </a:defRPr>
-            </a:lvl6pPr>
-            <a:lvl7pPr marL="2971800" indent="-228600" algn="l" defTabSz="914400" rtl="0" eaLnBrk="1" latinLnBrk="0" hangingPunct="1">
-              <a:lnSpc>
-                <a:spcPct val="90000"/>
-              </a:lnSpc>
-              <a:spcBef>
-                <a:spcPts val="500"/>
-              </a:spcBef>
-              <a:buFont typeface="Arial" panose="020B0604020202020204" pitchFamily="34" charset="0"/>
-              <a:buChar char="•"/>
-              <a:defRPr sz="1800" kern="1200">
-                <a:solidFill>
-                  <a:schemeClr val="tx1"/>
-                </a:solidFill>
-                <a:latin typeface="+mn-lt"/>
-                <a:ea typeface="+mn-ea"/>
-                <a:cs typeface="+mn-cs"/>
-              </a:defRPr>
-            </a:lvl7pPr>
-            <a:lvl8pPr marL="3429000" indent="-228600" algn="l" defTabSz="914400" rtl="0" eaLnBrk="1" latinLnBrk="0" hangingPunct="1">
-              <a:lnSpc>
-                <a:spcPct val="90000"/>
-              </a:lnSpc>
-              <a:spcBef>
-                <a:spcPts val="500"/>
-              </a:spcBef>
-              <a:buFont typeface="Arial" panose="020B0604020202020204" pitchFamily="34" charset="0"/>
-              <a:buChar char="•"/>
-              <a:defRPr sz="1800" kern="1200">
-                <a:solidFill>
-                  <a:schemeClr val="tx1"/>
-                </a:solidFill>
-                <a:latin typeface="+mn-lt"/>
-                <a:ea typeface="+mn-ea"/>
-                <a:cs typeface="+mn-cs"/>
-              </a:defRPr>
-            </a:lvl8pPr>
-            <a:lvl9pPr marL="3886200" indent="-228600" algn="l" defTabSz="914400" rtl="0" eaLnBrk="1" latinLnBrk="0" hangingPunct="1">
-              <a:lnSpc>
-                <a:spcPct val="90000"/>
-              </a:lnSpc>
-              <a:spcBef>
-                <a:spcPts val="500"/>
-              </a:spcBef>
-              <a:buFont typeface="Arial" panose="020B0604020202020204" pitchFamily="34" charset="0"/>
-              <a:buChar char="•"/>
-              <a:defRPr sz="1800" kern="1200">
-                <a:solidFill>
-                  <a:schemeClr val="tx1"/>
-                </a:solidFill>
-                <a:latin typeface="+mn-lt"/>
-                <a:ea typeface="+mn-ea"/>
-                <a:cs typeface="+mn-cs"/>
-              </a:defRPr>
-            </a:lvl9pPr>
-          </a:lstStyle>
-          <a:p>
-            <a:pPr marL="0" indent="0">
-              <a:buFont typeface="Arial" panose="020B0604020202020204" pitchFamily="34" charset="0"/>
-              <a:buNone/>
-            </a:pPr>
-            <a:r>
-              <a:rPr lang="en-US"/>
-              <a:t>Merupakan auntentikasi yang digunakan untuk memberikan akses tertentu   </a:t>
-            </a:r>
-            <a:endParaRPr lang="en-US" dirty="0"/>
+              <a:rPr lang="en-US" dirty="0" err="1"/>
+              <a:t>pemrograman</a:t>
+            </a:r>
+            <a:r>
+              <a:rPr lang="en-US" dirty="0"/>
+              <a:t> Go (Golang).</a:t>
+            </a:r>
           </a:p>
         </p:txBody>
       </p:sp>

--- a/ppt 2.pptx
+++ b/ppt 2.pptx
@@ -6,10 +6,12 @@
   </p:sldMasterIdLst>
   <p:sldIdLst>
     <p:sldId id="256" r:id="rId2"/>
-    <p:sldId id="260" r:id="rId3"/>
-    <p:sldId id="261" r:id="rId4"/>
-    <p:sldId id="262" r:id="rId5"/>
-    <p:sldId id="263" r:id="rId6"/>
+    <p:sldId id="265" r:id="rId3"/>
+    <p:sldId id="264" r:id="rId4"/>
+    <p:sldId id="260" r:id="rId5"/>
+    <p:sldId id="261" r:id="rId6"/>
+    <p:sldId id="262" r:id="rId7"/>
+    <p:sldId id="263" r:id="rId8"/>
   </p:sldIdLst>
   <p:sldSz cx="12192000" cy="6858000"/>
   <p:notesSz cx="6858000" cy="9144000"/>
@@ -265,7 +267,7 @@
           <a:p>
             <a:fld id="{48C758BE-379E-42B5-B6D8-0F335935E9A9}" type="datetimeFigureOut">
               <a:rPr lang="en-US" smtClean="0"/>
-              <a:t>12/22/2024</a:t>
+              <a:t>12/23/2024</a:t>
             </a:fld>
             <a:endParaRPr lang="en-US"/>
           </a:p>
@@ -465,7 +467,7 @@
           <a:p>
             <a:fld id="{48C758BE-379E-42B5-B6D8-0F335935E9A9}" type="datetimeFigureOut">
               <a:rPr lang="en-US" smtClean="0"/>
-              <a:t>12/22/2024</a:t>
+              <a:t>12/23/2024</a:t>
             </a:fld>
             <a:endParaRPr lang="en-US"/>
           </a:p>
@@ -675,7 +677,7 @@
           <a:p>
             <a:fld id="{48C758BE-379E-42B5-B6D8-0F335935E9A9}" type="datetimeFigureOut">
               <a:rPr lang="en-US" smtClean="0"/>
-              <a:t>12/22/2024</a:t>
+              <a:t>12/23/2024</a:t>
             </a:fld>
             <a:endParaRPr lang="en-US"/>
           </a:p>
@@ -875,7 +877,7 @@
           <a:p>
             <a:fld id="{48C758BE-379E-42B5-B6D8-0F335935E9A9}" type="datetimeFigureOut">
               <a:rPr lang="en-US" smtClean="0"/>
-              <a:t>12/22/2024</a:t>
+              <a:t>12/23/2024</a:t>
             </a:fld>
             <a:endParaRPr lang="en-US"/>
           </a:p>
@@ -1151,7 +1153,7 @@
           <a:p>
             <a:fld id="{48C758BE-379E-42B5-B6D8-0F335935E9A9}" type="datetimeFigureOut">
               <a:rPr lang="en-US" smtClean="0"/>
-              <a:t>12/22/2024</a:t>
+              <a:t>12/23/2024</a:t>
             </a:fld>
             <a:endParaRPr lang="en-US"/>
           </a:p>
@@ -1419,7 +1421,7 @@
           <a:p>
             <a:fld id="{48C758BE-379E-42B5-B6D8-0F335935E9A9}" type="datetimeFigureOut">
               <a:rPr lang="en-US" smtClean="0"/>
-              <a:t>12/22/2024</a:t>
+              <a:t>12/23/2024</a:t>
             </a:fld>
             <a:endParaRPr lang="en-US"/>
           </a:p>
@@ -1834,7 +1836,7 @@
           <a:p>
             <a:fld id="{48C758BE-379E-42B5-B6D8-0F335935E9A9}" type="datetimeFigureOut">
               <a:rPr lang="en-US" smtClean="0"/>
-              <a:t>12/22/2024</a:t>
+              <a:t>12/23/2024</a:t>
             </a:fld>
             <a:endParaRPr lang="en-US"/>
           </a:p>
@@ -1976,7 +1978,7 @@
           <a:p>
             <a:fld id="{48C758BE-379E-42B5-B6D8-0F335935E9A9}" type="datetimeFigureOut">
               <a:rPr lang="en-US" smtClean="0"/>
-              <a:t>12/22/2024</a:t>
+              <a:t>12/23/2024</a:t>
             </a:fld>
             <a:endParaRPr lang="en-US"/>
           </a:p>
@@ -2089,7 +2091,7 @@
           <a:p>
             <a:fld id="{48C758BE-379E-42B5-B6D8-0F335935E9A9}" type="datetimeFigureOut">
               <a:rPr lang="en-US" smtClean="0"/>
-              <a:t>12/22/2024</a:t>
+              <a:t>12/23/2024</a:t>
             </a:fld>
             <a:endParaRPr lang="en-US"/>
           </a:p>
@@ -2402,7 +2404,7 @@
           <a:p>
             <a:fld id="{48C758BE-379E-42B5-B6D8-0F335935E9A9}" type="datetimeFigureOut">
               <a:rPr lang="en-US" smtClean="0"/>
-              <a:t>12/22/2024</a:t>
+              <a:t>12/23/2024</a:t>
             </a:fld>
             <a:endParaRPr lang="en-US"/>
           </a:p>
@@ -2691,7 +2693,7 @@
           <a:p>
             <a:fld id="{48C758BE-379E-42B5-B6D8-0F335935E9A9}" type="datetimeFigureOut">
               <a:rPr lang="en-US" smtClean="0"/>
-              <a:t>12/22/2024</a:t>
+              <a:t>12/23/2024</a:t>
             </a:fld>
             <a:endParaRPr lang="en-US"/>
           </a:p>
@@ -2943,7 +2945,7 @@
           <a:p>
             <a:fld id="{48C758BE-379E-42B5-B6D8-0F335935E9A9}" type="datetimeFigureOut">
               <a:rPr lang="en-US" smtClean="0"/>
-              <a:t>12/22/2024</a:t>
+              <a:t>12/23/2024</a:t>
             </a:fld>
             <a:endParaRPr lang="en-US"/>
           </a:p>
@@ -3423,15 +3425,7 @@
           <a:p>
             <a:r>
               <a:rPr lang="en-US" dirty="0"/>
-              <a:t>FGH022 Full </a:t>
-            </a:r>
-            <a:r>
-              <a:rPr lang="en-US"/>
-              <a:t>Stack Web </a:t>
-            </a:r>
-            <a:r>
-              <a:rPr lang="en-US" dirty="0"/>
-              <a:t>and Golang</a:t>
+              <a:t>Full Stack Web and Golang batch 22</a:t>
             </a:r>
           </a:p>
         </p:txBody>
@@ -3452,23 +3446,9 @@
 <file path=ppt/slides/slide2.xml><?xml version="1.0" encoding="utf-8"?>
 <p:sld xmlns:a="http://schemas.openxmlformats.org/drawingml/2006/main" xmlns:r="http://schemas.openxmlformats.org/officeDocument/2006/relationships" xmlns:p="http://schemas.openxmlformats.org/presentationml/2006/main">
   <p:cSld>
-    <p:bg>
-      <p:bgPr>
-        <a:solidFill>
-          <a:schemeClr val="bg1"/>
-        </a:solidFill>
-        <a:effectLst/>
-      </p:bgPr>
-    </p:bg>
     <p:spTree>
       <p:nvGrpSpPr>
-        <p:cNvPr id="1" name="">
-          <a:extLst>
-            <a:ext uri="{FF2B5EF4-FFF2-40B4-BE49-F238E27FC236}">
-              <a16:creationId xmlns:a16="http://schemas.microsoft.com/office/drawing/2014/main" id="{D228007D-ADC5-0BD5-8A00-81C4C663749D}"/>
-            </a:ext>
-          </a:extLst>
-        </p:cNvPr>
+        <p:cNvPr id="1" name=""/>
         <p:cNvGrpSpPr/>
         <p:nvPr/>
       </p:nvGrpSpPr>
@@ -3485,7 +3465,7 @@
           <p:cNvPr id="2" name="Judul 1">
             <a:extLst>
               <a:ext uri="{FF2B5EF4-FFF2-40B4-BE49-F238E27FC236}">
-                <a16:creationId xmlns:a16="http://schemas.microsoft.com/office/drawing/2014/main" id="{563705C0-3552-198F-41D3-268949EEEA24}"/>
+                <a16:creationId xmlns:a16="http://schemas.microsoft.com/office/drawing/2014/main" id="{B908A0B2-9CC2-5501-A74A-ADEC7CA98861}"/>
               </a:ext>
             </a:extLst>
           </p:cNvPr>
@@ -3494,6 +3474,31 @@
           </p:cNvSpPr>
           <p:nvPr>
             <p:ph type="title"/>
+          </p:nvPr>
+        </p:nvSpPr>
+        <p:spPr/>
+        <p:txBody>
+          <a:bodyPr/>
+          <a:lstStyle/>
+          <a:p>
+            <a:endParaRPr lang="en-US"/>
+          </a:p>
+        </p:txBody>
+      </p:sp>
+      <p:sp>
+        <p:nvSpPr>
+          <p:cNvPr id="3" name="Tampungan Konten 2">
+            <a:extLst>
+              <a:ext uri="{FF2B5EF4-FFF2-40B4-BE49-F238E27FC236}">
+                <a16:creationId xmlns:a16="http://schemas.microsoft.com/office/drawing/2014/main" id="{B3CD3780-D5AF-CBAA-C972-589E802CF610}"/>
+              </a:ext>
+            </a:extLst>
+          </p:cNvPr>
+          <p:cNvSpPr>
+            <a:spLocks noGrp="1"/>
+          </p:cNvSpPr>
+          <p:nvPr>
+            <p:ph idx="1"/>
           </p:nvPr>
         </p:nvSpPr>
         <p:spPr/>
@@ -3503,202 +3508,45 @@
           </a:bodyPr>
           <a:lstStyle/>
           <a:p>
-            <a:r>
-              <a:rPr lang="en-US" sz="3600" b="1" dirty="0"/>
-              <a:t>REST API </a:t>
-            </a:r>
-          </a:p>
-        </p:txBody>
-      </p:sp>
-      <p:sp>
-        <p:nvSpPr>
-          <p:cNvPr id="3" name="Tampungan Konten 2">
-            <a:extLst>
-              <a:ext uri="{FF2B5EF4-FFF2-40B4-BE49-F238E27FC236}">
-                <a16:creationId xmlns:a16="http://schemas.microsoft.com/office/drawing/2014/main" id="{2A678A85-F176-EE81-D8DF-25B5B7DAE141}"/>
-              </a:ext>
-            </a:extLst>
-          </p:cNvPr>
-          <p:cNvSpPr>
-            <a:spLocks noGrp="1"/>
-          </p:cNvSpPr>
-          <p:nvPr>
-            <p:ph idx="1"/>
-          </p:nvPr>
-        </p:nvSpPr>
-        <p:spPr/>
-        <p:txBody>
-          <a:bodyPr>
-            <a:normAutofit/>
-          </a:bodyPr>
-          <a:lstStyle/>
-          <a:p>
-            <a:pPr marL="0" indent="0" algn="l">
-              <a:buNone/>
-            </a:pPr>
-            <a:r>
-              <a:rPr lang="en-US" dirty="0"/>
-              <a:t>REST API (Representational State Transfer Application Programming Interface) </a:t>
-            </a:r>
-            <a:r>
-              <a:rPr lang="en-US" dirty="0" err="1"/>
-              <a:t>adalah</a:t>
-            </a:r>
-            <a:r>
-              <a:rPr lang="en-US" dirty="0"/>
-              <a:t> </a:t>
-            </a:r>
-            <a:r>
-              <a:rPr lang="en-US" dirty="0" err="1"/>
-              <a:t>arsitektur</a:t>
-            </a:r>
-            <a:r>
-              <a:rPr lang="en-US" dirty="0"/>
-              <a:t> yang </a:t>
-            </a:r>
-            <a:r>
-              <a:rPr lang="en-US" dirty="0" err="1"/>
-              <a:t>digunakan</a:t>
-            </a:r>
-            <a:r>
-              <a:rPr lang="en-US" dirty="0"/>
-              <a:t> </a:t>
-            </a:r>
-            <a:r>
-              <a:rPr lang="en-US" dirty="0" err="1"/>
-              <a:t>untuk</a:t>
-            </a:r>
-            <a:r>
-              <a:rPr lang="en-US" dirty="0"/>
-              <a:t> </a:t>
-            </a:r>
-            <a:r>
-              <a:rPr lang="en-US" dirty="0" err="1"/>
-              <a:t>membangun</a:t>
-            </a:r>
-            <a:r>
-              <a:rPr lang="en-US" dirty="0"/>
-              <a:t> </a:t>
-            </a:r>
-            <a:r>
-              <a:rPr lang="en-US" dirty="0" err="1"/>
-              <a:t>layanan</a:t>
-            </a:r>
-            <a:r>
-              <a:rPr lang="en-US" dirty="0"/>
-              <a:t> web yang </a:t>
-            </a:r>
-            <a:r>
-              <a:rPr lang="en-US" dirty="0" err="1"/>
-              <a:t>memungkinkan</a:t>
-            </a:r>
-            <a:r>
-              <a:rPr lang="en-US" dirty="0"/>
-              <a:t> </a:t>
-            </a:r>
-            <a:r>
-              <a:rPr lang="en-US" dirty="0" err="1"/>
-              <a:t>komunikasi</a:t>
-            </a:r>
-            <a:r>
-              <a:rPr lang="en-US" dirty="0"/>
-              <a:t> </a:t>
-            </a:r>
-            <a:r>
-              <a:rPr lang="en-US" dirty="0" err="1"/>
-              <a:t>antara</a:t>
-            </a:r>
-            <a:r>
-              <a:rPr lang="en-US" dirty="0"/>
-              <a:t> </a:t>
-            </a:r>
-            <a:r>
-              <a:rPr lang="en-US" dirty="0" err="1"/>
-              <a:t>aplikasi</a:t>
-            </a:r>
-            <a:r>
-              <a:rPr lang="en-US" dirty="0"/>
-              <a:t> </a:t>
-            </a:r>
-            <a:r>
-              <a:rPr lang="en-US" dirty="0" err="1"/>
-              <a:t>dengan</a:t>
-            </a:r>
-            <a:r>
-              <a:rPr lang="en-US" dirty="0"/>
-              <a:t> </a:t>
-            </a:r>
-            <a:r>
-              <a:rPr lang="en-US" dirty="0" err="1"/>
-              <a:t>menggunakan</a:t>
-            </a:r>
-            <a:r>
-              <a:rPr lang="en-US" dirty="0"/>
-              <a:t> </a:t>
-            </a:r>
-            <a:r>
-              <a:rPr lang="en-US" dirty="0" err="1"/>
-              <a:t>protokol</a:t>
-            </a:r>
-            <a:r>
-              <a:rPr lang="en-US" dirty="0"/>
-              <a:t> HTTP, </a:t>
-            </a:r>
-            <a:r>
-              <a:rPr lang="en-US" dirty="0" err="1"/>
-              <a:t>untuk</a:t>
-            </a:r>
-            <a:r>
-              <a:rPr lang="en-US" dirty="0"/>
-              <a:t> </a:t>
-            </a:r>
-            <a:r>
-              <a:rPr lang="en-US" dirty="0" err="1"/>
-              <a:t>mengakses</a:t>
-            </a:r>
-            <a:r>
-              <a:rPr lang="en-US" dirty="0"/>
-              <a:t> data </a:t>
-            </a:r>
-            <a:r>
-              <a:rPr lang="en-US" dirty="0" err="1"/>
-              <a:t>menggunakan</a:t>
-            </a:r>
-            <a:r>
-              <a:rPr lang="en-US" dirty="0"/>
-              <a:t> </a:t>
-            </a:r>
-            <a:r>
-              <a:rPr lang="en-US" dirty="0" err="1"/>
-              <a:t>metode</a:t>
-            </a:r>
-            <a:r>
-              <a:rPr lang="en-US" dirty="0"/>
-              <a:t> HTTP </a:t>
-            </a:r>
-            <a:r>
-              <a:rPr lang="en-US" dirty="0" err="1"/>
-              <a:t>standar</a:t>
-            </a:r>
-            <a:r>
-              <a:rPr lang="en-US" dirty="0"/>
-              <a:t> </a:t>
-            </a:r>
-            <a:r>
-              <a:rPr lang="en-US" dirty="0" err="1"/>
-              <a:t>seperti</a:t>
-            </a:r>
-            <a:r>
-              <a:rPr lang="en-US" dirty="0"/>
-              <a:t> GET, POST, PUT, DELETE, dan PATCH.</a:t>
-            </a:r>
+            <a:pPr algn="r"/>
+            <a:r>
+              <a:rPr lang="en-US" sz="5400" dirty="0"/>
+              <a:t>Back-End</a:t>
+            </a:r>
+          </a:p>
+          <a:p>
+            <a:pPr algn="r"/>
+            <a:r>
+              <a:rPr lang="en-US" sz="5400" dirty="0"/>
+              <a:t>REST API</a:t>
+            </a:r>
+          </a:p>
+          <a:p>
+            <a:pPr algn="r"/>
+            <a:r>
+              <a:rPr lang="en-US" sz="5400" b="0" i="0" dirty="0">
+                <a:effectLst/>
+                <a:latin typeface="inherit"/>
+              </a:rPr>
+              <a:t>Middleware</a:t>
+            </a:r>
+          </a:p>
+          <a:p>
+            <a:pPr algn="r"/>
+            <a:r>
+              <a:rPr lang="en-US" sz="5400" dirty="0">
+                <a:latin typeface="inherit"/>
+              </a:rPr>
+              <a:t>Redis</a:t>
+            </a:r>
+            <a:endParaRPr lang="en-US" sz="5400" dirty="0"/>
           </a:p>
         </p:txBody>
       </p:sp>
     </p:spTree>
     <p:extLst>
       <p:ext uri="{BB962C8B-B14F-4D97-AF65-F5344CB8AC3E}">
-        <p14:creationId xmlns:p14="http://schemas.microsoft.com/office/powerpoint/2010/main" val="1055062321"/>
+        <p14:creationId xmlns:p14="http://schemas.microsoft.com/office/powerpoint/2010/main" val="549608971"/>
       </p:ext>
     </p:extLst>
   </p:cSld>
@@ -3738,6 +3586,450 @@
           <p:cNvPr id="2" name="Judul 1">
             <a:extLst>
               <a:ext uri="{FF2B5EF4-FFF2-40B4-BE49-F238E27FC236}">
+                <a16:creationId xmlns:a16="http://schemas.microsoft.com/office/drawing/2014/main" id="{955A55E6-9BA1-FD29-93E7-EA25F91C58C3}"/>
+              </a:ext>
+            </a:extLst>
+          </p:cNvPr>
+          <p:cNvSpPr>
+            <a:spLocks noGrp="1"/>
+          </p:cNvSpPr>
+          <p:nvPr>
+            <p:ph type="title"/>
+          </p:nvPr>
+        </p:nvSpPr>
+        <p:spPr/>
+        <p:txBody>
+          <a:bodyPr/>
+          <a:lstStyle/>
+          <a:p>
+            <a:r>
+              <a:rPr lang="en-US" b="1" dirty="0"/>
+              <a:t>Back-End</a:t>
+            </a:r>
+          </a:p>
+        </p:txBody>
+      </p:sp>
+      <p:sp>
+        <p:nvSpPr>
+          <p:cNvPr id="3" name="Tampungan Konten 2">
+            <a:extLst>
+              <a:ext uri="{FF2B5EF4-FFF2-40B4-BE49-F238E27FC236}">
+                <a16:creationId xmlns:a16="http://schemas.microsoft.com/office/drawing/2014/main" id="{1F5A5D98-3355-1722-0413-8D2AC3838260}"/>
+              </a:ext>
+            </a:extLst>
+          </p:cNvPr>
+          <p:cNvSpPr>
+            <a:spLocks noGrp="1"/>
+          </p:cNvSpPr>
+          <p:nvPr>
+            <p:ph idx="1"/>
+          </p:nvPr>
+        </p:nvSpPr>
+        <p:spPr/>
+        <p:txBody>
+          <a:bodyPr/>
+          <a:lstStyle/>
+          <a:p>
+            <a:pPr marL="0" indent="0">
+              <a:buNone/>
+            </a:pPr>
+            <a:r>
+              <a:rPr lang="en-US" dirty="0"/>
+              <a:t>Back-end </a:t>
+            </a:r>
+            <a:r>
+              <a:rPr lang="en-US" dirty="0" err="1"/>
+              <a:t>merupakan</a:t>
+            </a:r>
+            <a:r>
+              <a:rPr lang="en-US" dirty="0"/>
+              <a:t> </a:t>
+            </a:r>
+            <a:r>
+              <a:rPr lang="en-US" dirty="0" err="1"/>
+              <a:t>bagian</a:t>
+            </a:r>
+            <a:r>
+              <a:rPr lang="en-US" dirty="0"/>
+              <a:t> </a:t>
+            </a:r>
+            <a:r>
+              <a:rPr lang="en-US" dirty="0" err="1"/>
+              <a:t>dari</a:t>
+            </a:r>
+            <a:r>
+              <a:rPr lang="en-US" dirty="0"/>
+              <a:t> </a:t>
+            </a:r>
+            <a:r>
+              <a:rPr lang="en-US" dirty="0" err="1"/>
+              <a:t>aplikasi</a:t>
+            </a:r>
+            <a:r>
+              <a:rPr lang="en-US" dirty="0"/>
+              <a:t> yang </a:t>
+            </a:r>
+            <a:r>
+              <a:rPr lang="en-US" dirty="0" err="1"/>
+              <a:t>bertanggung</a:t>
+            </a:r>
+            <a:r>
+              <a:rPr lang="en-US" dirty="0"/>
+              <a:t> </a:t>
+            </a:r>
+            <a:r>
+              <a:rPr lang="en-US" dirty="0" err="1"/>
+              <a:t>jawab</a:t>
+            </a:r>
+            <a:r>
+              <a:rPr lang="en-US" dirty="0"/>
+              <a:t> </a:t>
+            </a:r>
+            <a:r>
+              <a:rPr lang="en-US" dirty="0" err="1"/>
+              <a:t>untuk</a:t>
+            </a:r>
+            <a:r>
+              <a:rPr lang="en-US" dirty="0"/>
+              <a:t> </a:t>
+            </a:r>
+            <a:r>
+              <a:rPr lang="en-US" dirty="0" err="1"/>
+              <a:t>menyediakan</a:t>
+            </a:r>
+            <a:r>
+              <a:rPr lang="en-US" dirty="0"/>
+              <a:t> </a:t>
+            </a:r>
+            <a:r>
+              <a:rPr lang="en-US" dirty="0" err="1"/>
+              <a:t>kebutuhan</a:t>
+            </a:r>
+            <a:r>
+              <a:rPr lang="en-US" dirty="0"/>
+              <a:t> yang </a:t>
+            </a:r>
+            <a:r>
+              <a:rPr lang="en-US" dirty="0" err="1"/>
+              <a:t>tak</a:t>
+            </a:r>
+            <a:r>
+              <a:rPr lang="en-US" dirty="0"/>
+              <a:t> </a:t>
+            </a:r>
+            <a:r>
+              <a:rPr lang="en-US" dirty="0" err="1"/>
+              <a:t>terlihat</a:t>
+            </a:r>
+            <a:r>
+              <a:rPr lang="en-US" dirty="0"/>
+              <a:t> oleh user</a:t>
+            </a:r>
+          </a:p>
+        </p:txBody>
+      </p:sp>
+    </p:spTree>
+    <p:extLst>
+      <p:ext uri="{BB962C8B-B14F-4D97-AF65-F5344CB8AC3E}">
+        <p14:creationId xmlns:p14="http://schemas.microsoft.com/office/powerpoint/2010/main" val="76728007"/>
+      </p:ext>
+    </p:extLst>
+  </p:cSld>
+  <p:clrMapOvr>
+    <a:masterClrMapping/>
+  </p:clrMapOvr>
+</p:sld>
+</file>
+
+<file path=ppt/slides/slide4.xml><?xml version="1.0" encoding="utf-8"?>
+<p:sld xmlns:a="http://schemas.openxmlformats.org/drawingml/2006/main" xmlns:r="http://schemas.openxmlformats.org/officeDocument/2006/relationships" xmlns:p="http://schemas.openxmlformats.org/presentationml/2006/main">
+  <p:cSld>
+    <p:bg>
+      <p:bgPr>
+        <a:solidFill>
+          <a:schemeClr val="bg1"/>
+        </a:solidFill>
+        <a:effectLst/>
+      </p:bgPr>
+    </p:bg>
+    <p:spTree>
+      <p:nvGrpSpPr>
+        <p:cNvPr id="1" name="">
+          <a:extLst>
+            <a:ext uri="{FF2B5EF4-FFF2-40B4-BE49-F238E27FC236}">
+              <a16:creationId xmlns:a16="http://schemas.microsoft.com/office/drawing/2014/main" id="{D228007D-ADC5-0BD5-8A00-81C4C663749D}"/>
+            </a:ext>
+          </a:extLst>
+        </p:cNvPr>
+        <p:cNvGrpSpPr/>
+        <p:nvPr/>
+      </p:nvGrpSpPr>
+      <p:grpSpPr>
+        <a:xfrm>
+          <a:off x="0" y="0"/>
+          <a:ext cx="0" cy="0"/>
+          <a:chOff x="0" y="0"/>
+          <a:chExt cx="0" cy="0"/>
+        </a:xfrm>
+      </p:grpSpPr>
+      <p:sp>
+        <p:nvSpPr>
+          <p:cNvPr id="2" name="Judul 1">
+            <a:extLst>
+              <a:ext uri="{FF2B5EF4-FFF2-40B4-BE49-F238E27FC236}">
+                <a16:creationId xmlns:a16="http://schemas.microsoft.com/office/drawing/2014/main" id="{563705C0-3552-198F-41D3-268949EEEA24}"/>
+              </a:ext>
+            </a:extLst>
+          </p:cNvPr>
+          <p:cNvSpPr>
+            <a:spLocks noGrp="1"/>
+          </p:cNvSpPr>
+          <p:nvPr>
+            <p:ph type="title"/>
+          </p:nvPr>
+        </p:nvSpPr>
+        <p:spPr/>
+        <p:txBody>
+          <a:bodyPr>
+            <a:normAutofit/>
+          </a:bodyPr>
+          <a:lstStyle/>
+          <a:p>
+            <a:r>
+              <a:rPr lang="en-US" sz="3600" b="1" dirty="0"/>
+              <a:t>REST API </a:t>
+            </a:r>
+          </a:p>
+        </p:txBody>
+      </p:sp>
+      <p:sp>
+        <p:nvSpPr>
+          <p:cNvPr id="3" name="Tampungan Konten 2">
+            <a:extLst>
+              <a:ext uri="{FF2B5EF4-FFF2-40B4-BE49-F238E27FC236}">
+                <a16:creationId xmlns:a16="http://schemas.microsoft.com/office/drawing/2014/main" id="{2A678A85-F176-EE81-D8DF-25B5B7DAE141}"/>
+              </a:ext>
+            </a:extLst>
+          </p:cNvPr>
+          <p:cNvSpPr>
+            <a:spLocks noGrp="1"/>
+          </p:cNvSpPr>
+          <p:nvPr>
+            <p:ph idx="1"/>
+          </p:nvPr>
+        </p:nvSpPr>
+        <p:spPr/>
+        <p:txBody>
+          <a:bodyPr>
+            <a:normAutofit/>
+          </a:bodyPr>
+          <a:lstStyle/>
+          <a:p>
+            <a:pPr marL="0" indent="0" algn="l">
+              <a:buNone/>
+            </a:pPr>
+            <a:r>
+              <a:rPr lang="en-US" dirty="0"/>
+              <a:t>REST API (Representational State Transfer Application Programming Interface) </a:t>
+            </a:r>
+            <a:r>
+              <a:rPr lang="en-US" dirty="0" err="1"/>
+              <a:t>adalah</a:t>
+            </a:r>
+            <a:r>
+              <a:rPr lang="en-US" dirty="0"/>
+              <a:t> </a:t>
+            </a:r>
+            <a:r>
+              <a:rPr lang="en-US" dirty="0" err="1"/>
+              <a:t>arsitektur</a:t>
+            </a:r>
+            <a:r>
+              <a:rPr lang="en-US" dirty="0"/>
+              <a:t> yang </a:t>
+            </a:r>
+            <a:r>
+              <a:rPr lang="en-US" dirty="0" err="1"/>
+              <a:t>digunakan</a:t>
+            </a:r>
+            <a:r>
+              <a:rPr lang="en-US" dirty="0"/>
+              <a:t> </a:t>
+            </a:r>
+            <a:r>
+              <a:rPr lang="en-US" dirty="0" err="1"/>
+              <a:t>untuk</a:t>
+            </a:r>
+            <a:r>
+              <a:rPr lang="en-US" dirty="0"/>
+              <a:t> </a:t>
+            </a:r>
+            <a:r>
+              <a:rPr lang="en-US" dirty="0" err="1"/>
+              <a:t>membangun</a:t>
+            </a:r>
+            <a:r>
+              <a:rPr lang="en-US" dirty="0"/>
+              <a:t> </a:t>
+            </a:r>
+            <a:r>
+              <a:rPr lang="en-US" dirty="0" err="1"/>
+              <a:t>layanan</a:t>
+            </a:r>
+            <a:r>
+              <a:rPr lang="en-US" dirty="0"/>
+              <a:t> web yang </a:t>
+            </a:r>
+            <a:r>
+              <a:rPr lang="en-US" dirty="0" err="1"/>
+              <a:t>memungkinkan</a:t>
+            </a:r>
+            <a:r>
+              <a:rPr lang="en-US" dirty="0"/>
+              <a:t> </a:t>
+            </a:r>
+            <a:r>
+              <a:rPr lang="en-US" dirty="0" err="1"/>
+              <a:t>komunikasi</a:t>
+            </a:r>
+            <a:r>
+              <a:rPr lang="en-US" dirty="0"/>
+              <a:t> </a:t>
+            </a:r>
+            <a:r>
+              <a:rPr lang="en-US" dirty="0" err="1"/>
+              <a:t>antara</a:t>
+            </a:r>
+            <a:r>
+              <a:rPr lang="en-US" dirty="0"/>
+              <a:t> </a:t>
+            </a:r>
+            <a:r>
+              <a:rPr lang="en-US" dirty="0" err="1"/>
+              <a:t>aplikasi</a:t>
+            </a:r>
+            <a:r>
+              <a:rPr lang="en-US" dirty="0"/>
+              <a:t> </a:t>
+            </a:r>
+            <a:r>
+              <a:rPr lang="en-US" dirty="0" err="1"/>
+              <a:t>dengan</a:t>
+            </a:r>
+            <a:r>
+              <a:rPr lang="en-US" dirty="0"/>
+              <a:t> </a:t>
+            </a:r>
+            <a:r>
+              <a:rPr lang="en-US" dirty="0" err="1"/>
+              <a:t>menggunakan</a:t>
+            </a:r>
+            <a:r>
+              <a:rPr lang="en-US" dirty="0"/>
+              <a:t> </a:t>
+            </a:r>
+            <a:r>
+              <a:rPr lang="en-US" dirty="0" err="1"/>
+              <a:t>protokol</a:t>
+            </a:r>
+            <a:r>
+              <a:rPr lang="en-US" dirty="0"/>
+              <a:t> HTTP, </a:t>
+            </a:r>
+            <a:r>
+              <a:rPr lang="en-US" dirty="0" err="1"/>
+              <a:t>untuk</a:t>
+            </a:r>
+            <a:r>
+              <a:rPr lang="en-US" dirty="0"/>
+              <a:t> </a:t>
+            </a:r>
+            <a:r>
+              <a:rPr lang="en-US" dirty="0" err="1"/>
+              <a:t>mengakses</a:t>
+            </a:r>
+            <a:r>
+              <a:rPr lang="en-US" dirty="0"/>
+              <a:t> data </a:t>
+            </a:r>
+            <a:r>
+              <a:rPr lang="en-US" dirty="0" err="1"/>
+              <a:t>menggunakan</a:t>
+            </a:r>
+            <a:r>
+              <a:rPr lang="en-US" dirty="0"/>
+              <a:t> </a:t>
+            </a:r>
+            <a:r>
+              <a:rPr lang="en-US" dirty="0" err="1"/>
+              <a:t>metode</a:t>
+            </a:r>
+            <a:r>
+              <a:rPr lang="en-US" dirty="0"/>
+              <a:t> HTTP </a:t>
+            </a:r>
+            <a:r>
+              <a:rPr lang="en-US" dirty="0" err="1"/>
+              <a:t>standar</a:t>
+            </a:r>
+            <a:r>
+              <a:rPr lang="en-US" dirty="0"/>
+              <a:t> </a:t>
+            </a:r>
+            <a:r>
+              <a:rPr lang="en-US" dirty="0" err="1"/>
+              <a:t>seperti</a:t>
+            </a:r>
+            <a:r>
+              <a:rPr lang="en-US" dirty="0"/>
+              <a:t> GET, POST, PUT, DELETE, dan PATCH.</a:t>
+            </a:r>
+          </a:p>
+        </p:txBody>
+      </p:sp>
+    </p:spTree>
+    <p:extLst>
+      <p:ext uri="{BB962C8B-B14F-4D97-AF65-F5344CB8AC3E}">
+        <p14:creationId xmlns:p14="http://schemas.microsoft.com/office/powerpoint/2010/main" val="1055062321"/>
+      </p:ext>
+    </p:extLst>
+  </p:cSld>
+  <p:clrMapOvr>
+    <a:masterClrMapping/>
+  </p:clrMapOvr>
+</p:sld>
+</file>
+
+<file path=ppt/slides/slide5.xml><?xml version="1.0" encoding="utf-8"?>
+<p:sld xmlns:a="http://schemas.openxmlformats.org/drawingml/2006/main" xmlns:r="http://schemas.openxmlformats.org/officeDocument/2006/relationships" xmlns:p="http://schemas.openxmlformats.org/presentationml/2006/main">
+  <p:cSld>
+    <p:bg>
+      <p:bgPr>
+        <a:solidFill>
+          <a:schemeClr val="bg1"/>
+        </a:solidFill>
+        <a:effectLst/>
+      </p:bgPr>
+    </p:bg>
+    <p:spTree>
+      <p:nvGrpSpPr>
+        <p:cNvPr id="1" name=""/>
+        <p:cNvGrpSpPr/>
+        <p:nvPr/>
+      </p:nvGrpSpPr>
+      <p:grpSpPr>
+        <a:xfrm>
+          <a:off x="0" y="0"/>
+          <a:ext cx="0" cy="0"/>
+          <a:chOff x="0" y="0"/>
+          <a:chExt cx="0" cy="0"/>
+        </a:xfrm>
+      </p:grpSpPr>
+      <p:sp>
+        <p:nvSpPr>
+          <p:cNvPr id="2" name="Judul 1">
+            <a:extLst>
+              <a:ext uri="{FF2B5EF4-FFF2-40B4-BE49-F238E27FC236}">
                 <a16:creationId xmlns:a16="http://schemas.microsoft.com/office/drawing/2014/main" id="{49AB4E01-090A-D71B-955C-DEC0C0885F82}"/>
               </a:ext>
             </a:extLst>
@@ -3796,9 +4088,12 @@
           <a:bodyPr/>
           <a:lstStyle/>
           <a:p>
-            <a:r>
-              <a:rPr lang="en-US" dirty="0"/>
-              <a:t>middleware </a:t>
+            <a:pPr marL="0" indent="0">
+              <a:buNone/>
+            </a:pPr>
+            <a:r>
+              <a:rPr lang="en-US" dirty="0"/>
+              <a:t>Middleware </a:t>
             </a:r>
             <a:r>
               <a:rPr lang="en-US" dirty="0" err="1"/>
@@ -3814,11 +4109,19 @@
             </a:r>
             <a:r>
               <a:rPr lang="en-US" dirty="0"/>
+              <a:t> yang </a:t>
+            </a:r>
+            <a:r>
+              <a:rPr lang="en-US" dirty="0" err="1"/>
+              <a:t>disipkan</a:t>
+            </a:r>
+            <a:r>
+              <a:rPr lang="en-US" dirty="0"/>
               <a:t> </a:t>
             </a:r>
             <a:r>
               <a:rPr lang="en-US" dirty="0" err="1"/>
-              <a:t>atau</a:t>
+              <a:t>sebelum</a:t>
             </a:r>
             <a:r>
               <a:rPr lang="en-US" dirty="0"/>
@@ -3826,15 +4129,23 @@
             </a:r>
             <a:r>
               <a:rPr lang="en-US" dirty="0" err="1"/>
-              <a:t>fungsi</a:t>
-            </a:r>
-            <a:r>
-              <a:rPr lang="en-US" dirty="0"/>
-              <a:t> yang </a:t>
-            </a:r>
-            <a:r>
-              <a:rPr lang="en-US" dirty="0" err="1"/>
-              <a:t>menangani</a:t>
+              <a:t>aplikasi</a:t>
+            </a:r>
+            <a:r>
+              <a:rPr lang="en-US" dirty="0"/>
+              <a:t> di </a:t>
+            </a:r>
+            <a:r>
+              <a:rPr lang="en-US" dirty="0" err="1"/>
+              <a:t>jalankan</a:t>
+            </a:r>
+            <a:r>
+              <a:rPr lang="en-US" dirty="0"/>
+              <a:t> dan </a:t>
+            </a:r>
+            <a:r>
+              <a:rPr lang="en-US" dirty="0" err="1"/>
+              <a:t>digunakan</a:t>
             </a:r>
             <a:r>
               <a:rPr lang="en-US" dirty="0"/>
@@ -3842,23 +4153,7 @@
             </a:r>
             <a:r>
               <a:rPr lang="en-US" dirty="0" err="1"/>
-              <a:t>permintaan</a:t>
-            </a:r>
-            <a:r>
-              <a:rPr lang="en-US" dirty="0"/>
-              <a:t> (request) dan </a:t>
-            </a:r>
-            <a:r>
-              <a:rPr lang="en-US" dirty="0" err="1"/>
-              <a:t>respons</a:t>
-            </a:r>
-            <a:r>
-              <a:rPr lang="en-US" dirty="0"/>
-              <a:t> (response) </a:t>
-            </a:r>
-            <a:r>
-              <a:rPr lang="en-US" dirty="0" err="1"/>
-              <a:t>sebelum</a:t>
+              <a:t>untuk</a:t>
             </a:r>
             <a:r>
               <a:rPr lang="en-US" dirty="0"/>
@@ -3866,201 +4161,11 @@
             </a:r>
             <a:r>
               <a:rPr lang="en-US" dirty="0" err="1"/>
-              <a:t>atau</a:t>
-            </a:r>
-            <a:r>
-              <a:rPr lang="en-US" dirty="0"/>
-              <a:t> </a:t>
-            </a:r>
-            <a:r>
-              <a:rPr lang="en-US" dirty="0" err="1"/>
-              <a:t>setelah</a:t>
-            </a:r>
-            <a:r>
-              <a:rPr lang="en-US" dirty="0"/>
-              <a:t> </a:t>
-            </a:r>
-            <a:r>
-              <a:rPr lang="en-US" dirty="0" err="1"/>
-              <a:t>permintaan</a:t>
-            </a:r>
-            <a:r>
-              <a:rPr lang="en-US" dirty="0"/>
-              <a:t> </a:t>
-            </a:r>
-            <a:r>
-              <a:rPr lang="en-US" dirty="0" err="1"/>
-              <a:t>mencapai</a:t>
-            </a:r>
-            <a:r>
-              <a:rPr lang="en-US" dirty="0"/>
-              <a:t> </a:t>
-            </a:r>
-            <a:r>
-              <a:rPr lang="en-US" dirty="0" err="1"/>
-              <a:t>logika</a:t>
-            </a:r>
-            <a:r>
-              <a:rPr lang="en-US" dirty="0"/>
-              <a:t> </a:t>
-            </a:r>
-            <a:r>
-              <a:rPr lang="en-US" dirty="0" err="1"/>
-              <a:t>utama</a:t>
-            </a:r>
-            <a:r>
-              <a:rPr lang="en-US" dirty="0"/>
-              <a:t> </a:t>
-            </a:r>
-            <a:r>
-              <a:rPr lang="en-US" dirty="0" err="1"/>
-              <a:t>aplikasi</a:t>
-            </a:r>
-            <a:r>
-              <a:rPr lang="en-US" dirty="0"/>
-              <a:t>, </a:t>
-            </a:r>
-            <a:r>
-              <a:rPr lang="en-US" dirty="0" err="1"/>
-              <a:t>atau</a:t>
-            </a:r>
-            <a:r>
-              <a:rPr lang="en-US" dirty="0"/>
-              <a:t> </a:t>
-            </a:r>
-            <a:r>
-              <a:rPr lang="en-US" dirty="0" err="1"/>
-              <a:t>sebelum</a:t>
-            </a:r>
-            <a:r>
-              <a:rPr lang="en-US" dirty="0"/>
-              <a:t> </a:t>
-            </a:r>
-            <a:r>
-              <a:rPr lang="en-US" dirty="0" err="1"/>
-              <a:t>respons</a:t>
-            </a:r>
-            <a:r>
-              <a:rPr lang="en-US" dirty="0"/>
-              <a:t> </a:t>
-            </a:r>
-            <a:r>
-              <a:rPr lang="en-US" dirty="0" err="1"/>
-              <a:t>dikirim</a:t>
-            </a:r>
-            <a:r>
-              <a:rPr lang="en-US" dirty="0"/>
-              <a:t> </a:t>
-            </a:r>
-            <a:r>
-              <a:rPr lang="en-US" dirty="0" err="1"/>
-              <a:t>kembali</a:t>
-            </a:r>
-            <a:r>
-              <a:rPr lang="en-US" dirty="0"/>
-              <a:t> </a:t>
-            </a:r>
-            <a:r>
-              <a:rPr lang="en-US" dirty="0" err="1"/>
-              <a:t>ke</a:t>
-            </a:r>
-            <a:r>
-              <a:rPr lang="en-US" dirty="0"/>
-              <a:t> </a:t>
-            </a:r>
-            <a:r>
-              <a:rPr lang="en-US" dirty="0" err="1"/>
-              <a:t>klien</a:t>
+              <a:t>otorisasi</a:t>
             </a:r>
             <a:r>
               <a:rPr lang="en-US" dirty="0"/>
               <a:t>.</a:t>
-            </a:r>
-          </a:p>
-          <a:p>
-            <a:r>
-              <a:rPr lang="en-US" dirty="0"/>
-              <a:t>Middleware </a:t>
-            </a:r>
-            <a:r>
-              <a:rPr lang="en-US" dirty="0" err="1"/>
-              <a:t>umumnya</a:t>
-            </a:r>
-            <a:r>
-              <a:rPr lang="en-US" dirty="0"/>
-              <a:t> </a:t>
-            </a:r>
-            <a:r>
-              <a:rPr lang="en-US" dirty="0" err="1"/>
-              <a:t>digunakan</a:t>
-            </a:r>
-            <a:r>
-              <a:rPr lang="en-US" dirty="0"/>
-              <a:t> </a:t>
-            </a:r>
-            <a:r>
-              <a:rPr lang="en-US" dirty="0" err="1"/>
-              <a:t>untuk</a:t>
-            </a:r>
-            <a:r>
-              <a:rPr lang="en-US" dirty="0"/>
-              <a:t> </a:t>
-            </a:r>
-            <a:r>
-              <a:rPr lang="en-US" dirty="0" err="1"/>
-              <a:t>berbagai</a:t>
-            </a:r>
-            <a:r>
-              <a:rPr lang="en-US" dirty="0"/>
-              <a:t> </a:t>
-            </a:r>
-            <a:r>
-              <a:rPr lang="en-US" dirty="0" err="1"/>
-              <a:t>tujuan</a:t>
-            </a:r>
-            <a:r>
-              <a:rPr lang="en-US" dirty="0"/>
-              <a:t>, </a:t>
-            </a:r>
-            <a:r>
-              <a:rPr lang="en-US" dirty="0" err="1"/>
-              <a:t>seperti</a:t>
-            </a:r>
-            <a:r>
-              <a:rPr lang="en-US" dirty="0"/>
-              <a:t> </a:t>
-            </a:r>
-            <a:r>
-              <a:rPr lang="en-US" dirty="0" err="1"/>
-              <a:t>otentikasi</a:t>
-            </a:r>
-            <a:r>
-              <a:rPr lang="en-US" dirty="0"/>
-              <a:t>, </a:t>
-            </a:r>
-            <a:r>
-              <a:rPr lang="en-US" dirty="0" err="1"/>
-              <a:t>otorisasi</a:t>
-            </a:r>
-            <a:r>
-              <a:rPr lang="en-US" dirty="0"/>
-              <a:t>, logging, </a:t>
-            </a:r>
-            <a:r>
-              <a:rPr lang="en-US" dirty="0" err="1"/>
-              <a:t>pengolahan</a:t>
-            </a:r>
-            <a:r>
-              <a:rPr lang="en-US" dirty="0"/>
-              <a:t> data, dan </a:t>
-            </a:r>
-            <a:r>
-              <a:rPr lang="en-US" dirty="0" err="1"/>
-              <a:t>penanganan</a:t>
-            </a:r>
-            <a:r>
-              <a:rPr lang="en-US" dirty="0"/>
-              <a:t> error.</a:t>
             </a:r>
           </a:p>
         </p:txBody>
@@ -4129,7 +4234,7 @@
 </p:sld>
 </file>
 
-<file path=ppt/slides/slide4.xml><?xml version="1.0" encoding="utf-8"?>
+<file path=ppt/slides/slide6.xml><?xml version="1.0" encoding="utf-8"?>
 <p:sld xmlns:a="http://schemas.openxmlformats.org/drawingml/2006/main" xmlns:r="http://schemas.openxmlformats.org/officeDocument/2006/relationships" xmlns:p="http://schemas.openxmlformats.org/presentationml/2006/main">
   <p:cSld>
     <p:bg>
@@ -4391,7 +4496,7 @@
 </p:sld>
 </file>
 
-<file path=ppt/slides/slide5.xml><?xml version="1.0" encoding="utf-8"?>
+<file path=ppt/slides/slide7.xml><?xml version="1.0" encoding="utf-8"?>
 <p:sld xmlns:a="http://schemas.openxmlformats.org/drawingml/2006/main" xmlns:r="http://schemas.openxmlformats.org/officeDocument/2006/relationships" xmlns:p="http://schemas.openxmlformats.org/presentationml/2006/main">
   <p:cSld>
     <p:bg>

--- a/ppt 2.pptx
+++ b/ppt 2.pptx
@@ -3462,31 +3462,6 @@
       </p:grpSpPr>
       <p:sp>
         <p:nvSpPr>
-          <p:cNvPr id="2" name="Judul 1">
-            <a:extLst>
-              <a:ext uri="{FF2B5EF4-FFF2-40B4-BE49-F238E27FC236}">
-                <a16:creationId xmlns:a16="http://schemas.microsoft.com/office/drawing/2014/main" id="{B908A0B2-9CC2-5501-A74A-ADEC7CA98861}"/>
-              </a:ext>
-            </a:extLst>
-          </p:cNvPr>
-          <p:cNvSpPr>
-            <a:spLocks noGrp="1"/>
-          </p:cNvSpPr>
-          <p:nvPr>
-            <p:ph type="title"/>
-          </p:nvPr>
-        </p:nvSpPr>
-        <p:spPr/>
-        <p:txBody>
-          <a:bodyPr/>
-          <a:lstStyle/>
-          <a:p>
-            <a:endParaRPr lang="en-US"/>
-          </a:p>
-        </p:txBody>
-      </p:sp>
-      <p:sp>
-        <p:nvSpPr>
           <p:cNvPr id="3" name="Tampungan Konten 2">
             <a:extLst>
               <a:ext uri="{FF2B5EF4-FFF2-40B4-BE49-F238E27FC236}">

--- a/ppt 2.pptx
+++ b/ppt 2.pptx
@@ -4,14 +4,16 @@
   <p:sldMasterIdLst>
     <p:sldMasterId id="2147483648" r:id="rId1"/>
   </p:sldMasterIdLst>
+  <p:notesMasterIdLst>
+    <p:notesMasterId r:id="rId8"/>
+  </p:notesMasterIdLst>
   <p:sldIdLst>
     <p:sldId id="256" r:id="rId2"/>
     <p:sldId id="265" r:id="rId3"/>
-    <p:sldId id="264" r:id="rId4"/>
-    <p:sldId id="260" r:id="rId5"/>
-    <p:sldId id="261" r:id="rId6"/>
-    <p:sldId id="262" r:id="rId7"/>
-    <p:sldId id="263" r:id="rId8"/>
+    <p:sldId id="266" r:id="rId4"/>
+    <p:sldId id="264" r:id="rId5"/>
+    <p:sldId id="267" r:id="rId6"/>
+    <p:sldId id="268" r:id="rId7"/>
   </p:sldIdLst>
   <p:sldSz cx="12192000" cy="6858000"/>
   <p:notesSz cx="6858000" cy="9144000"/>
@@ -118,6 +120,524 @@
 </p:presentation>
 </file>
 
+<file path=ppt/notesMasters/notesMaster1.xml><?xml version="1.0" encoding="utf-8"?>
+<p:notesMaster xmlns:a="http://schemas.openxmlformats.org/drawingml/2006/main" xmlns:r="http://schemas.openxmlformats.org/officeDocument/2006/relationships" xmlns:p="http://schemas.openxmlformats.org/presentationml/2006/main">
+  <p:cSld>
+    <p:bg>
+      <p:bgRef idx="1001">
+        <a:schemeClr val="bg1"/>
+      </p:bgRef>
+    </p:bg>
+    <p:spTree>
+      <p:nvGrpSpPr>
+        <p:cNvPr id="1" name=""/>
+        <p:cNvGrpSpPr/>
+        <p:nvPr/>
+      </p:nvGrpSpPr>
+      <p:grpSpPr>
+        <a:xfrm>
+          <a:off x="0" y="0"/>
+          <a:ext cx="0" cy="0"/>
+          <a:chOff x="0" y="0"/>
+          <a:chExt cx="0" cy="0"/>
+        </a:xfrm>
+      </p:grpSpPr>
+      <p:sp>
+        <p:nvSpPr>
+          <p:cNvPr id="2" name="Tampungan Header 1"/>
+          <p:cNvSpPr>
+            <a:spLocks noGrp="1"/>
+          </p:cNvSpPr>
+          <p:nvPr>
+            <p:ph type="hdr" sz="quarter"/>
+          </p:nvPr>
+        </p:nvSpPr>
+        <p:spPr>
+          <a:xfrm>
+            <a:off x="0" y="0"/>
+            <a:ext cx="2971800" cy="458788"/>
+          </a:xfrm>
+          <a:prstGeom prst="rect">
+            <a:avLst/>
+          </a:prstGeom>
+        </p:spPr>
+        <p:txBody>
+          <a:bodyPr vert="horz" lIns="91440" tIns="45720" rIns="91440" bIns="45720" rtlCol="0"/>
+          <a:lstStyle>
+            <a:lvl1pPr algn="l">
+              <a:defRPr sz="1200"/>
+            </a:lvl1pPr>
+          </a:lstStyle>
+          <a:p>
+            <a:endParaRPr lang="en-US"/>
+          </a:p>
+        </p:txBody>
+      </p:sp>
+      <p:sp>
+        <p:nvSpPr>
+          <p:cNvPr id="3" name="Tampungan Tanggal 2"/>
+          <p:cNvSpPr>
+            <a:spLocks noGrp="1"/>
+          </p:cNvSpPr>
+          <p:nvPr>
+            <p:ph type="dt" idx="1"/>
+          </p:nvPr>
+        </p:nvSpPr>
+        <p:spPr>
+          <a:xfrm>
+            <a:off x="3884613" y="0"/>
+            <a:ext cx="2971800" cy="458788"/>
+          </a:xfrm>
+          <a:prstGeom prst="rect">
+            <a:avLst/>
+          </a:prstGeom>
+        </p:spPr>
+        <p:txBody>
+          <a:bodyPr vert="horz" lIns="91440" tIns="45720" rIns="91440" bIns="45720" rtlCol="0"/>
+          <a:lstStyle>
+            <a:lvl1pPr algn="r">
+              <a:defRPr sz="1200"/>
+            </a:lvl1pPr>
+          </a:lstStyle>
+          <a:p>
+            <a:fld id="{20D37C5C-B90D-4D5D-BFF2-DD9F7C391AD5}" type="datetimeFigureOut">
+              <a:rPr lang="en-US" smtClean="0"/>
+              <a:t>1/6/2025</a:t>
+            </a:fld>
+            <a:endParaRPr lang="en-US"/>
+          </a:p>
+        </p:txBody>
+      </p:sp>
+      <p:sp>
+        <p:nvSpPr>
+          <p:cNvPr id="4" name="Tampungan Gambar Slide 3"/>
+          <p:cNvSpPr>
+            <a:spLocks noGrp="1" noRot="1" noChangeAspect="1"/>
+          </p:cNvSpPr>
+          <p:nvPr>
+            <p:ph type="sldImg" idx="2"/>
+          </p:nvPr>
+        </p:nvSpPr>
+        <p:spPr>
+          <a:xfrm>
+            <a:off x="685800" y="1143000"/>
+            <a:ext cx="5486400" cy="3086100"/>
+          </a:xfrm>
+          <a:prstGeom prst="rect">
+            <a:avLst/>
+          </a:prstGeom>
+          <a:noFill/>
+          <a:ln w="12700">
+            <a:solidFill>
+              <a:prstClr val="black"/>
+            </a:solidFill>
+          </a:ln>
+        </p:spPr>
+        <p:txBody>
+          <a:bodyPr vert="horz" lIns="91440" tIns="45720" rIns="91440" bIns="45720" rtlCol="0" anchor="ctr"/>
+          <a:lstStyle/>
+          <a:p>
+            <a:endParaRPr lang="en-US"/>
+          </a:p>
+        </p:txBody>
+      </p:sp>
+      <p:sp>
+        <p:nvSpPr>
+          <p:cNvPr id="5" name="Tampungan Catatan 4"/>
+          <p:cNvSpPr>
+            <a:spLocks noGrp="1"/>
+          </p:cNvSpPr>
+          <p:nvPr>
+            <p:ph type="body" sz="quarter" idx="3"/>
+          </p:nvPr>
+        </p:nvSpPr>
+        <p:spPr>
+          <a:xfrm>
+            <a:off x="685800" y="4400550"/>
+            <a:ext cx="5486400" cy="3600450"/>
+          </a:xfrm>
+          <a:prstGeom prst="rect">
+            <a:avLst/>
+          </a:prstGeom>
+        </p:spPr>
+        <p:txBody>
+          <a:bodyPr vert="horz" lIns="91440" tIns="45720" rIns="91440" bIns="45720" rtlCol="0"/>
+          <a:lstStyle/>
+          <a:p>
+            <a:pPr lvl="0"/>
+            <a:r>
+              <a:rPr lang="id-ID"/>
+              <a:t>Klik untuk edit gaya teks Master</a:t>
+            </a:r>
+          </a:p>
+          <a:p>
+            <a:pPr lvl="1"/>
+            <a:r>
+              <a:rPr lang="id-ID"/>
+              <a:t>Tingkat kedua</a:t>
+            </a:r>
+          </a:p>
+          <a:p>
+            <a:pPr lvl="2"/>
+            <a:r>
+              <a:rPr lang="id-ID"/>
+              <a:t>Tingkat ketiga</a:t>
+            </a:r>
+          </a:p>
+          <a:p>
+            <a:pPr lvl="3"/>
+            <a:r>
+              <a:rPr lang="id-ID"/>
+              <a:t>Tingkat keempat</a:t>
+            </a:r>
+          </a:p>
+          <a:p>
+            <a:pPr lvl="4"/>
+            <a:r>
+              <a:rPr lang="id-ID"/>
+              <a:t>Tingkat kelima</a:t>
+            </a:r>
+            <a:endParaRPr lang="en-US"/>
+          </a:p>
+        </p:txBody>
+      </p:sp>
+      <p:sp>
+        <p:nvSpPr>
+          <p:cNvPr id="6" name="Tampungan Kaki 5"/>
+          <p:cNvSpPr>
+            <a:spLocks noGrp="1"/>
+          </p:cNvSpPr>
+          <p:nvPr>
+            <p:ph type="ftr" sz="quarter" idx="4"/>
+          </p:nvPr>
+        </p:nvSpPr>
+        <p:spPr>
+          <a:xfrm>
+            <a:off x="0" y="8685213"/>
+            <a:ext cx="2971800" cy="458787"/>
+          </a:xfrm>
+          <a:prstGeom prst="rect">
+            <a:avLst/>
+          </a:prstGeom>
+        </p:spPr>
+        <p:txBody>
+          <a:bodyPr vert="horz" lIns="91440" tIns="45720" rIns="91440" bIns="45720" rtlCol="0" anchor="b"/>
+          <a:lstStyle>
+            <a:lvl1pPr algn="l">
+              <a:defRPr sz="1200"/>
+            </a:lvl1pPr>
+          </a:lstStyle>
+          <a:p>
+            <a:endParaRPr lang="en-US"/>
+          </a:p>
+        </p:txBody>
+      </p:sp>
+      <p:sp>
+        <p:nvSpPr>
+          <p:cNvPr id="7" name="Tampungan Nomor Slide 6"/>
+          <p:cNvSpPr>
+            <a:spLocks noGrp="1"/>
+          </p:cNvSpPr>
+          <p:nvPr>
+            <p:ph type="sldNum" sz="quarter" idx="5"/>
+          </p:nvPr>
+        </p:nvSpPr>
+        <p:spPr>
+          <a:xfrm>
+            <a:off x="3884613" y="8685213"/>
+            <a:ext cx="2971800" cy="458787"/>
+          </a:xfrm>
+          <a:prstGeom prst="rect">
+            <a:avLst/>
+          </a:prstGeom>
+        </p:spPr>
+        <p:txBody>
+          <a:bodyPr vert="horz" lIns="91440" tIns="45720" rIns="91440" bIns="45720" rtlCol="0" anchor="b"/>
+          <a:lstStyle>
+            <a:lvl1pPr algn="r">
+              <a:defRPr sz="1200"/>
+            </a:lvl1pPr>
+          </a:lstStyle>
+          <a:p>
+            <a:fld id="{2C543207-D368-4B80-B9A4-AD90859EBFE6}" type="slidenum">
+              <a:rPr lang="en-US" smtClean="0"/>
+              <a:t>‹#›</a:t>
+            </a:fld>
+            <a:endParaRPr lang="en-US"/>
+          </a:p>
+        </p:txBody>
+      </p:sp>
+    </p:spTree>
+    <p:extLst>
+      <p:ext uri="{BB962C8B-B14F-4D97-AF65-F5344CB8AC3E}">
+        <p14:creationId xmlns:p14="http://schemas.microsoft.com/office/powerpoint/2010/main" val="2839744131"/>
+      </p:ext>
+    </p:extLst>
+  </p:cSld>
+  <p:clrMap bg1="lt1" tx1="dk1" bg2="lt2" tx2="dk2" accent1="accent1" accent2="accent2" accent3="accent3" accent4="accent4" accent5="accent5" accent6="accent6" hlink="hlink" folHlink="folHlink"/>
+  <p:notesStyle>
+    <a:lvl1pPr marL="0" algn="l" defTabSz="914400" rtl="0" eaLnBrk="1" latinLnBrk="0" hangingPunct="1">
+      <a:defRPr sz="1200" kern="1200">
+        <a:solidFill>
+          <a:schemeClr val="tx1"/>
+        </a:solidFill>
+        <a:latin typeface="+mn-lt"/>
+        <a:ea typeface="+mn-ea"/>
+        <a:cs typeface="+mn-cs"/>
+      </a:defRPr>
+    </a:lvl1pPr>
+    <a:lvl2pPr marL="457200" algn="l" defTabSz="914400" rtl="0" eaLnBrk="1" latinLnBrk="0" hangingPunct="1">
+      <a:defRPr sz="1200" kern="1200">
+        <a:solidFill>
+          <a:schemeClr val="tx1"/>
+        </a:solidFill>
+        <a:latin typeface="+mn-lt"/>
+        <a:ea typeface="+mn-ea"/>
+        <a:cs typeface="+mn-cs"/>
+      </a:defRPr>
+    </a:lvl2pPr>
+    <a:lvl3pPr marL="914400" algn="l" defTabSz="914400" rtl="0" eaLnBrk="1" latinLnBrk="0" hangingPunct="1">
+      <a:defRPr sz="1200" kern="1200">
+        <a:solidFill>
+          <a:schemeClr val="tx1"/>
+        </a:solidFill>
+        <a:latin typeface="+mn-lt"/>
+        <a:ea typeface="+mn-ea"/>
+        <a:cs typeface="+mn-cs"/>
+      </a:defRPr>
+    </a:lvl3pPr>
+    <a:lvl4pPr marL="1371600" algn="l" defTabSz="914400" rtl="0" eaLnBrk="1" latinLnBrk="0" hangingPunct="1">
+      <a:defRPr sz="1200" kern="1200">
+        <a:solidFill>
+          <a:schemeClr val="tx1"/>
+        </a:solidFill>
+        <a:latin typeface="+mn-lt"/>
+        <a:ea typeface="+mn-ea"/>
+        <a:cs typeface="+mn-cs"/>
+      </a:defRPr>
+    </a:lvl4pPr>
+    <a:lvl5pPr marL="1828800" algn="l" defTabSz="914400" rtl="0" eaLnBrk="1" latinLnBrk="0" hangingPunct="1">
+      <a:defRPr sz="1200" kern="1200">
+        <a:solidFill>
+          <a:schemeClr val="tx1"/>
+        </a:solidFill>
+        <a:latin typeface="+mn-lt"/>
+        <a:ea typeface="+mn-ea"/>
+        <a:cs typeface="+mn-cs"/>
+      </a:defRPr>
+    </a:lvl5pPr>
+    <a:lvl6pPr marL="2286000" algn="l" defTabSz="914400" rtl="0" eaLnBrk="1" latinLnBrk="0" hangingPunct="1">
+      <a:defRPr sz="1200" kern="1200">
+        <a:solidFill>
+          <a:schemeClr val="tx1"/>
+        </a:solidFill>
+        <a:latin typeface="+mn-lt"/>
+        <a:ea typeface="+mn-ea"/>
+        <a:cs typeface="+mn-cs"/>
+      </a:defRPr>
+    </a:lvl6pPr>
+    <a:lvl7pPr marL="2743200" algn="l" defTabSz="914400" rtl="0" eaLnBrk="1" latinLnBrk="0" hangingPunct="1">
+      <a:defRPr sz="1200" kern="1200">
+        <a:solidFill>
+          <a:schemeClr val="tx1"/>
+        </a:solidFill>
+        <a:latin typeface="+mn-lt"/>
+        <a:ea typeface="+mn-ea"/>
+        <a:cs typeface="+mn-cs"/>
+      </a:defRPr>
+    </a:lvl7pPr>
+    <a:lvl8pPr marL="3200400" algn="l" defTabSz="914400" rtl="0" eaLnBrk="1" latinLnBrk="0" hangingPunct="1">
+      <a:defRPr sz="1200" kern="1200">
+        <a:solidFill>
+          <a:schemeClr val="tx1"/>
+        </a:solidFill>
+        <a:latin typeface="+mn-lt"/>
+        <a:ea typeface="+mn-ea"/>
+        <a:cs typeface="+mn-cs"/>
+      </a:defRPr>
+    </a:lvl8pPr>
+    <a:lvl9pPr marL="3657600" algn="l" defTabSz="914400" rtl="0" eaLnBrk="1" latinLnBrk="0" hangingPunct="1">
+      <a:defRPr sz="1200" kern="1200">
+        <a:solidFill>
+          <a:schemeClr val="tx1"/>
+        </a:solidFill>
+        <a:latin typeface="+mn-lt"/>
+        <a:ea typeface="+mn-ea"/>
+        <a:cs typeface="+mn-cs"/>
+      </a:defRPr>
+    </a:lvl9pPr>
+  </p:notesStyle>
+</p:notesMaster>
+</file>
+
+<file path=ppt/notesSlides/notesSlide1.xml><?xml version="1.0" encoding="utf-8"?>
+<p:notes xmlns:a="http://schemas.openxmlformats.org/drawingml/2006/main" xmlns:r="http://schemas.openxmlformats.org/officeDocument/2006/relationships" xmlns:p="http://schemas.openxmlformats.org/presentationml/2006/main">
+  <p:cSld>
+    <p:spTree>
+      <p:nvGrpSpPr>
+        <p:cNvPr id="1" name=""/>
+        <p:cNvGrpSpPr/>
+        <p:nvPr/>
+      </p:nvGrpSpPr>
+      <p:grpSpPr>
+        <a:xfrm>
+          <a:off x="0" y="0"/>
+          <a:ext cx="0" cy="0"/>
+          <a:chOff x="0" y="0"/>
+          <a:chExt cx="0" cy="0"/>
+        </a:xfrm>
+      </p:grpSpPr>
+      <p:sp>
+        <p:nvSpPr>
+          <p:cNvPr id="2" name="Tampungan Gambar Slide 1"/>
+          <p:cNvSpPr>
+            <a:spLocks noGrp="1" noRot="1" noChangeAspect="1"/>
+          </p:cNvSpPr>
+          <p:nvPr>
+            <p:ph type="sldImg"/>
+          </p:nvPr>
+        </p:nvSpPr>
+        <p:spPr/>
+      </p:sp>
+      <p:sp>
+        <p:nvSpPr>
+          <p:cNvPr id="3" name="Tampungan Catatan 2"/>
+          <p:cNvSpPr>
+            <a:spLocks noGrp="1"/>
+          </p:cNvSpPr>
+          <p:nvPr>
+            <p:ph type="body" idx="1"/>
+          </p:nvPr>
+        </p:nvSpPr>
+        <p:spPr/>
+        <p:txBody>
+          <a:bodyPr/>
+          <a:lstStyle/>
+          <a:p>
+            <a:endParaRPr lang="en-US" dirty="0"/>
+          </a:p>
+        </p:txBody>
+      </p:sp>
+      <p:sp>
+        <p:nvSpPr>
+          <p:cNvPr id="4" name="Tampungan Nomor Slide 3"/>
+          <p:cNvSpPr>
+            <a:spLocks noGrp="1"/>
+          </p:cNvSpPr>
+          <p:nvPr>
+            <p:ph type="sldNum" sz="quarter" idx="5"/>
+          </p:nvPr>
+        </p:nvSpPr>
+        <p:spPr/>
+        <p:txBody>
+          <a:bodyPr/>
+          <a:lstStyle/>
+          <a:p>
+            <a:fld id="{2C543207-D368-4B80-B9A4-AD90859EBFE6}" type="slidenum">
+              <a:rPr lang="en-US" smtClean="0"/>
+              <a:t>2</a:t>
+            </a:fld>
+            <a:endParaRPr lang="en-US"/>
+          </a:p>
+        </p:txBody>
+      </p:sp>
+    </p:spTree>
+    <p:extLst>
+      <p:ext uri="{BB962C8B-B14F-4D97-AF65-F5344CB8AC3E}">
+        <p14:creationId xmlns:p14="http://schemas.microsoft.com/office/powerpoint/2010/main" val="515988946"/>
+      </p:ext>
+    </p:extLst>
+  </p:cSld>
+  <p:clrMapOvr>
+    <a:masterClrMapping/>
+  </p:clrMapOvr>
+</p:notes>
+</file>
+
+<file path=ppt/notesSlides/notesSlide2.xml><?xml version="1.0" encoding="utf-8"?>
+<p:notes xmlns:a="http://schemas.openxmlformats.org/drawingml/2006/main" xmlns:r="http://schemas.openxmlformats.org/officeDocument/2006/relationships" xmlns:p="http://schemas.openxmlformats.org/presentationml/2006/main">
+  <p:cSld>
+    <p:spTree>
+      <p:nvGrpSpPr>
+        <p:cNvPr id="1" name=""/>
+        <p:cNvGrpSpPr/>
+        <p:nvPr/>
+      </p:nvGrpSpPr>
+      <p:grpSpPr>
+        <a:xfrm>
+          <a:off x="0" y="0"/>
+          <a:ext cx="0" cy="0"/>
+          <a:chOff x="0" y="0"/>
+          <a:chExt cx="0" cy="0"/>
+        </a:xfrm>
+      </p:grpSpPr>
+      <p:sp>
+        <p:nvSpPr>
+          <p:cNvPr id="2" name="Tampungan Gambar Slide 1"/>
+          <p:cNvSpPr>
+            <a:spLocks noGrp="1" noRot="1" noChangeAspect="1"/>
+          </p:cNvSpPr>
+          <p:nvPr>
+            <p:ph type="sldImg"/>
+          </p:nvPr>
+        </p:nvSpPr>
+        <p:spPr/>
+      </p:sp>
+      <p:sp>
+        <p:nvSpPr>
+          <p:cNvPr id="3" name="Tampungan Catatan 2"/>
+          <p:cNvSpPr>
+            <a:spLocks noGrp="1"/>
+          </p:cNvSpPr>
+          <p:nvPr>
+            <p:ph type="body" idx="1"/>
+          </p:nvPr>
+        </p:nvSpPr>
+        <p:spPr/>
+        <p:txBody>
+          <a:bodyPr/>
+          <a:lstStyle/>
+          <a:p>
+            <a:endParaRPr lang="en-US" dirty="0"/>
+          </a:p>
+        </p:txBody>
+      </p:sp>
+      <p:sp>
+        <p:nvSpPr>
+          <p:cNvPr id="4" name="Tampungan Nomor Slide 3"/>
+          <p:cNvSpPr>
+            <a:spLocks noGrp="1"/>
+          </p:cNvSpPr>
+          <p:nvPr>
+            <p:ph type="sldNum" sz="quarter" idx="5"/>
+          </p:nvPr>
+        </p:nvSpPr>
+        <p:spPr/>
+        <p:txBody>
+          <a:bodyPr/>
+          <a:lstStyle/>
+          <a:p>
+            <a:fld id="{2C543207-D368-4B80-B9A4-AD90859EBFE6}" type="slidenum">
+              <a:rPr lang="en-US" smtClean="0"/>
+              <a:t>5</a:t>
+            </a:fld>
+            <a:endParaRPr lang="en-US"/>
+          </a:p>
+        </p:txBody>
+      </p:sp>
+    </p:spTree>
+    <p:extLst>
+      <p:ext uri="{BB962C8B-B14F-4D97-AF65-F5344CB8AC3E}">
+        <p14:creationId xmlns:p14="http://schemas.microsoft.com/office/powerpoint/2010/main" val="114317896"/>
+      </p:ext>
+    </p:extLst>
+  </p:cSld>
+  <p:clrMapOvr>
+    <a:masterClrMapping/>
+  </p:clrMapOvr>
+</p:notes>
+</file>
+
 <file path=ppt/slideLayouts/slideLayout1.xml><?xml version="1.0" encoding="utf-8"?>
 <p:sldLayout xmlns:a="http://schemas.openxmlformats.org/drawingml/2006/main" xmlns:r="http://schemas.openxmlformats.org/officeDocument/2006/relationships" xmlns:p="http://schemas.openxmlformats.org/presentationml/2006/main" type="title" preserve="1">
   <p:cSld name="Slide Judul">
@@ -267,7 +787,7 @@
           <a:p>
             <a:fld id="{48C758BE-379E-42B5-B6D8-0F335935E9A9}" type="datetimeFigureOut">
               <a:rPr lang="en-US" smtClean="0"/>
-              <a:t>12/23/2024</a:t>
+              <a:t>1/6/2025</a:t>
             </a:fld>
             <a:endParaRPr lang="en-US"/>
           </a:p>
@@ -467,7 +987,7 @@
           <a:p>
             <a:fld id="{48C758BE-379E-42B5-B6D8-0F335935E9A9}" type="datetimeFigureOut">
               <a:rPr lang="en-US" smtClean="0"/>
-              <a:t>12/23/2024</a:t>
+              <a:t>1/6/2025</a:t>
             </a:fld>
             <a:endParaRPr lang="en-US"/>
           </a:p>
@@ -677,7 +1197,7 @@
           <a:p>
             <a:fld id="{48C758BE-379E-42B5-B6D8-0F335935E9A9}" type="datetimeFigureOut">
               <a:rPr lang="en-US" smtClean="0"/>
-              <a:t>12/23/2024</a:t>
+              <a:t>1/6/2025</a:t>
             </a:fld>
             <a:endParaRPr lang="en-US"/>
           </a:p>
@@ -877,7 +1397,7 @@
           <a:p>
             <a:fld id="{48C758BE-379E-42B5-B6D8-0F335935E9A9}" type="datetimeFigureOut">
               <a:rPr lang="en-US" smtClean="0"/>
-              <a:t>12/23/2024</a:t>
+              <a:t>1/6/2025</a:t>
             </a:fld>
             <a:endParaRPr lang="en-US"/>
           </a:p>
@@ -1153,7 +1673,7 @@
           <a:p>
             <a:fld id="{48C758BE-379E-42B5-B6D8-0F335935E9A9}" type="datetimeFigureOut">
               <a:rPr lang="en-US" smtClean="0"/>
-              <a:t>12/23/2024</a:t>
+              <a:t>1/6/2025</a:t>
             </a:fld>
             <a:endParaRPr lang="en-US"/>
           </a:p>
@@ -1421,7 +1941,7 @@
           <a:p>
             <a:fld id="{48C758BE-379E-42B5-B6D8-0F335935E9A9}" type="datetimeFigureOut">
               <a:rPr lang="en-US" smtClean="0"/>
-              <a:t>12/23/2024</a:t>
+              <a:t>1/6/2025</a:t>
             </a:fld>
             <a:endParaRPr lang="en-US"/>
           </a:p>
@@ -1836,7 +2356,7 @@
           <a:p>
             <a:fld id="{48C758BE-379E-42B5-B6D8-0F335935E9A9}" type="datetimeFigureOut">
               <a:rPr lang="en-US" smtClean="0"/>
-              <a:t>12/23/2024</a:t>
+              <a:t>1/6/2025</a:t>
             </a:fld>
             <a:endParaRPr lang="en-US"/>
           </a:p>
@@ -1978,7 +2498,7 @@
           <a:p>
             <a:fld id="{48C758BE-379E-42B5-B6D8-0F335935E9A9}" type="datetimeFigureOut">
               <a:rPr lang="en-US" smtClean="0"/>
-              <a:t>12/23/2024</a:t>
+              <a:t>1/6/2025</a:t>
             </a:fld>
             <a:endParaRPr lang="en-US"/>
           </a:p>
@@ -2091,7 +2611,7 @@
           <a:p>
             <a:fld id="{48C758BE-379E-42B5-B6D8-0F335935E9A9}" type="datetimeFigureOut">
               <a:rPr lang="en-US" smtClean="0"/>
-              <a:t>12/23/2024</a:t>
+              <a:t>1/6/2025</a:t>
             </a:fld>
             <a:endParaRPr lang="en-US"/>
           </a:p>
@@ -2404,7 +2924,7 @@
           <a:p>
             <a:fld id="{48C758BE-379E-42B5-B6D8-0F335935E9A9}" type="datetimeFigureOut">
               <a:rPr lang="en-US" smtClean="0"/>
-              <a:t>12/23/2024</a:t>
+              <a:t>1/6/2025</a:t>
             </a:fld>
             <a:endParaRPr lang="en-US"/>
           </a:p>
@@ -2693,7 +3213,7 @@
           <a:p>
             <a:fld id="{48C758BE-379E-42B5-B6D8-0F335935E9A9}" type="datetimeFigureOut">
               <a:rPr lang="en-US" smtClean="0"/>
-              <a:t>12/23/2024</a:t>
+              <a:t>1/6/2025</a:t>
             </a:fld>
             <a:endParaRPr lang="en-US"/>
           </a:p>
@@ -2945,7 +3465,7 @@
           <a:p>
             <a:fld id="{48C758BE-379E-42B5-B6D8-0F335935E9A9}" type="datetimeFigureOut">
               <a:rPr lang="en-US" smtClean="0"/>
-              <a:t>12/23/2024</a:t>
+              <a:t>1/6/2025</a:t>
             </a:fld>
             <a:endParaRPr lang="en-US"/>
           </a:p>
@@ -3476,7 +3996,12 @@
             <p:ph idx="1"/>
           </p:nvPr>
         </p:nvSpPr>
-        <p:spPr/>
+        <p:spPr>
+          <a:xfrm>
+            <a:off x="838200" y="1103730"/>
+            <a:ext cx="10515600" cy="4351338"/>
+          </a:xfrm>
+        </p:spPr>
         <p:txBody>
           <a:bodyPr>
             <a:normAutofit/>
@@ -3485,36 +4010,47 @@
           <a:p>
             <a:pPr algn="r"/>
             <a:r>
+              <a:rPr lang="en-US" sz="5400" dirty="0" err="1"/>
+              <a:t>Dokumentasi</a:t>
+            </a:r>
+            <a:r>
               <a:rPr lang="en-US" sz="5400" dirty="0"/>
-              <a:t>Back-End</a:t>
+              <a:t> API</a:t>
             </a:r>
           </a:p>
           <a:p>
             <a:pPr algn="r"/>
             <a:r>
               <a:rPr lang="en-US" sz="5400" dirty="0"/>
-              <a:t>REST API</a:t>
+              <a:t>Swagger</a:t>
             </a:r>
           </a:p>
           <a:p>
             <a:pPr algn="r"/>
             <a:r>
-              <a:rPr lang="en-US" sz="5400" b="0" i="0" dirty="0">
-                <a:effectLst/>
-                <a:latin typeface="inherit"/>
-              </a:rPr>
-              <a:t>Middleware</a:t>
+              <a:rPr lang="en-US" sz="5400" dirty="0"/>
+              <a:t>Postman</a:t>
             </a:r>
           </a:p>
           <a:p>
             <a:pPr algn="r"/>
             <a:r>
-              <a:rPr lang="en-US" sz="5400" dirty="0">
-                <a:latin typeface="inherit"/>
-              </a:rPr>
-              <a:t>Redis</a:t>
-            </a:r>
-            <a:endParaRPr lang="en-US" sz="5400" dirty="0"/>
+              <a:rPr lang="en-US" sz="5400" dirty="0" err="1"/>
+              <a:t>Perbedaan</a:t>
+            </a:r>
+            <a:r>
+              <a:rPr lang="en-US" sz="5400" dirty="0"/>
+              <a:t> Swagger </a:t>
+            </a:r>
+          </a:p>
+          <a:p>
+            <a:pPr marL="0" indent="0" algn="r">
+              <a:buNone/>
+            </a:pPr>
+            <a:r>
+              <a:rPr lang="en-US" sz="5400" dirty="0"/>
+              <a:t>dan Postman</a:t>
+            </a:r>
           </a:p>
         </p:txBody>
       </p:sp>
@@ -3544,7 +4080,13 @@
     </p:bg>
     <p:spTree>
       <p:nvGrpSpPr>
-        <p:cNvPr id="1" name=""/>
+        <p:cNvPr id="1" name="">
+          <a:extLst>
+            <a:ext uri="{FF2B5EF4-FFF2-40B4-BE49-F238E27FC236}">
+              <a16:creationId xmlns:a16="http://schemas.microsoft.com/office/drawing/2014/main" id="{640AE1EB-61AC-D291-841F-81277AE675CD}"/>
+            </a:ext>
+          </a:extLst>
+        </p:cNvPr>
         <p:cNvGrpSpPr/>
         <p:nvPr/>
       </p:nvGrpSpPr>
@@ -3561,7 +4103,7 @@
           <p:cNvPr id="2" name="Judul 1">
             <a:extLst>
               <a:ext uri="{FF2B5EF4-FFF2-40B4-BE49-F238E27FC236}">
-                <a16:creationId xmlns:a16="http://schemas.microsoft.com/office/drawing/2014/main" id="{955A55E6-9BA1-FD29-93E7-EA25F91C58C3}"/>
+                <a16:creationId xmlns:a16="http://schemas.microsoft.com/office/drawing/2014/main" id="{B93F8742-664A-BDF5-ECB5-1C0745940C79}"/>
               </a:ext>
             </a:extLst>
           </p:cNvPr>
@@ -3578,8 +4120,12 @@
           <a:lstStyle/>
           <a:p>
             <a:r>
+              <a:rPr lang="en-US" b="1" dirty="0" err="1"/>
+              <a:t>Dokumentasi</a:t>
+            </a:r>
+            <a:r>
               <a:rPr lang="en-US" b="1" dirty="0"/>
-              <a:t>Back-End</a:t>
+              <a:t> API</a:t>
             </a:r>
           </a:p>
         </p:txBody>
@@ -3589,7 +4135,7 @@
           <p:cNvPr id="3" name="Tampungan Konten 2">
             <a:extLst>
               <a:ext uri="{FF2B5EF4-FFF2-40B4-BE49-F238E27FC236}">
-                <a16:creationId xmlns:a16="http://schemas.microsoft.com/office/drawing/2014/main" id="{1F5A5D98-3355-1722-0413-8D2AC3838260}"/>
+                <a16:creationId xmlns:a16="http://schemas.microsoft.com/office/drawing/2014/main" id="{D50A8A0E-69E2-9B66-A5E8-5063791B5EEE}"/>
               </a:ext>
             </a:extLst>
           </p:cNvPr>
@@ -3600,21 +4146,56 @@
             <p:ph idx="1"/>
           </p:nvPr>
         </p:nvSpPr>
-        <p:spPr/>
-        <p:txBody>
-          <a:bodyPr/>
+        <p:spPr>
+          <a:xfrm>
+            <a:off x="838200" y="1825624"/>
+            <a:ext cx="10515600" cy="3708901"/>
+          </a:xfrm>
+        </p:spPr>
+        <p:txBody>
+          <a:bodyPr>
+            <a:normAutofit/>
+          </a:bodyPr>
           <a:lstStyle/>
           <a:p>
             <a:pPr marL="0" indent="0">
               <a:buNone/>
             </a:pPr>
             <a:r>
+              <a:rPr lang="en-US" dirty="0" err="1"/>
+              <a:t>Dokumentasi</a:t>
+            </a:r>
+            <a:r>
               <a:rPr lang="en-US" dirty="0"/>
-              <a:t>Back-end </a:t>
+              <a:t> API </a:t>
             </a:r>
             <a:r>
               <a:rPr lang="en-US" dirty="0" err="1"/>
-              <a:t>merupakan</a:t>
+              <a:t>adalah</a:t>
+            </a:r>
+            <a:r>
+              <a:rPr lang="en-US" dirty="0"/>
+              <a:t> Kumpulan </a:t>
+            </a:r>
+            <a:r>
+              <a:rPr lang="en-US" dirty="0" err="1"/>
+              <a:t>referensi</a:t>
+            </a:r>
+            <a:r>
+              <a:rPr lang="en-US" dirty="0"/>
+              <a:t>, tutorial, dan </a:t>
+            </a:r>
+            <a:r>
+              <a:rPr lang="en-US" dirty="0" err="1"/>
+              <a:t>contoh</a:t>
+            </a:r>
+            <a:r>
+              <a:rPr lang="en-US" dirty="0"/>
+              <a:t> yang </a:t>
+            </a:r>
+            <a:r>
+              <a:rPr lang="en-US" dirty="0" err="1"/>
+              <a:t>menjelaskan</a:t>
             </a:r>
             <a:r>
               <a:rPr lang="en-US" dirty="0"/>
@@ -3622,7 +4203,7 @@
             </a:r>
             <a:r>
               <a:rPr lang="en-US" dirty="0" err="1"/>
-              <a:t>bagian</a:t>
+              <a:t>cara</a:t>
             </a:r>
             <a:r>
               <a:rPr lang="en-US" dirty="0"/>
@@ -3630,15 +4211,15 @@
             </a:r>
             <a:r>
               <a:rPr lang="en-US" dirty="0" err="1"/>
-              <a:t>dari</a:t>
+              <a:t>menggunakan</a:t>
             </a:r>
             <a:r>
               <a:rPr lang="en-US" dirty="0"/>
-              <a:t> </a:t>
+              <a:t> API dan </a:t>
             </a:r>
             <a:r>
               <a:rPr lang="en-US" dirty="0" err="1"/>
-              <a:t>aplikasi</a:t>
+              <a:t>apa</a:t>
             </a:r>
             <a:r>
               <a:rPr lang="en-US" dirty="0"/>
@@ -3646,59 +4227,58 @@
             </a:r>
             <a:r>
               <a:rPr lang="en-US" dirty="0" err="1"/>
-              <a:t>bertanggung</a:t>
+              <a:t>dilakukan</a:t>
             </a:r>
             <a:r>
               <a:rPr lang="en-US" dirty="0"/>
-              <a:t> </a:t>
+              <a:t> API </a:t>
             </a:r>
             <a:r>
               <a:rPr lang="en-US" dirty="0" err="1"/>
-              <a:t>jawab</a:t>
+              <a:t>tersebut</a:t>
             </a:r>
             <a:r>
               <a:rPr lang="en-US" dirty="0"/>
-              <a:t> </a:t>
+              <a:t>.</a:t>
+            </a:r>
+          </a:p>
+          <a:p>
+            <a:pPr marL="0" indent="0">
+              <a:buNone/>
+            </a:pPr>
+            <a:endParaRPr lang="en-US" dirty="0"/>
+          </a:p>
+          <a:p>
+            <a:pPr marL="0" indent="0">
+              <a:buNone/>
+            </a:pPr>
+            <a:r>
+              <a:rPr lang="en-US" dirty="0"/>
+              <a:t>Tools </a:t>
             </a:r>
             <a:r>
               <a:rPr lang="en-US" dirty="0" err="1"/>
-              <a:t>untuk</a:t>
+              <a:t>Dokumentasi</a:t>
             </a:r>
             <a:r>
               <a:rPr lang="en-US" dirty="0"/>
-              <a:t> </a:t>
+              <a:t> API : Swagger, </a:t>
             </a:r>
             <a:r>
               <a:rPr lang="en-US" dirty="0" err="1"/>
-              <a:t>menyediakan</a:t>
+              <a:t>Postmant</a:t>
             </a:r>
             <a:r>
               <a:rPr lang="en-US" dirty="0"/>
-              <a:t> </a:t>
+              <a:t>, </a:t>
             </a:r>
             <a:r>
               <a:rPr lang="en-US" dirty="0" err="1"/>
-              <a:t>kebutuhan</a:t>
+              <a:t>dll</a:t>
             </a:r>
             <a:r>
               <a:rPr lang="en-US" dirty="0"/>
-              <a:t> yang </a:t>
-            </a:r>
-            <a:r>
-              <a:rPr lang="en-US" dirty="0" err="1"/>
-              <a:t>tak</a:t>
-            </a:r>
-            <a:r>
-              <a:rPr lang="en-US" dirty="0"/>
-              <a:t> </a:t>
-            </a:r>
-            <a:r>
-              <a:rPr lang="en-US" dirty="0" err="1"/>
-              <a:t>terlihat</a:t>
-            </a:r>
-            <a:r>
-              <a:rPr lang="en-US" dirty="0"/>
-              <a:t> oleh user</a:t>
+              <a:t>. </a:t>
             </a:r>
           </a:p>
         </p:txBody>
@@ -3706,7 +4286,7 @@
     </p:spTree>
     <p:extLst>
       <p:ext uri="{BB962C8B-B14F-4D97-AF65-F5344CB8AC3E}">
-        <p14:creationId xmlns:p14="http://schemas.microsoft.com/office/powerpoint/2010/main" val="76728007"/>
+        <p14:creationId xmlns:p14="http://schemas.microsoft.com/office/powerpoint/2010/main" val="3902009061"/>
       </p:ext>
     </p:extLst>
   </p:cSld>
@@ -3729,13 +4309,7 @@
     </p:bg>
     <p:spTree>
       <p:nvGrpSpPr>
-        <p:cNvPr id="1" name="">
-          <a:extLst>
-            <a:ext uri="{FF2B5EF4-FFF2-40B4-BE49-F238E27FC236}">
-              <a16:creationId xmlns:a16="http://schemas.microsoft.com/office/drawing/2014/main" id="{D228007D-ADC5-0BD5-8A00-81C4C663749D}"/>
-            </a:ext>
-          </a:extLst>
-        </p:cNvPr>
+        <p:cNvPr id="1" name=""/>
         <p:cNvGrpSpPr/>
         <p:nvPr/>
       </p:nvGrpSpPr>
@@ -3752,7 +4326,7 @@
           <p:cNvPr id="2" name="Judul 1">
             <a:extLst>
               <a:ext uri="{FF2B5EF4-FFF2-40B4-BE49-F238E27FC236}">
-                <a16:creationId xmlns:a16="http://schemas.microsoft.com/office/drawing/2014/main" id="{563705C0-3552-198F-41D3-268949EEEA24}"/>
+                <a16:creationId xmlns:a16="http://schemas.microsoft.com/office/drawing/2014/main" id="{955A55E6-9BA1-FD29-93E7-EA25F91C58C3}"/>
               </a:ext>
             </a:extLst>
           </p:cNvPr>
@@ -3765,47 +4339,343 @@
         </p:nvSpPr>
         <p:spPr/>
         <p:txBody>
-          <a:bodyPr>
+          <a:bodyPr/>
+          <a:lstStyle/>
+          <a:p>
+            <a:r>
+              <a:rPr lang="en-US" b="1" dirty="0"/>
+              <a:t>Swagger</a:t>
+            </a:r>
+          </a:p>
+        </p:txBody>
+      </p:sp>
+      <p:sp>
+        <p:nvSpPr>
+          <p:cNvPr id="3" name="Tampungan Konten 2">
+            <a:extLst>
+              <a:ext uri="{FF2B5EF4-FFF2-40B4-BE49-F238E27FC236}">
+                <a16:creationId xmlns:a16="http://schemas.microsoft.com/office/drawing/2014/main" id="{1F5A5D98-3355-1722-0413-8D2AC3838260}"/>
+              </a:ext>
+            </a:extLst>
+          </p:cNvPr>
+          <p:cNvSpPr>
+            <a:spLocks noGrp="1"/>
+          </p:cNvSpPr>
+          <p:nvPr>
+            <p:ph idx="1"/>
+          </p:nvPr>
+        </p:nvSpPr>
+        <p:spPr>
+          <a:xfrm>
+            <a:off x="838200" y="1825625"/>
+            <a:ext cx="10515600" cy="1158207"/>
+          </a:xfrm>
+        </p:spPr>
+        <p:txBody>
+          <a:bodyPr/>
+          <a:lstStyle/>
+          <a:p>
+            <a:pPr marL="0" indent="0">
+              <a:buNone/>
+            </a:pPr>
+            <a:r>
+              <a:rPr lang="en-US" dirty="0"/>
+              <a:t>Swagger </a:t>
+            </a:r>
+            <a:r>
+              <a:rPr lang="en-US" dirty="0" err="1"/>
+              <a:t>adalah</a:t>
+            </a:r>
+            <a:r>
+              <a:rPr lang="en-US" dirty="0"/>
+              <a:t> tools yang </a:t>
+            </a:r>
+            <a:r>
+              <a:rPr lang="en-US" dirty="0" err="1"/>
+              <a:t>digunakan</a:t>
+            </a:r>
+            <a:r>
+              <a:rPr lang="en-US" dirty="0"/>
+              <a:t> </a:t>
+            </a:r>
+            <a:r>
+              <a:rPr lang="en-US" dirty="0" err="1"/>
+              <a:t>untuk</a:t>
+            </a:r>
+            <a:r>
+              <a:rPr lang="en-US" dirty="0"/>
+              <a:t> </a:t>
+            </a:r>
+            <a:r>
+              <a:rPr lang="en-US" dirty="0" err="1"/>
+              <a:t>dokumentasi</a:t>
+            </a:r>
+            <a:r>
+              <a:rPr lang="en-US" dirty="0"/>
+              <a:t> API yang </a:t>
+            </a:r>
+            <a:r>
+              <a:rPr lang="en-US" dirty="0" err="1"/>
+              <a:t>dibangun</a:t>
+            </a:r>
+            <a:endParaRPr lang="en-US" dirty="0"/>
+          </a:p>
+        </p:txBody>
+      </p:sp>
+      <p:sp>
+        <p:nvSpPr>
+          <p:cNvPr id="4" name="Judul 1">
+            <a:extLst>
+              <a:ext uri="{FF2B5EF4-FFF2-40B4-BE49-F238E27FC236}">
+                <a16:creationId xmlns:a16="http://schemas.microsoft.com/office/drawing/2014/main" id="{F097D999-7A62-05E1-9AFD-8F28F3A508FB}"/>
+              </a:ext>
+            </a:extLst>
+          </p:cNvPr>
+          <p:cNvSpPr txBox="1">
+            <a:spLocks/>
+          </p:cNvSpPr>
+          <p:nvPr/>
+        </p:nvSpPr>
+        <p:spPr>
+          <a:xfrm>
+            <a:off x="838200" y="3429000"/>
+            <a:ext cx="10515600" cy="1325563"/>
+          </a:xfrm>
+          <a:prstGeom prst="rect">
+            <a:avLst/>
+          </a:prstGeom>
+        </p:spPr>
+        <p:txBody>
+          <a:bodyPr vert="horz" lIns="91440" tIns="45720" rIns="91440" bIns="45720" rtlCol="0" anchor="ctr">
             <a:normAutofit/>
           </a:bodyPr>
-          <a:lstStyle/>
-          <a:p>
-            <a:r>
-              <a:rPr lang="en-US" sz="3600" b="1" dirty="0"/>
-              <a:t>REST API </a:t>
-            </a:r>
-          </a:p>
-        </p:txBody>
-      </p:sp>
-      <p:sp>
-        <p:nvSpPr>
-          <p:cNvPr id="3" name="Tampungan Konten 2">
-            <a:extLst>
-              <a:ext uri="{FF2B5EF4-FFF2-40B4-BE49-F238E27FC236}">
-                <a16:creationId xmlns:a16="http://schemas.microsoft.com/office/drawing/2014/main" id="{2A678A85-F176-EE81-D8DF-25B5B7DAE141}"/>
-              </a:ext>
-            </a:extLst>
-          </p:cNvPr>
-          <p:cNvSpPr>
-            <a:spLocks noGrp="1"/>
-          </p:cNvSpPr>
-          <p:nvPr>
-            <p:ph idx="1"/>
-          </p:nvPr>
-        </p:nvSpPr>
-        <p:spPr/>
-        <p:txBody>
-          <a:bodyPr>
+          <a:lstStyle>
+            <a:lvl1pPr algn="l" defTabSz="914400" rtl="0" eaLnBrk="1" latinLnBrk="0" hangingPunct="1">
+              <a:lnSpc>
+                <a:spcPct val="90000"/>
+              </a:lnSpc>
+              <a:spcBef>
+                <a:spcPct val="0"/>
+              </a:spcBef>
+              <a:buNone/>
+              <a:defRPr sz="4400" kern="1200">
+                <a:solidFill>
+                  <a:schemeClr val="tx1"/>
+                </a:solidFill>
+                <a:latin typeface="+mj-lt"/>
+                <a:ea typeface="+mj-ea"/>
+                <a:cs typeface="+mj-cs"/>
+              </a:defRPr>
+            </a:lvl1pPr>
+          </a:lstStyle>
+          <a:p>
+            <a:r>
+              <a:rPr lang="en-US" b="1"/>
+              <a:t>Postman</a:t>
+            </a:r>
+            <a:endParaRPr lang="en-US" b="1" dirty="0"/>
+          </a:p>
+        </p:txBody>
+      </p:sp>
+      <p:sp>
+        <p:nvSpPr>
+          <p:cNvPr id="5" name="Tampungan Konten 2">
+            <a:extLst>
+              <a:ext uri="{FF2B5EF4-FFF2-40B4-BE49-F238E27FC236}">
+                <a16:creationId xmlns:a16="http://schemas.microsoft.com/office/drawing/2014/main" id="{1207034B-D4E0-EF95-6816-627A40D203CF}"/>
+              </a:ext>
+            </a:extLst>
+          </p:cNvPr>
+          <p:cNvSpPr txBox="1">
+            <a:spLocks/>
+          </p:cNvSpPr>
+          <p:nvPr/>
+        </p:nvSpPr>
+        <p:spPr>
+          <a:xfrm>
+            <a:off x="838200" y="4889500"/>
+            <a:ext cx="10515600" cy="1325563"/>
+          </a:xfrm>
+          <a:prstGeom prst="rect">
+            <a:avLst/>
+          </a:prstGeom>
+        </p:spPr>
+        <p:txBody>
+          <a:bodyPr vert="horz" lIns="91440" tIns="45720" rIns="91440" bIns="45720" rtlCol="0">
             <a:normAutofit/>
           </a:bodyPr>
-          <a:lstStyle/>
-          <a:p>
-            <a:pPr marL="0" indent="0" algn="l">
+          <a:lstStyle>
+            <a:lvl1pPr marL="228600" indent="-228600" algn="l" defTabSz="914400" rtl="0" eaLnBrk="1" latinLnBrk="0" hangingPunct="1">
+              <a:lnSpc>
+                <a:spcPct val="90000"/>
+              </a:lnSpc>
+              <a:spcBef>
+                <a:spcPts val="1000"/>
+              </a:spcBef>
+              <a:buFont typeface="Arial" panose="020B0604020202020204" pitchFamily="34" charset="0"/>
+              <a:buChar char="•"/>
+              <a:defRPr sz="2800" kern="1200">
+                <a:solidFill>
+                  <a:schemeClr val="tx1"/>
+                </a:solidFill>
+                <a:latin typeface="+mn-lt"/>
+                <a:ea typeface="+mn-ea"/>
+                <a:cs typeface="+mn-cs"/>
+              </a:defRPr>
+            </a:lvl1pPr>
+            <a:lvl2pPr marL="685800" indent="-228600" algn="l" defTabSz="914400" rtl="0" eaLnBrk="1" latinLnBrk="0" hangingPunct="1">
+              <a:lnSpc>
+                <a:spcPct val="90000"/>
+              </a:lnSpc>
+              <a:spcBef>
+                <a:spcPts val="500"/>
+              </a:spcBef>
+              <a:buFont typeface="Arial" panose="020B0604020202020204" pitchFamily="34" charset="0"/>
+              <a:buChar char="•"/>
+              <a:defRPr sz="2400" kern="1200">
+                <a:solidFill>
+                  <a:schemeClr val="tx1"/>
+                </a:solidFill>
+                <a:latin typeface="+mn-lt"/>
+                <a:ea typeface="+mn-ea"/>
+                <a:cs typeface="+mn-cs"/>
+              </a:defRPr>
+            </a:lvl2pPr>
+            <a:lvl3pPr marL="1143000" indent="-228600" algn="l" defTabSz="914400" rtl="0" eaLnBrk="1" latinLnBrk="0" hangingPunct="1">
+              <a:lnSpc>
+                <a:spcPct val="90000"/>
+              </a:lnSpc>
+              <a:spcBef>
+                <a:spcPts val="500"/>
+              </a:spcBef>
+              <a:buFont typeface="Arial" panose="020B0604020202020204" pitchFamily="34" charset="0"/>
+              <a:buChar char="•"/>
+              <a:defRPr sz="2000" kern="1200">
+                <a:solidFill>
+                  <a:schemeClr val="tx1"/>
+                </a:solidFill>
+                <a:latin typeface="+mn-lt"/>
+                <a:ea typeface="+mn-ea"/>
+                <a:cs typeface="+mn-cs"/>
+              </a:defRPr>
+            </a:lvl3pPr>
+            <a:lvl4pPr marL="1600200" indent="-228600" algn="l" defTabSz="914400" rtl="0" eaLnBrk="1" latinLnBrk="0" hangingPunct="1">
+              <a:lnSpc>
+                <a:spcPct val="90000"/>
+              </a:lnSpc>
+              <a:spcBef>
+                <a:spcPts val="500"/>
+              </a:spcBef>
+              <a:buFont typeface="Arial" panose="020B0604020202020204" pitchFamily="34" charset="0"/>
+              <a:buChar char="•"/>
+              <a:defRPr sz="1800" kern="1200">
+                <a:solidFill>
+                  <a:schemeClr val="tx1"/>
+                </a:solidFill>
+                <a:latin typeface="+mn-lt"/>
+                <a:ea typeface="+mn-ea"/>
+                <a:cs typeface="+mn-cs"/>
+              </a:defRPr>
+            </a:lvl4pPr>
+            <a:lvl5pPr marL="2057400" indent="-228600" algn="l" defTabSz="914400" rtl="0" eaLnBrk="1" latinLnBrk="0" hangingPunct="1">
+              <a:lnSpc>
+                <a:spcPct val="90000"/>
+              </a:lnSpc>
+              <a:spcBef>
+                <a:spcPts val="500"/>
+              </a:spcBef>
+              <a:buFont typeface="Arial" panose="020B0604020202020204" pitchFamily="34" charset="0"/>
+              <a:buChar char="•"/>
+              <a:defRPr sz="1800" kern="1200">
+                <a:solidFill>
+                  <a:schemeClr val="tx1"/>
+                </a:solidFill>
+                <a:latin typeface="+mn-lt"/>
+                <a:ea typeface="+mn-ea"/>
+                <a:cs typeface="+mn-cs"/>
+              </a:defRPr>
+            </a:lvl5pPr>
+            <a:lvl6pPr marL="2514600" indent="-228600" algn="l" defTabSz="914400" rtl="0" eaLnBrk="1" latinLnBrk="0" hangingPunct="1">
+              <a:lnSpc>
+                <a:spcPct val="90000"/>
+              </a:lnSpc>
+              <a:spcBef>
+                <a:spcPts val="500"/>
+              </a:spcBef>
+              <a:buFont typeface="Arial" panose="020B0604020202020204" pitchFamily="34" charset="0"/>
+              <a:buChar char="•"/>
+              <a:defRPr sz="1800" kern="1200">
+                <a:solidFill>
+                  <a:schemeClr val="tx1"/>
+                </a:solidFill>
+                <a:latin typeface="+mn-lt"/>
+                <a:ea typeface="+mn-ea"/>
+                <a:cs typeface="+mn-cs"/>
+              </a:defRPr>
+            </a:lvl6pPr>
+            <a:lvl7pPr marL="2971800" indent="-228600" algn="l" defTabSz="914400" rtl="0" eaLnBrk="1" latinLnBrk="0" hangingPunct="1">
+              <a:lnSpc>
+                <a:spcPct val="90000"/>
+              </a:lnSpc>
+              <a:spcBef>
+                <a:spcPts val="500"/>
+              </a:spcBef>
+              <a:buFont typeface="Arial" panose="020B0604020202020204" pitchFamily="34" charset="0"/>
+              <a:buChar char="•"/>
+              <a:defRPr sz="1800" kern="1200">
+                <a:solidFill>
+                  <a:schemeClr val="tx1"/>
+                </a:solidFill>
+                <a:latin typeface="+mn-lt"/>
+                <a:ea typeface="+mn-ea"/>
+                <a:cs typeface="+mn-cs"/>
+              </a:defRPr>
+            </a:lvl7pPr>
+            <a:lvl8pPr marL="3429000" indent="-228600" algn="l" defTabSz="914400" rtl="0" eaLnBrk="1" latinLnBrk="0" hangingPunct="1">
+              <a:lnSpc>
+                <a:spcPct val="90000"/>
+              </a:lnSpc>
+              <a:spcBef>
+                <a:spcPts val="500"/>
+              </a:spcBef>
+              <a:buFont typeface="Arial" panose="020B0604020202020204" pitchFamily="34" charset="0"/>
+              <a:buChar char="•"/>
+              <a:defRPr sz="1800" kern="1200">
+                <a:solidFill>
+                  <a:schemeClr val="tx1"/>
+                </a:solidFill>
+                <a:latin typeface="+mn-lt"/>
+                <a:ea typeface="+mn-ea"/>
+                <a:cs typeface="+mn-cs"/>
+              </a:defRPr>
+            </a:lvl8pPr>
+            <a:lvl9pPr marL="3886200" indent="-228600" algn="l" defTabSz="914400" rtl="0" eaLnBrk="1" latinLnBrk="0" hangingPunct="1">
+              <a:lnSpc>
+                <a:spcPct val="90000"/>
+              </a:lnSpc>
+              <a:spcBef>
+                <a:spcPts val="500"/>
+              </a:spcBef>
+              <a:buFont typeface="Arial" panose="020B0604020202020204" pitchFamily="34" charset="0"/>
+              <a:buChar char="•"/>
+              <a:defRPr sz="1800" kern="1200">
+                <a:solidFill>
+                  <a:schemeClr val="tx1"/>
+                </a:solidFill>
+                <a:latin typeface="+mn-lt"/>
+                <a:ea typeface="+mn-ea"/>
+                <a:cs typeface="+mn-cs"/>
+              </a:defRPr>
+            </a:lvl9pPr>
+          </a:lstStyle>
+          <a:p>
+            <a:pPr marL="0" indent="0">
+              <a:buFont typeface="Arial" panose="020B0604020202020204" pitchFamily="34" charset="0"/>
               <a:buNone/>
             </a:pPr>
             <a:r>
               <a:rPr lang="en-US" dirty="0"/>
-              <a:t>REST API (Representational State Transfer Application Programming Interface) </a:t>
+              <a:t>Postman </a:t>
             </a:r>
             <a:r>
               <a:rPr lang="en-US" dirty="0" err="1"/>
@@ -3817,7 +4687,7 @@
             </a:r>
             <a:r>
               <a:rPr lang="en-US" dirty="0" err="1"/>
-              <a:t>arsitektur</a:t>
+              <a:t>aplikasi</a:t>
             </a:r>
             <a:r>
               <a:rPr lang="en-US" dirty="0"/>
@@ -3841,7 +4711,7 @@
             </a:r>
             <a:r>
               <a:rPr lang="en-US" dirty="0" err="1"/>
-              <a:t>membangun</a:t>
+              <a:t>melakukan</a:t>
             </a:r>
             <a:r>
               <a:rPr lang="en-US" dirty="0"/>
@@ -3849,115 +4719,11 @@
             </a:r>
             <a:r>
               <a:rPr lang="en-US" dirty="0" err="1"/>
-              <a:t>layanan</a:t>
+              <a:t>pengujian</a:t>
             </a:r>
             <a:r>
               <a:rPr lang="en-US" dirty="0"/>
-              <a:t> web yang </a:t>
-            </a:r>
-            <a:r>
-              <a:rPr lang="en-US" dirty="0" err="1"/>
-              <a:t>memungkinkan</a:t>
-            </a:r>
-            <a:r>
-              <a:rPr lang="en-US" dirty="0"/>
-              <a:t> </a:t>
-            </a:r>
-            <a:r>
-              <a:rPr lang="en-US" dirty="0" err="1"/>
-              <a:t>komunikasi</a:t>
-            </a:r>
-            <a:r>
-              <a:rPr lang="en-US" dirty="0"/>
-              <a:t> </a:t>
-            </a:r>
-            <a:r>
-              <a:rPr lang="en-US" dirty="0" err="1"/>
-              <a:t>antara</a:t>
-            </a:r>
-            <a:r>
-              <a:rPr lang="en-US" dirty="0"/>
-              <a:t> </a:t>
-            </a:r>
-            <a:r>
-              <a:rPr lang="en-US" dirty="0" err="1"/>
-              <a:t>aplikasi</a:t>
-            </a:r>
-            <a:r>
-              <a:rPr lang="en-US" dirty="0"/>
-              <a:t> </a:t>
-            </a:r>
-            <a:r>
-              <a:rPr lang="en-US" dirty="0" err="1"/>
-              <a:t>dengan</a:t>
-            </a:r>
-            <a:r>
-              <a:rPr lang="en-US" dirty="0"/>
-              <a:t> </a:t>
-            </a:r>
-            <a:r>
-              <a:rPr lang="en-US" dirty="0" err="1"/>
-              <a:t>menggunakan</a:t>
-            </a:r>
-            <a:r>
-              <a:rPr lang="en-US" dirty="0"/>
-              <a:t> </a:t>
-            </a:r>
-            <a:r>
-              <a:rPr lang="en-US" dirty="0" err="1"/>
-              <a:t>protokol</a:t>
-            </a:r>
-            <a:r>
-              <a:rPr lang="en-US" dirty="0"/>
-              <a:t> HTTP, </a:t>
-            </a:r>
-            <a:r>
-              <a:rPr lang="en-US" dirty="0" err="1"/>
-              <a:t>untuk</a:t>
-            </a:r>
-            <a:r>
-              <a:rPr lang="en-US" dirty="0"/>
-              <a:t> </a:t>
-            </a:r>
-            <a:r>
-              <a:rPr lang="en-US" dirty="0" err="1"/>
-              <a:t>mengakses</a:t>
-            </a:r>
-            <a:r>
-              <a:rPr lang="en-US" dirty="0"/>
-              <a:t> data </a:t>
-            </a:r>
-            <a:r>
-              <a:rPr lang="en-US" dirty="0" err="1"/>
-              <a:t>menggunakan</a:t>
-            </a:r>
-            <a:r>
-              <a:rPr lang="en-US" dirty="0"/>
-              <a:t> </a:t>
-            </a:r>
-            <a:r>
-              <a:rPr lang="en-US" dirty="0" err="1"/>
-              <a:t>metode</a:t>
-            </a:r>
-            <a:r>
-              <a:rPr lang="en-US" dirty="0"/>
-              <a:t> HTTP </a:t>
-            </a:r>
-            <a:r>
-              <a:rPr lang="en-US" dirty="0" err="1"/>
-              <a:t>standar</a:t>
-            </a:r>
-            <a:r>
-              <a:rPr lang="en-US" dirty="0"/>
-              <a:t> </a:t>
-            </a:r>
-            <a:r>
-              <a:rPr lang="en-US" dirty="0" err="1"/>
-              <a:t>seperti</a:t>
-            </a:r>
-            <a:r>
-              <a:rPr lang="en-US" dirty="0"/>
-              <a:t> GET, POST, PUT, DELETE, dan PATCH.</a:t>
+              <a:t> API</a:t>
             </a:r>
           </a:p>
         </p:txBody>
@@ -3965,7 +4731,7 @@
     </p:spTree>
     <p:extLst>
       <p:ext uri="{BB962C8B-B14F-4D97-AF65-F5344CB8AC3E}">
-        <p14:creationId xmlns:p14="http://schemas.microsoft.com/office/powerpoint/2010/main" val="1055062321"/>
+        <p14:creationId xmlns:p14="http://schemas.microsoft.com/office/powerpoint/2010/main" val="76728007"/>
       </p:ext>
     </p:extLst>
   </p:cSld>
@@ -4005,7 +4771,7 @@
           <p:cNvPr id="2" name="Judul 1">
             <a:extLst>
               <a:ext uri="{FF2B5EF4-FFF2-40B4-BE49-F238E27FC236}">
-                <a16:creationId xmlns:a16="http://schemas.microsoft.com/office/drawing/2014/main" id="{49AB4E01-090A-D71B-955C-DEC0C0885F82}"/>
+                <a16:creationId xmlns:a16="http://schemas.microsoft.com/office/drawing/2014/main" id="{4CED390E-0317-5FCB-D0F4-BBAF7BBBF488}"/>
               </a:ext>
             </a:extLst>
           </p:cNvPr>
@@ -4014,24 +4780,112 @@
           </p:cNvSpPr>
           <p:nvPr>
             <p:ph type="title"/>
+          </p:nvPr>
+        </p:nvSpPr>
+        <p:spPr/>
+        <p:txBody>
+          <a:bodyPr/>
+          <a:lstStyle/>
+          <a:p>
+            <a:r>
+              <a:rPr lang="en-US" b="1" dirty="0" err="1"/>
+              <a:t>Perbedaan</a:t>
+            </a:r>
+            <a:r>
+              <a:rPr lang="en-US" b="1" dirty="0"/>
+              <a:t> Swagger dan Postman</a:t>
+            </a:r>
+          </a:p>
+        </p:txBody>
+      </p:sp>
+      <p:sp>
+        <p:nvSpPr>
+          <p:cNvPr id="3" name="Tampungan Konten 2">
+            <a:extLst>
+              <a:ext uri="{FF2B5EF4-FFF2-40B4-BE49-F238E27FC236}">
+                <a16:creationId xmlns:a16="http://schemas.microsoft.com/office/drawing/2014/main" id="{7508189E-A0D5-0169-820C-ACD4E4F04759}"/>
+              </a:ext>
+            </a:extLst>
+          </p:cNvPr>
+          <p:cNvSpPr>
+            <a:spLocks noGrp="1"/>
+          </p:cNvSpPr>
+          <p:nvPr>
+            <p:ph idx="1"/>
           </p:nvPr>
         </p:nvSpPr>
         <p:spPr>
           <a:xfrm>
-            <a:off x="838200" y="379193"/>
-            <a:ext cx="10515600" cy="1325563"/>
+            <a:off x="838200" y="1825625"/>
+            <a:ext cx="5257800" cy="4351338"/>
           </a:xfrm>
         </p:spPr>
         <p:txBody>
           <a:bodyPr/>
           <a:lstStyle/>
           <a:p>
-            <a:r>
-              <a:rPr lang="en-US" sz="4400" b="0" i="0" dirty="0">
-                <a:effectLst/>
-                <a:latin typeface="inherit"/>
-              </a:rPr>
-              <a:t>Middleware</a:t>
+            <a:pPr marL="0" indent="0">
+              <a:buNone/>
+            </a:pPr>
+            <a:r>
+              <a:rPr lang="en-US" dirty="0"/>
+              <a:t>Swagger </a:t>
+            </a:r>
+          </a:p>
+          <a:p>
+            <a:r>
+              <a:rPr lang="en-US" dirty="0" err="1"/>
+              <a:t>Fokus</a:t>
+            </a:r>
+            <a:r>
+              <a:rPr lang="en-US" dirty="0"/>
+              <a:t> pada </a:t>
+            </a:r>
+            <a:r>
+              <a:rPr lang="en-US" dirty="0" err="1"/>
+              <a:t>dokumentasi</a:t>
+            </a:r>
+            <a:r>
+              <a:rPr lang="en-US" dirty="0"/>
+              <a:t> API</a:t>
+            </a:r>
+          </a:p>
+          <a:p>
+            <a:r>
+              <a:rPr lang="en-US" dirty="0" err="1"/>
+              <a:t>mendeskripsikan</a:t>
+            </a:r>
+            <a:r>
+              <a:rPr lang="en-US" dirty="0"/>
+              <a:t> API </a:t>
+            </a:r>
+            <a:r>
+              <a:rPr lang="en-US" dirty="0" err="1"/>
+              <a:t>dengan</a:t>
+            </a:r>
+            <a:r>
+              <a:rPr lang="en-US" dirty="0"/>
+              <a:t> </a:t>
+            </a:r>
+            <a:r>
+              <a:rPr lang="en-US" dirty="0" err="1"/>
+              <a:t>cara</a:t>
+            </a:r>
+            <a:r>
+              <a:rPr lang="en-US" dirty="0"/>
+              <a:t> yang </a:t>
+            </a:r>
+            <a:r>
+              <a:rPr lang="en-US" dirty="0" err="1"/>
+              <a:t>mudah</a:t>
+            </a:r>
+            <a:r>
+              <a:rPr lang="en-US" dirty="0"/>
+              <a:t> </a:t>
+            </a:r>
+            <a:r>
+              <a:rPr lang="en-US" dirty="0" err="1"/>
+              <a:t>dipahami</a:t>
             </a:r>
             <a:endParaRPr lang="en-US" dirty="0"/>
           </a:p>
@@ -4039,158 +4893,315 @@
       </p:sp>
       <p:sp>
         <p:nvSpPr>
-          <p:cNvPr id="3" name="Tampungan Konten 2">
-            <a:extLst>
-              <a:ext uri="{FF2B5EF4-FFF2-40B4-BE49-F238E27FC236}">
-                <a16:creationId xmlns:a16="http://schemas.microsoft.com/office/drawing/2014/main" id="{FBCBB5A7-892F-512B-E517-324148CF4CCC}"/>
-              </a:ext>
-            </a:extLst>
-          </p:cNvPr>
-          <p:cNvSpPr>
-            <a:spLocks noGrp="1"/>
-          </p:cNvSpPr>
-          <p:nvPr>
-            <p:ph idx="1"/>
-          </p:nvPr>
+          <p:cNvPr id="4" name="Tampungan Konten 2">
+            <a:extLst>
+              <a:ext uri="{FF2B5EF4-FFF2-40B4-BE49-F238E27FC236}">
+                <a16:creationId xmlns:a16="http://schemas.microsoft.com/office/drawing/2014/main" id="{15AA921F-E631-E22A-C0CD-2DAAF95D9C56}"/>
+              </a:ext>
+            </a:extLst>
+          </p:cNvPr>
+          <p:cNvSpPr txBox="1">
+            <a:spLocks/>
+          </p:cNvSpPr>
+          <p:nvPr/>
         </p:nvSpPr>
         <p:spPr>
           <a:xfrm>
-            <a:off x="838200" y="1871003"/>
-            <a:ext cx="10515600" cy="2912013"/>
-          </a:xfrm>
-        </p:spPr>
-        <p:txBody>
-          <a:bodyPr/>
-          <a:lstStyle/>
-          <a:p>
-            <a:pPr marL="0" indent="0">
-              <a:buNone/>
-            </a:pPr>
-            <a:r>
-              <a:rPr lang="en-US" dirty="0"/>
-              <a:t>Middleware </a:t>
-            </a:r>
-            <a:r>
-              <a:rPr lang="en-US" dirty="0" err="1"/>
-              <a:t>adalah</a:t>
-            </a:r>
-            <a:r>
-              <a:rPr lang="en-US" dirty="0"/>
-              <a:t> </a:t>
-            </a:r>
-            <a:r>
-              <a:rPr lang="en-US" dirty="0" err="1"/>
-              <a:t>kode</a:t>
-            </a:r>
-            <a:r>
-              <a:rPr lang="en-US" dirty="0"/>
-              <a:t> yang </a:t>
-            </a:r>
-            <a:r>
-              <a:rPr lang="en-US" dirty="0" err="1"/>
-              <a:t>disipkan</a:t>
-            </a:r>
-            <a:r>
-              <a:rPr lang="en-US" dirty="0"/>
-              <a:t> </a:t>
-            </a:r>
-            <a:r>
-              <a:rPr lang="en-US" dirty="0" err="1"/>
-              <a:t>sebelum</a:t>
-            </a:r>
-            <a:r>
-              <a:rPr lang="en-US" dirty="0"/>
-              <a:t> </a:t>
-            </a:r>
-            <a:r>
-              <a:rPr lang="en-US" dirty="0" err="1"/>
-              <a:t>aplikasi</a:t>
-            </a:r>
-            <a:r>
-              <a:rPr lang="en-US" dirty="0"/>
-              <a:t> di </a:t>
-            </a:r>
-            <a:r>
-              <a:rPr lang="en-US" dirty="0" err="1"/>
-              <a:t>jalankan</a:t>
-            </a:r>
-            <a:r>
-              <a:rPr lang="en-US" dirty="0"/>
-              <a:t> dan </a:t>
-            </a:r>
-            <a:r>
-              <a:rPr lang="en-US" dirty="0" err="1"/>
-              <a:t>digunakan</a:t>
-            </a:r>
-            <a:r>
-              <a:rPr lang="en-US" dirty="0"/>
-              <a:t> </a:t>
-            </a:r>
-            <a:r>
-              <a:rPr lang="en-US" dirty="0" err="1"/>
-              <a:t>untuk</a:t>
-            </a:r>
-            <a:r>
-              <a:rPr lang="en-US" dirty="0"/>
-              <a:t> </a:t>
-            </a:r>
-            <a:r>
-              <a:rPr lang="en-US" dirty="0" err="1"/>
-              <a:t>otorisasi</a:t>
-            </a:r>
-            <a:r>
-              <a:rPr lang="en-US" dirty="0"/>
-              <a:t>.</a:t>
-            </a:r>
-          </a:p>
-        </p:txBody>
-      </p:sp>
-      <p:sp>
-        <p:nvSpPr>
-          <p:cNvPr id="4" name="Judul 1">
-            <a:extLst>
-              <a:ext uri="{FF2B5EF4-FFF2-40B4-BE49-F238E27FC236}">
-                <a16:creationId xmlns:a16="http://schemas.microsoft.com/office/drawing/2014/main" id="{01888C8F-9BB7-7409-5121-D7AB7EF91CAB}"/>
-              </a:ext>
-            </a:extLst>
-          </p:cNvPr>
-          <p:cNvSpPr txBox="1">
-            <a:spLocks/>
-          </p:cNvSpPr>
-          <p:nvPr/>
-        </p:nvSpPr>
-        <p:spPr>
-          <a:xfrm>
-            <a:off x="838200" y="3007506"/>
-            <a:ext cx="10515600" cy="1325563"/>
+            <a:off x="6096000" y="1825625"/>
+            <a:ext cx="5410200" cy="4351338"/>
           </a:xfrm>
           <a:prstGeom prst="rect">
             <a:avLst/>
           </a:prstGeom>
         </p:spPr>
         <p:txBody>
-          <a:bodyPr vert="horz" lIns="91440" tIns="45720" rIns="91440" bIns="45720" rtlCol="0" anchor="ctr">
+          <a:bodyPr vert="horz" lIns="91440" tIns="45720" rIns="91440" bIns="45720" rtlCol="0">
             <a:normAutofit/>
           </a:bodyPr>
           <a:lstStyle>
-            <a:lvl1pPr algn="l" defTabSz="914400" rtl="0" eaLnBrk="1" latinLnBrk="0" hangingPunct="1">
+            <a:lvl1pPr marL="228600" indent="-228600" algn="l" defTabSz="914400" rtl="0" eaLnBrk="1" latinLnBrk="0" hangingPunct="1">
               <a:lnSpc>
                 <a:spcPct val="90000"/>
               </a:lnSpc>
               <a:spcBef>
-                <a:spcPct val="0"/>
+                <a:spcPts val="1000"/>
               </a:spcBef>
-              <a:buNone/>
-              <a:defRPr sz="4400" kern="1200">
+              <a:buFont typeface="Arial" panose="020B0604020202020204" pitchFamily="34" charset="0"/>
+              <a:buChar char="•"/>
+              <a:defRPr sz="2800" kern="1200">
                 <a:solidFill>
                   <a:schemeClr val="tx1"/>
                 </a:solidFill>
-                <a:latin typeface="+mj-lt"/>
-                <a:ea typeface="+mj-ea"/>
-                <a:cs typeface="+mj-cs"/>
+                <a:latin typeface="+mn-lt"/>
+                <a:ea typeface="+mn-ea"/>
+                <a:cs typeface="+mn-cs"/>
               </a:defRPr>
             </a:lvl1pPr>
+            <a:lvl2pPr marL="685800" indent="-228600" algn="l" defTabSz="914400" rtl="0" eaLnBrk="1" latinLnBrk="0" hangingPunct="1">
+              <a:lnSpc>
+                <a:spcPct val="90000"/>
+              </a:lnSpc>
+              <a:spcBef>
+                <a:spcPts val="500"/>
+              </a:spcBef>
+              <a:buFont typeface="Arial" panose="020B0604020202020204" pitchFamily="34" charset="0"/>
+              <a:buChar char="•"/>
+              <a:defRPr sz="2400" kern="1200">
+                <a:solidFill>
+                  <a:schemeClr val="tx1"/>
+                </a:solidFill>
+                <a:latin typeface="+mn-lt"/>
+                <a:ea typeface="+mn-ea"/>
+                <a:cs typeface="+mn-cs"/>
+              </a:defRPr>
+            </a:lvl2pPr>
+            <a:lvl3pPr marL="1143000" indent="-228600" algn="l" defTabSz="914400" rtl="0" eaLnBrk="1" latinLnBrk="0" hangingPunct="1">
+              <a:lnSpc>
+                <a:spcPct val="90000"/>
+              </a:lnSpc>
+              <a:spcBef>
+                <a:spcPts val="500"/>
+              </a:spcBef>
+              <a:buFont typeface="Arial" panose="020B0604020202020204" pitchFamily="34" charset="0"/>
+              <a:buChar char="•"/>
+              <a:defRPr sz="2000" kern="1200">
+                <a:solidFill>
+                  <a:schemeClr val="tx1"/>
+                </a:solidFill>
+                <a:latin typeface="+mn-lt"/>
+                <a:ea typeface="+mn-ea"/>
+                <a:cs typeface="+mn-cs"/>
+              </a:defRPr>
+            </a:lvl3pPr>
+            <a:lvl4pPr marL="1600200" indent="-228600" algn="l" defTabSz="914400" rtl="0" eaLnBrk="1" latinLnBrk="0" hangingPunct="1">
+              <a:lnSpc>
+                <a:spcPct val="90000"/>
+              </a:lnSpc>
+              <a:spcBef>
+                <a:spcPts val="500"/>
+              </a:spcBef>
+              <a:buFont typeface="Arial" panose="020B0604020202020204" pitchFamily="34" charset="0"/>
+              <a:buChar char="•"/>
+              <a:defRPr sz="1800" kern="1200">
+                <a:solidFill>
+                  <a:schemeClr val="tx1"/>
+                </a:solidFill>
+                <a:latin typeface="+mn-lt"/>
+                <a:ea typeface="+mn-ea"/>
+                <a:cs typeface="+mn-cs"/>
+              </a:defRPr>
+            </a:lvl4pPr>
+            <a:lvl5pPr marL="2057400" indent="-228600" algn="l" defTabSz="914400" rtl="0" eaLnBrk="1" latinLnBrk="0" hangingPunct="1">
+              <a:lnSpc>
+                <a:spcPct val="90000"/>
+              </a:lnSpc>
+              <a:spcBef>
+                <a:spcPts val="500"/>
+              </a:spcBef>
+              <a:buFont typeface="Arial" panose="020B0604020202020204" pitchFamily="34" charset="0"/>
+              <a:buChar char="•"/>
+              <a:defRPr sz="1800" kern="1200">
+                <a:solidFill>
+                  <a:schemeClr val="tx1"/>
+                </a:solidFill>
+                <a:latin typeface="+mn-lt"/>
+                <a:ea typeface="+mn-ea"/>
+                <a:cs typeface="+mn-cs"/>
+              </a:defRPr>
+            </a:lvl5pPr>
+            <a:lvl6pPr marL="2514600" indent="-228600" algn="l" defTabSz="914400" rtl="0" eaLnBrk="1" latinLnBrk="0" hangingPunct="1">
+              <a:lnSpc>
+                <a:spcPct val="90000"/>
+              </a:lnSpc>
+              <a:spcBef>
+                <a:spcPts val="500"/>
+              </a:spcBef>
+              <a:buFont typeface="Arial" panose="020B0604020202020204" pitchFamily="34" charset="0"/>
+              <a:buChar char="•"/>
+              <a:defRPr sz="1800" kern="1200">
+                <a:solidFill>
+                  <a:schemeClr val="tx1"/>
+                </a:solidFill>
+                <a:latin typeface="+mn-lt"/>
+                <a:ea typeface="+mn-ea"/>
+                <a:cs typeface="+mn-cs"/>
+              </a:defRPr>
+            </a:lvl6pPr>
+            <a:lvl7pPr marL="2971800" indent="-228600" algn="l" defTabSz="914400" rtl="0" eaLnBrk="1" latinLnBrk="0" hangingPunct="1">
+              <a:lnSpc>
+                <a:spcPct val="90000"/>
+              </a:lnSpc>
+              <a:spcBef>
+                <a:spcPts val="500"/>
+              </a:spcBef>
+              <a:buFont typeface="Arial" panose="020B0604020202020204" pitchFamily="34" charset="0"/>
+              <a:buChar char="•"/>
+              <a:defRPr sz="1800" kern="1200">
+                <a:solidFill>
+                  <a:schemeClr val="tx1"/>
+                </a:solidFill>
+                <a:latin typeface="+mn-lt"/>
+                <a:ea typeface="+mn-ea"/>
+                <a:cs typeface="+mn-cs"/>
+              </a:defRPr>
+            </a:lvl7pPr>
+            <a:lvl8pPr marL="3429000" indent="-228600" algn="l" defTabSz="914400" rtl="0" eaLnBrk="1" latinLnBrk="0" hangingPunct="1">
+              <a:lnSpc>
+                <a:spcPct val="90000"/>
+              </a:lnSpc>
+              <a:spcBef>
+                <a:spcPts val="500"/>
+              </a:spcBef>
+              <a:buFont typeface="Arial" panose="020B0604020202020204" pitchFamily="34" charset="0"/>
+              <a:buChar char="•"/>
+              <a:defRPr sz="1800" kern="1200">
+                <a:solidFill>
+                  <a:schemeClr val="tx1"/>
+                </a:solidFill>
+                <a:latin typeface="+mn-lt"/>
+                <a:ea typeface="+mn-ea"/>
+                <a:cs typeface="+mn-cs"/>
+              </a:defRPr>
+            </a:lvl8pPr>
+            <a:lvl9pPr marL="3886200" indent="-228600" algn="l" defTabSz="914400" rtl="0" eaLnBrk="1" latinLnBrk="0" hangingPunct="1">
+              <a:lnSpc>
+                <a:spcPct val="90000"/>
+              </a:lnSpc>
+              <a:spcBef>
+                <a:spcPts val="500"/>
+              </a:spcBef>
+              <a:buFont typeface="Arial" panose="020B0604020202020204" pitchFamily="34" charset="0"/>
+              <a:buChar char="•"/>
+              <a:defRPr sz="1800" kern="1200">
+                <a:solidFill>
+                  <a:schemeClr val="tx1"/>
+                </a:solidFill>
+                <a:latin typeface="+mn-lt"/>
+                <a:ea typeface="+mn-ea"/>
+                <a:cs typeface="+mn-cs"/>
+              </a:defRPr>
+            </a:lvl9pPr>
           </a:lstStyle>
+          <a:p>
+            <a:pPr marL="0" indent="0">
+              <a:buFont typeface="Arial" panose="020B0604020202020204" pitchFamily="34" charset="0"/>
+              <a:buNone/>
+            </a:pPr>
+            <a:r>
+              <a:rPr lang="en-US" dirty="0"/>
+              <a:t>Postman</a:t>
+            </a:r>
+          </a:p>
+          <a:p>
+            <a:r>
+              <a:rPr lang="en-US" dirty="0" err="1"/>
+              <a:t>Fokus</a:t>
+            </a:r>
+            <a:r>
+              <a:rPr lang="en-US" dirty="0"/>
+              <a:t> pada </a:t>
+            </a:r>
+            <a:r>
+              <a:rPr lang="en-US" dirty="0" err="1"/>
+              <a:t>pengujian</a:t>
+            </a:r>
+            <a:r>
+              <a:rPr lang="en-US" dirty="0"/>
+              <a:t> API</a:t>
+            </a:r>
+          </a:p>
+          <a:p>
+            <a:r>
+              <a:rPr lang="en-US" dirty="0" err="1"/>
+              <a:t>Menyediakan</a:t>
+            </a:r>
+            <a:r>
+              <a:rPr lang="en-US" dirty="0"/>
+              <a:t> </a:t>
+            </a:r>
+            <a:r>
+              <a:rPr lang="en-US" dirty="0" err="1"/>
+              <a:t>antarmuka</a:t>
+            </a:r>
+            <a:r>
+              <a:rPr lang="en-US" dirty="0"/>
+              <a:t> yang </a:t>
+            </a:r>
+            <a:r>
+              <a:rPr lang="en-US" dirty="0" err="1"/>
+              <a:t>intuitif</a:t>
+            </a:r>
+            <a:r>
+              <a:rPr lang="en-US" dirty="0"/>
+              <a:t> </a:t>
+            </a:r>
+            <a:r>
+              <a:rPr lang="en-US" dirty="0" err="1"/>
+              <a:t>untuk</a:t>
+            </a:r>
+            <a:r>
+              <a:rPr lang="en-US" dirty="0"/>
+              <a:t> </a:t>
+            </a:r>
+            <a:r>
+              <a:rPr lang="en-US" dirty="0" err="1"/>
+              <a:t>membuat</a:t>
+            </a:r>
+            <a:r>
+              <a:rPr lang="en-US" dirty="0"/>
+              <a:t>, </a:t>
+            </a:r>
+            <a:r>
+              <a:rPr lang="en-US" dirty="0" err="1"/>
+              <a:t>mengirim</a:t>
+            </a:r>
+            <a:r>
+              <a:rPr lang="en-US" dirty="0"/>
+              <a:t>, dan </a:t>
+            </a:r>
+            <a:r>
+              <a:rPr lang="en-US" dirty="0" err="1"/>
+              <a:t>menganalisis</a:t>
+            </a:r>
+            <a:r>
+              <a:rPr lang="en-US" dirty="0"/>
+              <a:t> </a:t>
+            </a:r>
+            <a:r>
+              <a:rPr lang="en-US" dirty="0" err="1"/>
+              <a:t>permintaan</a:t>
+            </a:r>
+            <a:r>
+              <a:rPr lang="en-US" dirty="0"/>
+              <a:t> HTTP</a:t>
+            </a:r>
+          </a:p>
+          <a:p>
+            <a:r>
+              <a:rPr lang="en-US" dirty="0" err="1"/>
+              <a:t>Mendukung</a:t>
+            </a:r>
+            <a:r>
+              <a:rPr lang="en-US" dirty="0"/>
+              <a:t> </a:t>
+            </a:r>
+            <a:r>
+              <a:rPr lang="en-US" dirty="0" err="1"/>
+              <a:t>berbagai</a:t>
+            </a:r>
+            <a:r>
+              <a:rPr lang="en-US" dirty="0"/>
+              <a:t> </a:t>
+            </a:r>
+            <a:r>
+              <a:rPr lang="en-US" dirty="0" err="1"/>
+              <a:t>metode</a:t>
+            </a:r>
+            <a:r>
+              <a:rPr lang="en-US" dirty="0"/>
+              <a:t> GET, POST, PATCH, dan DELETE</a:t>
+            </a:r>
+          </a:p>
           <a:p>
             <a:endParaRPr lang="en-US" dirty="0"/>
           </a:p>
@@ -4199,7 +5210,7 @@
     </p:spTree>
     <p:extLst>
       <p:ext uri="{BB962C8B-B14F-4D97-AF65-F5344CB8AC3E}">
-        <p14:creationId xmlns:p14="http://schemas.microsoft.com/office/powerpoint/2010/main" val="2888919149"/>
+        <p14:creationId xmlns:p14="http://schemas.microsoft.com/office/powerpoint/2010/main" val="2882587042"/>
       </p:ext>
     </p:extLst>
   </p:cSld>
@@ -4212,276 +5223,6 @@
 <file path=ppt/slides/slide6.xml><?xml version="1.0" encoding="utf-8"?>
 <p:sld xmlns:a="http://schemas.openxmlformats.org/drawingml/2006/main" xmlns:r="http://schemas.openxmlformats.org/officeDocument/2006/relationships" xmlns:p="http://schemas.openxmlformats.org/presentationml/2006/main">
   <p:cSld>
-    <p:bg>
-      <p:bgPr>
-        <a:solidFill>
-          <a:schemeClr val="bg1"/>
-        </a:solidFill>
-        <a:effectLst/>
-      </p:bgPr>
-    </p:bg>
-    <p:spTree>
-      <p:nvGrpSpPr>
-        <p:cNvPr id="1" name="">
-          <a:extLst>
-            <a:ext uri="{FF2B5EF4-FFF2-40B4-BE49-F238E27FC236}">
-              <a16:creationId xmlns:a16="http://schemas.microsoft.com/office/drawing/2014/main" id="{EC07FB3F-ED35-CAB3-D683-96237E89CA8D}"/>
-            </a:ext>
-          </a:extLst>
-        </p:cNvPr>
-        <p:cNvGrpSpPr/>
-        <p:nvPr/>
-      </p:nvGrpSpPr>
-      <p:grpSpPr>
-        <a:xfrm>
-          <a:off x="0" y="0"/>
-          <a:ext cx="0" cy="0"/>
-          <a:chOff x="0" y="0"/>
-          <a:chExt cx="0" cy="0"/>
-        </a:xfrm>
-      </p:grpSpPr>
-      <p:sp>
-        <p:nvSpPr>
-          <p:cNvPr id="2" name="Judul 1">
-            <a:extLst>
-              <a:ext uri="{FF2B5EF4-FFF2-40B4-BE49-F238E27FC236}">
-                <a16:creationId xmlns:a16="http://schemas.microsoft.com/office/drawing/2014/main" id="{434B6832-978C-A5B5-E2F7-AA71C4F425A1}"/>
-              </a:ext>
-            </a:extLst>
-          </p:cNvPr>
-          <p:cNvSpPr>
-            <a:spLocks noGrp="1"/>
-          </p:cNvSpPr>
-          <p:nvPr>
-            <p:ph type="title"/>
-          </p:nvPr>
-        </p:nvSpPr>
-        <p:spPr/>
-        <p:txBody>
-          <a:bodyPr/>
-          <a:lstStyle/>
-          <a:p>
-            <a:r>
-              <a:rPr lang="en-US" dirty="0">
-                <a:latin typeface="inherit"/>
-              </a:rPr>
-              <a:t>REDIS</a:t>
-            </a:r>
-            <a:endParaRPr lang="en-US" dirty="0"/>
-          </a:p>
-        </p:txBody>
-      </p:sp>
-      <p:sp>
-        <p:nvSpPr>
-          <p:cNvPr id="3" name="Tampungan Konten 2">
-            <a:extLst>
-              <a:ext uri="{FF2B5EF4-FFF2-40B4-BE49-F238E27FC236}">
-                <a16:creationId xmlns:a16="http://schemas.microsoft.com/office/drawing/2014/main" id="{B08BB474-3565-E58A-2E03-ECB17332813B}"/>
-              </a:ext>
-            </a:extLst>
-          </p:cNvPr>
-          <p:cNvSpPr>
-            <a:spLocks noGrp="1"/>
-          </p:cNvSpPr>
-          <p:nvPr>
-            <p:ph idx="1"/>
-          </p:nvPr>
-        </p:nvSpPr>
-        <p:spPr>
-          <a:xfrm>
-            <a:off x="838200" y="1825625"/>
-            <a:ext cx="10515600" cy="1480283"/>
-          </a:xfrm>
-        </p:spPr>
-        <p:txBody>
-          <a:bodyPr/>
-          <a:lstStyle/>
-          <a:p>
-            <a:pPr marL="0" indent="0">
-              <a:buNone/>
-            </a:pPr>
-            <a:r>
-              <a:rPr lang="en-US" b="1" dirty="0"/>
-              <a:t>Redis</a:t>
-            </a:r>
-            <a:r>
-              <a:rPr lang="en-US" dirty="0"/>
-              <a:t> (Remote Dictionary Server) </a:t>
-            </a:r>
-            <a:r>
-              <a:rPr lang="en-US" dirty="0" err="1"/>
-              <a:t>adalah</a:t>
-            </a:r>
-            <a:r>
-              <a:rPr lang="en-US" dirty="0"/>
-              <a:t> </a:t>
-            </a:r>
-            <a:r>
-              <a:rPr lang="en-US" dirty="0" err="1"/>
-              <a:t>sistem</a:t>
-            </a:r>
-            <a:r>
-              <a:rPr lang="en-US" dirty="0"/>
-              <a:t> </a:t>
-            </a:r>
-            <a:r>
-              <a:rPr lang="en-US" dirty="0" err="1"/>
-              <a:t>penyimpanan</a:t>
-            </a:r>
-            <a:r>
-              <a:rPr lang="en-US" dirty="0"/>
-              <a:t> data </a:t>
-            </a:r>
-            <a:r>
-              <a:rPr lang="en-US" dirty="0" err="1"/>
-              <a:t>berbasis</a:t>
-            </a:r>
-            <a:r>
-              <a:rPr lang="en-US" dirty="0"/>
-              <a:t> </a:t>
-            </a:r>
-            <a:r>
-              <a:rPr lang="en-US" dirty="0" err="1"/>
-              <a:t>memori</a:t>
-            </a:r>
-            <a:r>
-              <a:rPr lang="en-US" dirty="0"/>
-              <a:t> yang sangat </a:t>
-            </a:r>
-            <a:r>
-              <a:rPr lang="en-US" dirty="0" err="1"/>
-              <a:t>cepat</a:t>
-            </a:r>
-            <a:r>
-              <a:rPr lang="en-US" dirty="0"/>
-              <a:t> dan </a:t>
-            </a:r>
-            <a:r>
-              <a:rPr lang="en-US" dirty="0" err="1"/>
-              <a:t>digunakan</a:t>
-            </a:r>
-            <a:r>
-              <a:rPr lang="en-US" dirty="0"/>
-              <a:t> </a:t>
-            </a:r>
-            <a:r>
-              <a:rPr lang="en-US" dirty="0" err="1"/>
-              <a:t>untuk</a:t>
-            </a:r>
-            <a:r>
-              <a:rPr lang="en-US" dirty="0"/>
-              <a:t> caching, </a:t>
-            </a:r>
-            <a:r>
-              <a:rPr lang="en-US" dirty="0" err="1"/>
-              <a:t>penyimpanan</a:t>
-            </a:r>
-            <a:r>
-              <a:rPr lang="en-US" dirty="0"/>
-              <a:t> data </a:t>
-            </a:r>
-            <a:r>
-              <a:rPr lang="en-US" dirty="0" err="1"/>
-              <a:t>sementara</a:t>
-            </a:r>
-            <a:r>
-              <a:rPr lang="en-US" dirty="0"/>
-              <a:t>, dan </a:t>
-            </a:r>
-            <a:r>
-              <a:rPr lang="en-US" dirty="0" err="1"/>
-              <a:t>antrian</a:t>
-            </a:r>
-            <a:r>
-              <a:rPr lang="en-US" dirty="0"/>
-              <a:t> </a:t>
-            </a:r>
-            <a:r>
-              <a:rPr lang="en-US" dirty="0" err="1"/>
-              <a:t>pesan</a:t>
-            </a:r>
-            <a:r>
-              <a:rPr lang="en-US" dirty="0"/>
-              <a:t>.</a:t>
-            </a:r>
-          </a:p>
-        </p:txBody>
-      </p:sp>
-      <p:sp>
-        <p:nvSpPr>
-          <p:cNvPr id="4" name="Judul 1">
-            <a:extLst>
-              <a:ext uri="{FF2B5EF4-FFF2-40B4-BE49-F238E27FC236}">
-                <a16:creationId xmlns:a16="http://schemas.microsoft.com/office/drawing/2014/main" id="{D60DD24A-6C9E-4199-A500-EEDD7112FB9E}"/>
-              </a:ext>
-            </a:extLst>
-          </p:cNvPr>
-          <p:cNvSpPr txBox="1">
-            <a:spLocks/>
-          </p:cNvSpPr>
-          <p:nvPr/>
-        </p:nvSpPr>
-        <p:spPr>
-          <a:xfrm>
-            <a:off x="838200" y="3007506"/>
-            <a:ext cx="10515600" cy="1325563"/>
-          </a:xfrm>
-          <a:prstGeom prst="rect">
-            <a:avLst/>
-          </a:prstGeom>
-        </p:spPr>
-        <p:txBody>
-          <a:bodyPr vert="horz" lIns="91440" tIns="45720" rIns="91440" bIns="45720" rtlCol="0" anchor="ctr">
-            <a:normAutofit/>
-          </a:bodyPr>
-          <a:lstStyle>
-            <a:lvl1pPr algn="l" defTabSz="914400" rtl="0" eaLnBrk="1" latinLnBrk="0" hangingPunct="1">
-              <a:lnSpc>
-                <a:spcPct val="90000"/>
-              </a:lnSpc>
-              <a:spcBef>
-                <a:spcPct val="0"/>
-              </a:spcBef>
-              <a:buNone/>
-              <a:defRPr sz="4400" kern="1200">
-                <a:solidFill>
-                  <a:schemeClr val="tx1"/>
-                </a:solidFill>
-                <a:latin typeface="+mj-lt"/>
-                <a:ea typeface="+mj-ea"/>
-                <a:cs typeface="+mj-cs"/>
-              </a:defRPr>
-            </a:lvl1pPr>
-          </a:lstStyle>
-          <a:p>
-            <a:endParaRPr lang="en-US" dirty="0"/>
-          </a:p>
-        </p:txBody>
-      </p:sp>
-    </p:spTree>
-    <p:extLst>
-      <p:ext uri="{BB962C8B-B14F-4D97-AF65-F5344CB8AC3E}">
-        <p14:creationId xmlns:p14="http://schemas.microsoft.com/office/powerpoint/2010/main" val="414735633"/>
-      </p:ext>
-    </p:extLst>
-  </p:cSld>
-  <p:clrMapOvr>
-    <a:masterClrMapping/>
-  </p:clrMapOvr>
-</p:sld>
-</file>
-
-<file path=ppt/slides/slide7.xml><?xml version="1.0" encoding="utf-8"?>
-<p:sld xmlns:a="http://schemas.openxmlformats.org/drawingml/2006/main" xmlns:r="http://schemas.openxmlformats.org/officeDocument/2006/relationships" xmlns:p="http://schemas.openxmlformats.org/presentationml/2006/main">
-  <p:cSld>
-    <p:bg>
-      <p:bgPr>
-        <a:solidFill>
-          <a:schemeClr val="bg1"/>
-        </a:solidFill>
-        <a:effectLst/>
-      </p:bgPr>
-    </p:bg>
     <p:spTree>
       <p:nvGrpSpPr>
         <p:cNvPr id="1" name=""/>
@@ -4501,7 +5242,7 @@
           <p:cNvPr id="2" name="Judul 1">
             <a:extLst>
               <a:ext uri="{FF2B5EF4-FFF2-40B4-BE49-F238E27FC236}">
-                <a16:creationId xmlns:a16="http://schemas.microsoft.com/office/drawing/2014/main" id="{DD7E5886-859D-146A-91BB-A7CB21BAD3B2}"/>
+                <a16:creationId xmlns:a16="http://schemas.microsoft.com/office/drawing/2014/main" id="{98265D6E-1247-C6A6-4685-407BB99E655F}"/>
               </a:ext>
             </a:extLst>
           </p:cNvPr>
@@ -4517,10 +5258,7 @@
           <a:bodyPr/>
           <a:lstStyle/>
           <a:p>
-            <a:r>
-              <a:rPr lang="en-US" b="1" dirty="0"/>
-              <a:t>GIN</a:t>
-            </a:r>
+            <a:endParaRPr lang="en-US"/>
           </a:p>
         </p:txBody>
       </p:sp>
@@ -4529,7 +5267,7 @@
           <p:cNvPr id="3" name="Tampungan Konten 2">
             <a:extLst>
               <a:ext uri="{FF2B5EF4-FFF2-40B4-BE49-F238E27FC236}">
-                <a16:creationId xmlns:a16="http://schemas.microsoft.com/office/drawing/2014/main" id="{44029B8B-FFA6-8B05-2684-371A63EB5090}"/>
+                <a16:creationId xmlns:a16="http://schemas.microsoft.com/office/drawing/2014/main" id="{9ACE80F9-A225-63E2-6711-2804780952AD}"/>
               </a:ext>
             </a:extLst>
           </p:cNvPr>
@@ -4542,80 +5280,39 @@
         </p:nvSpPr>
         <p:spPr>
           <a:xfrm>
-            <a:off x="838200" y="1825625"/>
-            <a:ext cx="10515600" cy="1198929"/>
+            <a:off x="838200" y="2967789"/>
+            <a:ext cx="10515599" cy="3209173"/>
           </a:xfrm>
         </p:spPr>
         <p:txBody>
-          <a:bodyPr/>
-          <a:lstStyle/>
-          <a:p>
-            <a:pPr marL="0" indent="0">
+          <a:bodyPr>
+            <a:normAutofit/>
+          </a:bodyPr>
+          <a:lstStyle/>
+          <a:p>
+            <a:pPr marL="0" indent="0" algn="ctr">
               <a:buNone/>
             </a:pPr>
             <a:r>
-              <a:rPr lang="en-US" b="1" dirty="0"/>
-              <a:t>Gin</a:t>
-            </a:r>
-            <a:r>
-              <a:rPr lang="en-US" dirty="0"/>
+              <a:rPr lang="en-US" sz="4000" dirty="0"/>
+              <a:t>Demo </a:t>
+            </a:r>
+            <a:r>
+              <a:rPr lang="en-US" sz="4000" dirty="0" err="1"/>
+              <a:t>menggunakan</a:t>
+            </a:r>
+            <a:r>
+              <a:rPr lang="en-US" sz="4000" dirty="0"/>
               <a:t> </a:t>
             </a:r>
-            <a:r>
-              <a:rPr lang="en-US" dirty="0" err="1"/>
-              <a:t>adalah</a:t>
-            </a:r>
-            <a:r>
-              <a:rPr lang="en-US" dirty="0"/>
-              <a:t> </a:t>
-            </a:r>
-            <a:r>
-              <a:rPr lang="en-US" dirty="0" err="1"/>
-              <a:t>sebuah</a:t>
-            </a:r>
-            <a:r>
-              <a:rPr lang="en-US" dirty="0"/>
-              <a:t> framework web </a:t>
-            </a:r>
-            <a:r>
-              <a:rPr lang="en-US" dirty="0" err="1"/>
-              <a:t>ringan</a:t>
-            </a:r>
-            <a:r>
-              <a:rPr lang="en-US" dirty="0"/>
-              <a:t> dan </a:t>
-            </a:r>
-            <a:r>
-              <a:rPr lang="en-US" dirty="0" err="1"/>
-              <a:t>cepat</a:t>
-            </a:r>
-            <a:r>
-              <a:rPr lang="en-US" dirty="0"/>
-              <a:t> </a:t>
-            </a:r>
-            <a:r>
-              <a:rPr lang="en-US" dirty="0" err="1"/>
-              <a:t>untuk</a:t>
-            </a:r>
-            <a:r>
-              <a:rPr lang="en-US" dirty="0"/>
-              <a:t> </a:t>
-            </a:r>
-            <a:r>
-              <a:rPr lang="en-US" dirty="0" err="1"/>
-              <a:t>bahasa</a:t>
-            </a:r>
-            <a:r>
-              <a:rPr lang="en-US" dirty="0"/>
-              <a:t> </a:t>
-            </a:r>
-            <a:r>
-              <a:rPr lang="en-US" dirty="0" err="1"/>
-              <a:t>pemrograman</a:t>
-            </a:r>
-            <a:r>
-              <a:rPr lang="en-US" dirty="0"/>
-              <a:t> Go (Golang).</a:t>
+          </a:p>
+          <a:p>
+            <a:pPr marL="0" indent="0" algn="ctr">
+              <a:buNone/>
+            </a:pPr>
+            <a:r>
+              <a:rPr lang="en-US" sz="4000" dirty="0"/>
+              <a:t>Swagger</a:t>
             </a:r>
           </a:p>
         </p:txBody>
@@ -4623,7 +5320,7 @@
     </p:spTree>
     <p:extLst>
       <p:ext uri="{BB962C8B-B14F-4D97-AF65-F5344CB8AC3E}">
-        <p14:creationId xmlns:p14="http://schemas.microsoft.com/office/powerpoint/2010/main" val="1821364171"/>
+        <p14:creationId xmlns:p14="http://schemas.microsoft.com/office/powerpoint/2010/main" val="106276854"/>
       </p:ext>
     </p:extLst>
   </p:cSld>
@@ -4926,4 +5623,299 @@
     </a:ext>
   </a:extLst>
 </a:theme>
+</file>
+
+<file path=ppt/theme/theme2.xml><?xml version="1.0" encoding="utf-8"?>
+<a:theme xmlns:a="http://schemas.openxmlformats.org/drawingml/2006/main" name="Tema Office">
+  <a:themeElements>
+    <a:clrScheme name="Office">
+      <a:dk1>
+        <a:sysClr val="windowText" lastClr="000000"/>
+      </a:dk1>
+      <a:lt1>
+        <a:sysClr val="window" lastClr="FFFFFF"/>
+      </a:lt1>
+      <a:dk2>
+        <a:srgbClr val="44546A"/>
+      </a:dk2>
+      <a:lt2>
+        <a:srgbClr val="E7E6E6"/>
+      </a:lt2>
+      <a:accent1>
+        <a:srgbClr val="4472C4"/>
+      </a:accent1>
+      <a:accent2>
+        <a:srgbClr val="ED7D31"/>
+      </a:accent2>
+      <a:accent3>
+        <a:srgbClr val="A5A5A5"/>
+      </a:accent3>
+      <a:accent4>
+        <a:srgbClr val="FFC000"/>
+      </a:accent4>
+      <a:accent5>
+        <a:srgbClr val="5B9BD5"/>
+      </a:accent5>
+      <a:accent6>
+        <a:srgbClr val="70AD47"/>
+      </a:accent6>
+      <a:hlink>
+        <a:srgbClr val="0563C1"/>
+      </a:hlink>
+      <a:folHlink>
+        <a:srgbClr val="954F72"/>
+      </a:folHlink>
+    </a:clrScheme>
+    <a:fontScheme name="Office">
+      <a:majorFont>
+        <a:latin typeface="Calibri Light" panose="020F0302020204030204"/>
+        <a:ea typeface=""/>
+        <a:cs typeface=""/>
+        <a:font script="Jpan" typeface="游ゴシック Light"/>
+        <a:font script="Hang" typeface="맑은 고딕"/>
+        <a:font script="Hans" typeface="等线 Light"/>
+        <a:font script="Hant" typeface="新細明體"/>
+        <a:font script="Arab" typeface="Times New Roman"/>
+        <a:font script="Hebr" typeface="Times New Roman"/>
+        <a:font script="Thai" typeface="Angsana New"/>
+        <a:font script="Ethi" typeface="Nyala"/>
+        <a:font script="Beng" typeface="Vrinda"/>
+        <a:font script="Gujr" typeface="Shruti"/>
+        <a:font script="Khmr" typeface="MoolBoran"/>
+        <a:font script="Knda" typeface="Tunga"/>
+        <a:font script="Guru" typeface="Raavi"/>
+        <a:font script="Cans" typeface="Euphemia"/>
+        <a:font script="Cher" typeface="Plantagenet Cherokee"/>
+        <a:font script="Yiii" typeface="Microsoft Yi Baiti"/>
+        <a:font script="Tibt" typeface="Microsoft Himalaya"/>
+        <a:font script="Thaa" typeface="MV Boli"/>
+        <a:font script="Deva" typeface="Mangal"/>
+        <a:font script="Telu" typeface="Gautami"/>
+        <a:font script="Taml" typeface="Latha"/>
+        <a:font script="Syrc" typeface="Estrangelo Edessa"/>
+        <a:font script="Orya" typeface="Kalinga"/>
+        <a:font script="Mlym" typeface="Kartika"/>
+        <a:font script="Laoo" typeface="DokChampa"/>
+        <a:font script="Sinh" typeface="Iskoola Pota"/>
+        <a:font script="Mong" typeface="Mongolian Baiti"/>
+        <a:font script="Viet" typeface="Times New Roman"/>
+        <a:font script="Uigh" typeface="Microsoft Uighur"/>
+        <a:font script="Geor" typeface="Sylfaen"/>
+        <a:font script="Armn" typeface="Arial"/>
+        <a:font script="Bugi" typeface="Leelawadee UI"/>
+        <a:font script="Bopo" typeface="Microsoft JhengHei"/>
+        <a:font script="Java" typeface="Javanese Text"/>
+        <a:font script="Lisu" typeface="Segoe UI"/>
+        <a:font script="Mymr" typeface="Myanmar Text"/>
+        <a:font script="Nkoo" typeface="Ebrima"/>
+        <a:font script="Olck" typeface="Nirmala UI"/>
+        <a:font script="Osma" typeface="Ebrima"/>
+        <a:font script="Phag" typeface="Phagspa"/>
+        <a:font script="Syrn" typeface="Estrangelo Edessa"/>
+        <a:font script="Syrj" typeface="Estrangelo Edessa"/>
+        <a:font script="Syre" typeface="Estrangelo Edessa"/>
+        <a:font script="Sora" typeface="Nirmala UI"/>
+        <a:font script="Tale" typeface="Microsoft Tai Le"/>
+        <a:font script="Talu" typeface="Microsoft New Tai Lue"/>
+        <a:font script="Tfng" typeface="Ebrima"/>
+      </a:majorFont>
+      <a:minorFont>
+        <a:latin typeface="Calibri" panose="020F0502020204030204"/>
+        <a:ea typeface=""/>
+        <a:cs typeface=""/>
+        <a:font script="Jpan" typeface="游ゴシック"/>
+        <a:font script="Hang" typeface="맑은 고딕"/>
+        <a:font script="Hans" typeface="等线"/>
+        <a:font script="Hant" typeface="新細明體"/>
+        <a:font script="Arab" typeface="Arial"/>
+        <a:font script="Hebr" typeface="Arial"/>
+        <a:font script="Thai" typeface="Cordia New"/>
+        <a:font script="Ethi" typeface="Nyala"/>
+        <a:font script="Beng" typeface="Vrinda"/>
+        <a:font script="Gujr" typeface="Shruti"/>
+        <a:font script="Khmr" typeface="DaunPenh"/>
+        <a:font script="Knda" typeface="Tunga"/>
+        <a:font script="Guru" typeface="Raavi"/>
+        <a:font script="Cans" typeface="Euphemia"/>
+        <a:font script="Cher" typeface="Plantagenet Cherokee"/>
+        <a:font script="Yiii" typeface="Microsoft Yi Baiti"/>
+        <a:font script="Tibt" typeface="Microsoft Himalaya"/>
+        <a:font script="Thaa" typeface="MV Boli"/>
+        <a:font script="Deva" typeface="Mangal"/>
+        <a:font script="Telu" typeface="Gautami"/>
+        <a:font script="Taml" typeface="Latha"/>
+        <a:font script="Syrc" typeface="Estrangelo Edessa"/>
+        <a:font script="Orya" typeface="Kalinga"/>
+        <a:font script="Mlym" typeface="Kartika"/>
+        <a:font script="Laoo" typeface="DokChampa"/>
+        <a:font script="Sinh" typeface="Iskoola Pota"/>
+        <a:font script="Mong" typeface="Mongolian Baiti"/>
+        <a:font script="Viet" typeface="Arial"/>
+        <a:font script="Uigh" typeface="Microsoft Uighur"/>
+        <a:font script="Geor" typeface="Sylfaen"/>
+        <a:font script="Armn" typeface="Arial"/>
+        <a:font script="Bugi" typeface="Leelawadee UI"/>
+        <a:font script="Bopo" typeface="Microsoft JhengHei"/>
+        <a:font script="Java" typeface="Javanese Text"/>
+        <a:font script="Lisu" typeface="Segoe UI"/>
+        <a:font script="Mymr" typeface="Myanmar Text"/>
+        <a:font script="Nkoo" typeface="Ebrima"/>
+        <a:font script="Olck" typeface="Nirmala UI"/>
+        <a:font script="Osma" typeface="Ebrima"/>
+        <a:font script="Phag" typeface="Phagspa"/>
+        <a:font script="Syrn" typeface="Estrangelo Edessa"/>
+        <a:font script="Syrj" typeface="Estrangelo Edessa"/>
+        <a:font script="Syre" typeface="Estrangelo Edessa"/>
+        <a:font script="Sora" typeface="Nirmala UI"/>
+        <a:font script="Tale" typeface="Microsoft Tai Le"/>
+        <a:font script="Talu" typeface="Microsoft New Tai Lue"/>
+        <a:font script="Tfng" typeface="Ebrima"/>
+      </a:minorFont>
+    </a:fontScheme>
+    <a:fmtScheme name="Office">
+      <a:fillStyleLst>
+        <a:solidFill>
+          <a:schemeClr val="phClr"/>
+        </a:solidFill>
+        <a:gradFill rotWithShape="1">
+          <a:gsLst>
+            <a:gs pos="0">
+              <a:schemeClr val="phClr">
+                <a:lumMod val="110000"/>
+                <a:satMod val="105000"/>
+                <a:tint val="67000"/>
+              </a:schemeClr>
+            </a:gs>
+            <a:gs pos="50000">
+              <a:schemeClr val="phClr">
+                <a:lumMod val="105000"/>
+                <a:satMod val="103000"/>
+                <a:tint val="73000"/>
+              </a:schemeClr>
+            </a:gs>
+            <a:gs pos="100000">
+              <a:schemeClr val="phClr">
+                <a:lumMod val="105000"/>
+                <a:satMod val="109000"/>
+                <a:tint val="81000"/>
+              </a:schemeClr>
+            </a:gs>
+          </a:gsLst>
+          <a:lin ang="5400000" scaled="0"/>
+        </a:gradFill>
+        <a:gradFill rotWithShape="1">
+          <a:gsLst>
+            <a:gs pos="0">
+              <a:schemeClr val="phClr">
+                <a:satMod val="103000"/>
+                <a:lumMod val="102000"/>
+                <a:tint val="94000"/>
+              </a:schemeClr>
+            </a:gs>
+            <a:gs pos="50000">
+              <a:schemeClr val="phClr">
+                <a:satMod val="110000"/>
+                <a:lumMod val="100000"/>
+                <a:shade val="100000"/>
+              </a:schemeClr>
+            </a:gs>
+            <a:gs pos="100000">
+              <a:schemeClr val="phClr">
+                <a:lumMod val="99000"/>
+                <a:satMod val="120000"/>
+                <a:shade val="78000"/>
+              </a:schemeClr>
+            </a:gs>
+          </a:gsLst>
+          <a:lin ang="5400000" scaled="0"/>
+        </a:gradFill>
+      </a:fillStyleLst>
+      <a:lnStyleLst>
+        <a:ln w="6350" cap="flat" cmpd="sng" algn="ctr">
+          <a:solidFill>
+            <a:schemeClr val="phClr"/>
+          </a:solidFill>
+          <a:prstDash val="solid"/>
+          <a:miter lim="800000"/>
+        </a:ln>
+        <a:ln w="12700" cap="flat" cmpd="sng" algn="ctr">
+          <a:solidFill>
+            <a:schemeClr val="phClr"/>
+          </a:solidFill>
+          <a:prstDash val="solid"/>
+          <a:miter lim="800000"/>
+        </a:ln>
+        <a:ln w="19050" cap="flat" cmpd="sng" algn="ctr">
+          <a:solidFill>
+            <a:schemeClr val="phClr"/>
+          </a:solidFill>
+          <a:prstDash val="solid"/>
+          <a:miter lim="800000"/>
+        </a:ln>
+      </a:lnStyleLst>
+      <a:effectStyleLst>
+        <a:effectStyle>
+          <a:effectLst/>
+        </a:effectStyle>
+        <a:effectStyle>
+          <a:effectLst/>
+        </a:effectStyle>
+        <a:effectStyle>
+          <a:effectLst>
+            <a:outerShdw blurRad="57150" dist="19050" dir="5400000" algn="ctr" rotWithShape="0">
+              <a:srgbClr val="000000">
+                <a:alpha val="63000"/>
+              </a:srgbClr>
+            </a:outerShdw>
+          </a:effectLst>
+        </a:effectStyle>
+      </a:effectStyleLst>
+      <a:bgFillStyleLst>
+        <a:solidFill>
+          <a:schemeClr val="phClr"/>
+        </a:solidFill>
+        <a:solidFill>
+          <a:schemeClr val="phClr">
+            <a:tint val="95000"/>
+            <a:satMod val="170000"/>
+          </a:schemeClr>
+        </a:solidFill>
+        <a:gradFill rotWithShape="1">
+          <a:gsLst>
+            <a:gs pos="0">
+              <a:schemeClr val="phClr">
+                <a:tint val="93000"/>
+                <a:satMod val="150000"/>
+                <a:shade val="98000"/>
+                <a:lumMod val="102000"/>
+              </a:schemeClr>
+            </a:gs>
+            <a:gs pos="50000">
+              <a:schemeClr val="phClr">
+                <a:tint val="98000"/>
+                <a:satMod val="130000"/>
+                <a:shade val="90000"/>
+                <a:lumMod val="103000"/>
+              </a:schemeClr>
+            </a:gs>
+            <a:gs pos="100000">
+              <a:schemeClr val="phClr">
+                <a:shade val="63000"/>
+                <a:satMod val="120000"/>
+              </a:schemeClr>
+            </a:gs>
+          </a:gsLst>
+          <a:lin ang="5400000" scaled="0"/>
+        </a:gradFill>
+      </a:bgFillStyleLst>
+    </a:fmtScheme>
+  </a:themeElements>
+  <a:objectDefaults/>
+  <a:extraClrSchemeLst/>
+  <a:extLst>
+    <a:ext uri="{05A4C25C-085E-4340-85A3-A5531E510DB2}">
+      <thm15:themeFamily xmlns:thm15="http://schemas.microsoft.com/office/thememl/2012/main" name="Office Theme" id="{62F939B6-93AF-4DB8-9C6B-D6C7DFDC589F}" vid="{4A3C46E8-61CC-4603-A589-7422A47A8E4A}"/>
+    </a:ext>
+  </a:extLst>
+</a:theme>
 </file>
--- a/ppt 2.pptx
+++ b/ppt 2.pptx
@@ -5,15 +5,12 @@
     <p:sldMasterId id="2147483648" r:id="rId1"/>
   </p:sldMasterIdLst>
   <p:notesMasterIdLst>
-    <p:notesMasterId r:id="rId8"/>
+    <p:notesMasterId r:id="rId5"/>
   </p:notesMasterIdLst>
   <p:sldIdLst>
     <p:sldId id="256" r:id="rId2"/>
     <p:sldId id="265" r:id="rId3"/>
-    <p:sldId id="266" r:id="rId4"/>
-    <p:sldId id="264" r:id="rId5"/>
-    <p:sldId id="267" r:id="rId6"/>
-    <p:sldId id="268" r:id="rId7"/>
+    <p:sldId id="268" r:id="rId4"/>
   </p:sldIdLst>
   <p:sldSz cx="12192000" cy="6858000"/>
   <p:notesSz cx="6858000" cy="9144000"/>
@@ -202,7 +199,7 @@
           <a:p>
             <a:fld id="{20D37C5C-B90D-4D5D-BFF2-DD9F7C391AD5}" type="datetimeFigureOut">
               <a:rPr lang="en-US" smtClean="0"/>
-              <a:t>1/6/2025</a:t>
+              <a:t>1/13/2025</a:t>
             </a:fld>
             <a:endParaRPr lang="en-US"/>
           </a:p>
@@ -554,90 +551,6 @@
 </p:notes>
 </file>
 
-<file path=ppt/notesSlides/notesSlide2.xml><?xml version="1.0" encoding="utf-8"?>
-<p:notes xmlns:a="http://schemas.openxmlformats.org/drawingml/2006/main" xmlns:r="http://schemas.openxmlformats.org/officeDocument/2006/relationships" xmlns:p="http://schemas.openxmlformats.org/presentationml/2006/main">
-  <p:cSld>
-    <p:spTree>
-      <p:nvGrpSpPr>
-        <p:cNvPr id="1" name=""/>
-        <p:cNvGrpSpPr/>
-        <p:nvPr/>
-      </p:nvGrpSpPr>
-      <p:grpSpPr>
-        <a:xfrm>
-          <a:off x="0" y="0"/>
-          <a:ext cx="0" cy="0"/>
-          <a:chOff x="0" y="0"/>
-          <a:chExt cx="0" cy="0"/>
-        </a:xfrm>
-      </p:grpSpPr>
-      <p:sp>
-        <p:nvSpPr>
-          <p:cNvPr id="2" name="Tampungan Gambar Slide 1"/>
-          <p:cNvSpPr>
-            <a:spLocks noGrp="1" noRot="1" noChangeAspect="1"/>
-          </p:cNvSpPr>
-          <p:nvPr>
-            <p:ph type="sldImg"/>
-          </p:nvPr>
-        </p:nvSpPr>
-        <p:spPr/>
-      </p:sp>
-      <p:sp>
-        <p:nvSpPr>
-          <p:cNvPr id="3" name="Tampungan Catatan 2"/>
-          <p:cNvSpPr>
-            <a:spLocks noGrp="1"/>
-          </p:cNvSpPr>
-          <p:nvPr>
-            <p:ph type="body" idx="1"/>
-          </p:nvPr>
-        </p:nvSpPr>
-        <p:spPr/>
-        <p:txBody>
-          <a:bodyPr/>
-          <a:lstStyle/>
-          <a:p>
-            <a:endParaRPr lang="en-US" dirty="0"/>
-          </a:p>
-        </p:txBody>
-      </p:sp>
-      <p:sp>
-        <p:nvSpPr>
-          <p:cNvPr id="4" name="Tampungan Nomor Slide 3"/>
-          <p:cNvSpPr>
-            <a:spLocks noGrp="1"/>
-          </p:cNvSpPr>
-          <p:nvPr>
-            <p:ph type="sldNum" sz="quarter" idx="5"/>
-          </p:nvPr>
-        </p:nvSpPr>
-        <p:spPr/>
-        <p:txBody>
-          <a:bodyPr/>
-          <a:lstStyle/>
-          <a:p>
-            <a:fld id="{2C543207-D368-4B80-B9A4-AD90859EBFE6}" type="slidenum">
-              <a:rPr lang="en-US" smtClean="0"/>
-              <a:t>5</a:t>
-            </a:fld>
-            <a:endParaRPr lang="en-US"/>
-          </a:p>
-        </p:txBody>
-      </p:sp>
-    </p:spTree>
-    <p:extLst>
-      <p:ext uri="{BB962C8B-B14F-4D97-AF65-F5344CB8AC3E}">
-        <p14:creationId xmlns:p14="http://schemas.microsoft.com/office/powerpoint/2010/main" val="114317896"/>
-      </p:ext>
-    </p:extLst>
-  </p:cSld>
-  <p:clrMapOvr>
-    <a:masterClrMapping/>
-  </p:clrMapOvr>
-</p:notes>
-</file>
-
 <file path=ppt/slideLayouts/slideLayout1.xml><?xml version="1.0" encoding="utf-8"?>
 <p:sldLayout xmlns:a="http://schemas.openxmlformats.org/drawingml/2006/main" xmlns:r="http://schemas.openxmlformats.org/officeDocument/2006/relationships" xmlns:p="http://schemas.openxmlformats.org/presentationml/2006/main" type="title" preserve="1">
   <p:cSld name="Slide Judul">
@@ -787,7 +700,7 @@
           <a:p>
             <a:fld id="{48C758BE-379E-42B5-B6D8-0F335935E9A9}" type="datetimeFigureOut">
               <a:rPr lang="en-US" smtClean="0"/>
-              <a:t>1/6/2025</a:t>
+              <a:t>1/13/2025</a:t>
             </a:fld>
             <a:endParaRPr lang="en-US"/>
           </a:p>
@@ -987,7 +900,7 @@
           <a:p>
             <a:fld id="{48C758BE-379E-42B5-B6D8-0F335935E9A9}" type="datetimeFigureOut">
               <a:rPr lang="en-US" smtClean="0"/>
-              <a:t>1/6/2025</a:t>
+              <a:t>1/13/2025</a:t>
             </a:fld>
             <a:endParaRPr lang="en-US"/>
           </a:p>
@@ -1197,7 +1110,7 @@
           <a:p>
             <a:fld id="{48C758BE-379E-42B5-B6D8-0F335935E9A9}" type="datetimeFigureOut">
               <a:rPr lang="en-US" smtClean="0"/>
-              <a:t>1/6/2025</a:t>
+              <a:t>1/13/2025</a:t>
             </a:fld>
             <a:endParaRPr lang="en-US"/>
           </a:p>
@@ -1397,7 +1310,7 @@
           <a:p>
             <a:fld id="{48C758BE-379E-42B5-B6D8-0F335935E9A9}" type="datetimeFigureOut">
               <a:rPr lang="en-US" smtClean="0"/>
-              <a:t>1/6/2025</a:t>
+              <a:t>1/13/2025</a:t>
             </a:fld>
             <a:endParaRPr lang="en-US"/>
           </a:p>
@@ -1673,7 +1586,7 @@
           <a:p>
             <a:fld id="{48C758BE-379E-42B5-B6D8-0F335935E9A9}" type="datetimeFigureOut">
               <a:rPr lang="en-US" smtClean="0"/>
-              <a:t>1/6/2025</a:t>
+              <a:t>1/13/2025</a:t>
             </a:fld>
             <a:endParaRPr lang="en-US"/>
           </a:p>
@@ -1941,7 +1854,7 @@
           <a:p>
             <a:fld id="{48C758BE-379E-42B5-B6D8-0F335935E9A9}" type="datetimeFigureOut">
               <a:rPr lang="en-US" smtClean="0"/>
-              <a:t>1/6/2025</a:t>
+              <a:t>1/13/2025</a:t>
             </a:fld>
             <a:endParaRPr lang="en-US"/>
           </a:p>
@@ -2356,7 +2269,7 @@
           <a:p>
             <a:fld id="{48C758BE-379E-42B5-B6D8-0F335935E9A9}" type="datetimeFigureOut">
               <a:rPr lang="en-US" smtClean="0"/>
-              <a:t>1/6/2025</a:t>
+              <a:t>1/13/2025</a:t>
             </a:fld>
             <a:endParaRPr lang="en-US"/>
           </a:p>
@@ -2498,7 +2411,7 @@
           <a:p>
             <a:fld id="{48C758BE-379E-42B5-B6D8-0F335935E9A9}" type="datetimeFigureOut">
               <a:rPr lang="en-US" smtClean="0"/>
-              <a:t>1/6/2025</a:t>
+              <a:t>1/13/2025</a:t>
             </a:fld>
             <a:endParaRPr lang="en-US"/>
           </a:p>
@@ -2611,7 +2524,7 @@
           <a:p>
             <a:fld id="{48C758BE-379E-42B5-B6D8-0F335935E9A9}" type="datetimeFigureOut">
               <a:rPr lang="en-US" smtClean="0"/>
-              <a:t>1/6/2025</a:t>
+              <a:t>1/13/2025</a:t>
             </a:fld>
             <a:endParaRPr lang="en-US"/>
           </a:p>
@@ -2924,7 +2837,7 @@
           <a:p>
             <a:fld id="{48C758BE-379E-42B5-B6D8-0F335935E9A9}" type="datetimeFigureOut">
               <a:rPr lang="en-US" smtClean="0"/>
-              <a:t>1/6/2025</a:t>
+              <a:t>1/13/2025</a:t>
             </a:fld>
             <a:endParaRPr lang="en-US"/>
           </a:p>
@@ -3213,7 +3126,7 @@
           <a:p>
             <a:fld id="{48C758BE-379E-42B5-B6D8-0F335935E9A9}" type="datetimeFigureOut">
               <a:rPr lang="en-US" smtClean="0"/>
-              <a:t>1/6/2025</a:t>
+              <a:t>1/13/2025</a:t>
             </a:fld>
             <a:endParaRPr lang="en-US"/>
           </a:p>
@@ -3465,7 +3378,7 @@
           <a:p>
             <a:fld id="{48C758BE-379E-42B5-B6D8-0F335935E9A9}" type="datetimeFigureOut">
               <a:rPr lang="en-US" smtClean="0"/>
-              <a:t>1/6/2025</a:t>
+              <a:t>1/13/2025</a:t>
             </a:fld>
             <a:endParaRPr lang="en-US"/>
           </a:p>
@@ -3998,8 +3911,8 @@
         </p:nvSpPr>
         <p:spPr>
           <a:xfrm>
-            <a:off x="838200" y="1103730"/>
-            <a:ext cx="10515600" cy="4351338"/>
+            <a:off x="838200" y="2578608"/>
+            <a:ext cx="10515600" cy="2876460"/>
           </a:xfrm>
         </p:spPr>
         <p:txBody>
@@ -4008,48 +3921,37 @@
           </a:bodyPr>
           <a:lstStyle/>
           <a:p>
-            <a:pPr algn="r"/>
-            <a:r>
-              <a:rPr lang="en-US" sz="5400" dirty="0" err="1"/>
-              <a:t>Dokumentasi</a:t>
-            </a:r>
-            <a:r>
-              <a:rPr lang="en-US" sz="5400" dirty="0"/>
-              <a:t> API</a:t>
-            </a:r>
-          </a:p>
-          <a:p>
-            <a:pPr algn="r"/>
-            <a:r>
-              <a:rPr lang="en-US" sz="5400" dirty="0"/>
-              <a:t>Swagger</a:t>
-            </a:r>
-          </a:p>
-          <a:p>
-            <a:pPr algn="r"/>
-            <a:r>
-              <a:rPr lang="en-US" sz="5400" dirty="0"/>
-              <a:t>Postman</a:t>
-            </a:r>
-          </a:p>
-          <a:p>
-            <a:pPr algn="r"/>
-            <a:r>
-              <a:rPr lang="en-US" sz="5400" dirty="0" err="1"/>
-              <a:t>Perbedaan</a:t>
-            </a:r>
-            <a:r>
-              <a:rPr lang="en-US" sz="5400" dirty="0"/>
-              <a:t> Swagger </a:t>
-            </a:r>
-          </a:p>
-          <a:p>
-            <a:pPr marL="0" indent="0" algn="r">
+            <a:pPr marL="0" indent="0" algn="ctr">
               <a:buNone/>
             </a:pPr>
             <a:r>
-              <a:rPr lang="en-US" sz="5400" dirty="0"/>
-              <a:t>dan Postman</a:t>
+              <a:rPr lang="en-US" dirty="0" err="1"/>
+              <a:t>Aplikasi</a:t>
+            </a:r>
+            <a:r>
+              <a:rPr lang="en-US" dirty="0"/>
+              <a:t> </a:t>
+            </a:r>
+            <a:r>
+              <a:rPr lang="en-US" dirty="0" err="1"/>
+              <a:t>Faztix</a:t>
+            </a:r>
+            <a:r>
+              <a:rPr lang="en-US" dirty="0"/>
+              <a:t> integrated </a:t>
+            </a:r>
+          </a:p>
+          <a:p>
+            <a:pPr marL="0" indent="0" algn="ctr">
+              <a:buNone/>
+            </a:pPr>
+            <a:r>
+              <a:rPr lang="en-US" dirty="0" err="1"/>
+              <a:t>dengan</a:t>
+            </a:r>
+            <a:r>
+              <a:rPr lang="en-US" dirty="0"/>
+              <a:t> Backend</a:t>
             </a:r>
           </a:p>
         </p:txBody>
@@ -4070,243 +3972,6 @@
 <file path=ppt/slides/slide3.xml><?xml version="1.0" encoding="utf-8"?>
 <p:sld xmlns:a="http://schemas.openxmlformats.org/drawingml/2006/main" xmlns:r="http://schemas.openxmlformats.org/officeDocument/2006/relationships" xmlns:p="http://schemas.openxmlformats.org/presentationml/2006/main">
   <p:cSld>
-    <p:bg>
-      <p:bgPr>
-        <a:solidFill>
-          <a:schemeClr val="bg1"/>
-        </a:solidFill>
-        <a:effectLst/>
-      </p:bgPr>
-    </p:bg>
-    <p:spTree>
-      <p:nvGrpSpPr>
-        <p:cNvPr id="1" name="">
-          <a:extLst>
-            <a:ext uri="{FF2B5EF4-FFF2-40B4-BE49-F238E27FC236}">
-              <a16:creationId xmlns:a16="http://schemas.microsoft.com/office/drawing/2014/main" id="{640AE1EB-61AC-D291-841F-81277AE675CD}"/>
-            </a:ext>
-          </a:extLst>
-        </p:cNvPr>
-        <p:cNvGrpSpPr/>
-        <p:nvPr/>
-      </p:nvGrpSpPr>
-      <p:grpSpPr>
-        <a:xfrm>
-          <a:off x="0" y="0"/>
-          <a:ext cx="0" cy="0"/>
-          <a:chOff x="0" y="0"/>
-          <a:chExt cx="0" cy="0"/>
-        </a:xfrm>
-      </p:grpSpPr>
-      <p:sp>
-        <p:nvSpPr>
-          <p:cNvPr id="2" name="Judul 1">
-            <a:extLst>
-              <a:ext uri="{FF2B5EF4-FFF2-40B4-BE49-F238E27FC236}">
-                <a16:creationId xmlns:a16="http://schemas.microsoft.com/office/drawing/2014/main" id="{B93F8742-664A-BDF5-ECB5-1C0745940C79}"/>
-              </a:ext>
-            </a:extLst>
-          </p:cNvPr>
-          <p:cNvSpPr>
-            <a:spLocks noGrp="1"/>
-          </p:cNvSpPr>
-          <p:nvPr>
-            <p:ph type="title"/>
-          </p:nvPr>
-        </p:nvSpPr>
-        <p:spPr/>
-        <p:txBody>
-          <a:bodyPr/>
-          <a:lstStyle/>
-          <a:p>
-            <a:r>
-              <a:rPr lang="en-US" b="1" dirty="0" err="1"/>
-              <a:t>Dokumentasi</a:t>
-            </a:r>
-            <a:r>
-              <a:rPr lang="en-US" b="1" dirty="0"/>
-              <a:t> API</a:t>
-            </a:r>
-          </a:p>
-        </p:txBody>
-      </p:sp>
-      <p:sp>
-        <p:nvSpPr>
-          <p:cNvPr id="3" name="Tampungan Konten 2">
-            <a:extLst>
-              <a:ext uri="{FF2B5EF4-FFF2-40B4-BE49-F238E27FC236}">
-                <a16:creationId xmlns:a16="http://schemas.microsoft.com/office/drawing/2014/main" id="{D50A8A0E-69E2-9B66-A5E8-5063791B5EEE}"/>
-              </a:ext>
-            </a:extLst>
-          </p:cNvPr>
-          <p:cNvSpPr>
-            <a:spLocks noGrp="1"/>
-          </p:cNvSpPr>
-          <p:nvPr>
-            <p:ph idx="1"/>
-          </p:nvPr>
-        </p:nvSpPr>
-        <p:spPr>
-          <a:xfrm>
-            <a:off x="838200" y="1825624"/>
-            <a:ext cx="10515600" cy="3708901"/>
-          </a:xfrm>
-        </p:spPr>
-        <p:txBody>
-          <a:bodyPr>
-            <a:normAutofit/>
-          </a:bodyPr>
-          <a:lstStyle/>
-          <a:p>
-            <a:pPr marL="0" indent="0">
-              <a:buNone/>
-            </a:pPr>
-            <a:r>
-              <a:rPr lang="en-US" dirty="0" err="1"/>
-              <a:t>Dokumentasi</a:t>
-            </a:r>
-            <a:r>
-              <a:rPr lang="en-US" dirty="0"/>
-              <a:t> API </a:t>
-            </a:r>
-            <a:r>
-              <a:rPr lang="en-US" dirty="0" err="1"/>
-              <a:t>adalah</a:t>
-            </a:r>
-            <a:r>
-              <a:rPr lang="en-US" dirty="0"/>
-              <a:t> Kumpulan </a:t>
-            </a:r>
-            <a:r>
-              <a:rPr lang="en-US" dirty="0" err="1"/>
-              <a:t>referensi</a:t>
-            </a:r>
-            <a:r>
-              <a:rPr lang="en-US" dirty="0"/>
-              <a:t>, tutorial, dan </a:t>
-            </a:r>
-            <a:r>
-              <a:rPr lang="en-US" dirty="0" err="1"/>
-              <a:t>contoh</a:t>
-            </a:r>
-            <a:r>
-              <a:rPr lang="en-US" dirty="0"/>
-              <a:t> yang </a:t>
-            </a:r>
-            <a:r>
-              <a:rPr lang="en-US" dirty="0" err="1"/>
-              <a:t>menjelaskan</a:t>
-            </a:r>
-            <a:r>
-              <a:rPr lang="en-US" dirty="0"/>
-              <a:t> </a:t>
-            </a:r>
-            <a:r>
-              <a:rPr lang="en-US" dirty="0" err="1"/>
-              <a:t>cara</a:t>
-            </a:r>
-            <a:r>
-              <a:rPr lang="en-US" dirty="0"/>
-              <a:t> </a:t>
-            </a:r>
-            <a:r>
-              <a:rPr lang="en-US" dirty="0" err="1"/>
-              <a:t>menggunakan</a:t>
-            </a:r>
-            <a:r>
-              <a:rPr lang="en-US" dirty="0"/>
-              <a:t> API dan </a:t>
-            </a:r>
-            <a:r>
-              <a:rPr lang="en-US" dirty="0" err="1"/>
-              <a:t>apa</a:t>
-            </a:r>
-            <a:r>
-              <a:rPr lang="en-US" dirty="0"/>
-              <a:t> yang </a:t>
-            </a:r>
-            <a:r>
-              <a:rPr lang="en-US" dirty="0" err="1"/>
-              <a:t>dilakukan</a:t>
-            </a:r>
-            <a:r>
-              <a:rPr lang="en-US" dirty="0"/>
-              <a:t> API </a:t>
-            </a:r>
-            <a:r>
-              <a:rPr lang="en-US" dirty="0" err="1"/>
-              <a:t>tersebut</a:t>
-            </a:r>
-            <a:r>
-              <a:rPr lang="en-US" dirty="0"/>
-              <a:t>.</a:t>
-            </a:r>
-          </a:p>
-          <a:p>
-            <a:pPr marL="0" indent="0">
-              <a:buNone/>
-            </a:pPr>
-            <a:endParaRPr lang="en-US" dirty="0"/>
-          </a:p>
-          <a:p>
-            <a:pPr marL="0" indent="0">
-              <a:buNone/>
-            </a:pPr>
-            <a:r>
-              <a:rPr lang="en-US" dirty="0"/>
-              <a:t>Tools </a:t>
-            </a:r>
-            <a:r>
-              <a:rPr lang="en-US" dirty="0" err="1"/>
-              <a:t>Dokumentasi</a:t>
-            </a:r>
-            <a:r>
-              <a:rPr lang="en-US" dirty="0"/>
-              <a:t> API : Swagger, </a:t>
-            </a:r>
-            <a:r>
-              <a:rPr lang="en-US" dirty="0" err="1"/>
-              <a:t>Postmant</a:t>
-            </a:r>
-            <a:r>
-              <a:rPr lang="en-US" dirty="0"/>
-              <a:t>, </a:t>
-            </a:r>
-            <a:r>
-              <a:rPr lang="en-US" dirty="0" err="1"/>
-              <a:t>dll</a:t>
-            </a:r>
-            <a:r>
-              <a:rPr lang="en-US" dirty="0"/>
-              <a:t>. </a:t>
-            </a:r>
-          </a:p>
-        </p:txBody>
-      </p:sp>
-    </p:spTree>
-    <p:extLst>
-      <p:ext uri="{BB962C8B-B14F-4D97-AF65-F5344CB8AC3E}">
-        <p14:creationId xmlns:p14="http://schemas.microsoft.com/office/powerpoint/2010/main" val="3902009061"/>
-      </p:ext>
-    </p:extLst>
-  </p:cSld>
-  <p:clrMapOvr>
-    <a:masterClrMapping/>
-  </p:clrMapOvr>
-</p:sld>
-</file>
-
-<file path=ppt/slides/slide4.xml><?xml version="1.0" encoding="utf-8"?>
-<p:sld xmlns:a="http://schemas.openxmlformats.org/drawingml/2006/main" xmlns:r="http://schemas.openxmlformats.org/officeDocument/2006/relationships" xmlns:p="http://schemas.openxmlformats.org/presentationml/2006/main">
-  <p:cSld>
-    <p:bg>
-      <p:bgPr>
-        <a:solidFill>
-          <a:schemeClr val="bg1"/>
-        </a:solidFill>
-        <a:effectLst/>
-      </p:bgPr>
-    </p:bg>
     <p:spTree>
       <p:nvGrpSpPr>
         <p:cNvPr id="1" name=""/>
@@ -4326,922 +3991,6 @@
           <p:cNvPr id="2" name="Judul 1">
             <a:extLst>
               <a:ext uri="{FF2B5EF4-FFF2-40B4-BE49-F238E27FC236}">
-                <a16:creationId xmlns:a16="http://schemas.microsoft.com/office/drawing/2014/main" id="{955A55E6-9BA1-FD29-93E7-EA25F91C58C3}"/>
-              </a:ext>
-            </a:extLst>
-          </p:cNvPr>
-          <p:cNvSpPr>
-            <a:spLocks noGrp="1"/>
-          </p:cNvSpPr>
-          <p:nvPr>
-            <p:ph type="title"/>
-          </p:nvPr>
-        </p:nvSpPr>
-        <p:spPr/>
-        <p:txBody>
-          <a:bodyPr/>
-          <a:lstStyle/>
-          <a:p>
-            <a:r>
-              <a:rPr lang="en-US" b="1" dirty="0"/>
-              <a:t>Swagger</a:t>
-            </a:r>
-          </a:p>
-        </p:txBody>
-      </p:sp>
-      <p:sp>
-        <p:nvSpPr>
-          <p:cNvPr id="3" name="Tampungan Konten 2">
-            <a:extLst>
-              <a:ext uri="{FF2B5EF4-FFF2-40B4-BE49-F238E27FC236}">
-                <a16:creationId xmlns:a16="http://schemas.microsoft.com/office/drawing/2014/main" id="{1F5A5D98-3355-1722-0413-8D2AC3838260}"/>
-              </a:ext>
-            </a:extLst>
-          </p:cNvPr>
-          <p:cNvSpPr>
-            <a:spLocks noGrp="1"/>
-          </p:cNvSpPr>
-          <p:nvPr>
-            <p:ph idx="1"/>
-          </p:nvPr>
-        </p:nvSpPr>
-        <p:spPr>
-          <a:xfrm>
-            <a:off x="838200" y="1825625"/>
-            <a:ext cx="10515600" cy="1158207"/>
-          </a:xfrm>
-        </p:spPr>
-        <p:txBody>
-          <a:bodyPr/>
-          <a:lstStyle/>
-          <a:p>
-            <a:pPr marL="0" indent="0">
-              <a:buNone/>
-            </a:pPr>
-            <a:r>
-              <a:rPr lang="en-US" dirty="0"/>
-              <a:t>Swagger </a:t>
-            </a:r>
-            <a:r>
-              <a:rPr lang="en-US" dirty="0" err="1"/>
-              <a:t>adalah</a:t>
-            </a:r>
-            <a:r>
-              <a:rPr lang="en-US" dirty="0"/>
-              <a:t> tools yang </a:t>
-            </a:r>
-            <a:r>
-              <a:rPr lang="en-US" dirty="0" err="1"/>
-              <a:t>digunakan</a:t>
-            </a:r>
-            <a:r>
-              <a:rPr lang="en-US" dirty="0"/>
-              <a:t> </a:t>
-            </a:r>
-            <a:r>
-              <a:rPr lang="en-US" dirty="0" err="1"/>
-              <a:t>untuk</a:t>
-            </a:r>
-            <a:r>
-              <a:rPr lang="en-US" dirty="0"/>
-              <a:t> </a:t>
-            </a:r>
-            <a:r>
-              <a:rPr lang="en-US" dirty="0" err="1"/>
-              <a:t>dokumentasi</a:t>
-            </a:r>
-            <a:r>
-              <a:rPr lang="en-US" dirty="0"/>
-              <a:t> API yang </a:t>
-            </a:r>
-            <a:r>
-              <a:rPr lang="en-US" dirty="0" err="1"/>
-              <a:t>dibangun</a:t>
-            </a:r>
-            <a:endParaRPr lang="en-US" dirty="0"/>
-          </a:p>
-        </p:txBody>
-      </p:sp>
-      <p:sp>
-        <p:nvSpPr>
-          <p:cNvPr id="4" name="Judul 1">
-            <a:extLst>
-              <a:ext uri="{FF2B5EF4-FFF2-40B4-BE49-F238E27FC236}">
-                <a16:creationId xmlns:a16="http://schemas.microsoft.com/office/drawing/2014/main" id="{F097D999-7A62-05E1-9AFD-8F28F3A508FB}"/>
-              </a:ext>
-            </a:extLst>
-          </p:cNvPr>
-          <p:cNvSpPr txBox="1">
-            <a:spLocks/>
-          </p:cNvSpPr>
-          <p:nvPr/>
-        </p:nvSpPr>
-        <p:spPr>
-          <a:xfrm>
-            <a:off x="838200" y="3429000"/>
-            <a:ext cx="10515600" cy="1325563"/>
-          </a:xfrm>
-          <a:prstGeom prst="rect">
-            <a:avLst/>
-          </a:prstGeom>
-        </p:spPr>
-        <p:txBody>
-          <a:bodyPr vert="horz" lIns="91440" tIns="45720" rIns="91440" bIns="45720" rtlCol="0" anchor="ctr">
-            <a:normAutofit/>
-          </a:bodyPr>
-          <a:lstStyle>
-            <a:lvl1pPr algn="l" defTabSz="914400" rtl="0" eaLnBrk="1" latinLnBrk="0" hangingPunct="1">
-              <a:lnSpc>
-                <a:spcPct val="90000"/>
-              </a:lnSpc>
-              <a:spcBef>
-                <a:spcPct val="0"/>
-              </a:spcBef>
-              <a:buNone/>
-              <a:defRPr sz="4400" kern="1200">
-                <a:solidFill>
-                  <a:schemeClr val="tx1"/>
-                </a:solidFill>
-                <a:latin typeface="+mj-lt"/>
-                <a:ea typeface="+mj-ea"/>
-                <a:cs typeface="+mj-cs"/>
-              </a:defRPr>
-            </a:lvl1pPr>
-          </a:lstStyle>
-          <a:p>
-            <a:r>
-              <a:rPr lang="en-US" b="1"/>
-              <a:t>Postman</a:t>
-            </a:r>
-            <a:endParaRPr lang="en-US" b="1" dirty="0"/>
-          </a:p>
-        </p:txBody>
-      </p:sp>
-      <p:sp>
-        <p:nvSpPr>
-          <p:cNvPr id="5" name="Tampungan Konten 2">
-            <a:extLst>
-              <a:ext uri="{FF2B5EF4-FFF2-40B4-BE49-F238E27FC236}">
-                <a16:creationId xmlns:a16="http://schemas.microsoft.com/office/drawing/2014/main" id="{1207034B-D4E0-EF95-6816-627A40D203CF}"/>
-              </a:ext>
-            </a:extLst>
-          </p:cNvPr>
-          <p:cNvSpPr txBox="1">
-            <a:spLocks/>
-          </p:cNvSpPr>
-          <p:nvPr/>
-        </p:nvSpPr>
-        <p:spPr>
-          <a:xfrm>
-            <a:off x="838200" y="4889500"/>
-            <a:ext cx="10515600" cy="1325563"/>
-          </a:xfrm>
-          <a:prstGeom prst="rect">
-            <a:avLst/>
-          </a:prstGeom>
-        </p:spPr>
-        <p:txBody>
-          <a:bodyPr vert="horz" lIns="91440" tIns="45720" rIns="91440" bIns="45720" rtlCol="0">
-            <a:normAutofit/>
-          </a:bodyPr>
-          <a:lstStyle>
-            <a:lvl1pPr marL="228600" indent="-228600" algn="l" defTabSz="914400" rtl="0" eaLnBrk="1" latinLnBrk="0" hangingPunct="1">
-              <a:lnSpc>
-                <a:spcPct val="90000"/>
-              </a:lnSpc>
-              <a:spcBef>
-                <a:spcPts val="1000"/>
-              </a:spcBef>
-              <a:buFont typeface="Arial" panose="020B0604020202020204" pitchFamily="34" charset="0"/>
-              <a:buChar char="•"/>
-              <a:defRPr sz="2800" kern="1200">
-                <a:solidFill>
-                  <a:schemeClr val="tx1"/>
-                </a:solidFill>
-                <a:latin typeface="+mn-lt"/>
-                <a:ea typeface="+mn-ea"/>
-                <a:cs typeface="+mn-cs"/>
-              </a:defRPr>
-            </a:lvl1pPr>
-            <a:lvl2pPr marL="685800" indent="-228600" algn="l" defTabSz="914400" rtl="0" eaLnBrk="1" latinLnBrk="0" hangingPunct="1">
-              <a:lnSpc>
-                <a:spcPct val="90000"/>
-              </a:lnSpc>
-              <a:spcBef>
-                <a:spcPts val="500"/>
-              </a:spcBef>
-              <a:buFont typeface="Arial" panose="020B0604020202020204" pitchFamily="34" charset="0"/>
-              <a:buChar char="•"/>
-              <a:defRPr sz="2400" kern="1200">
-                <a:solidFill>
-                  <a:schemeClr val="tx1"/>
-                </a:solidFill>
-                <a:latin typeface="+mn-lt"/>
-                <a:ea typeface="+mn-ea"/>
-                <a:cs typeface="+mn-cs"/>
-              </a:defRPr>
-            </a:lvl2pPr>
-            <a:lvl3pPr marL="1143000" indent="-228600" algn="l" defTabSz="914400" rtl="0" eaLnBrk="1" latinLnBrk="0" hangingPunct="1">
-              <a:lnSpc>
-                <a:spcPct val="90000"/>
-              </a:lnSpc>
-              <a:spcBef>
-                <a:spcPts val="500"/>
-              </a:spcBef>
-              <a:buFont typeface="Arial" panose="020B0604020202020204" pitchFamily="34" charset="0"/>
-              <a:buChar char="•"/>
-              <a:defRPr sz="2000" kern="1200">
-                <a:solidFill>
-                  <a:schemeClr val="tx1"/>
-                </a:solidFill>
-                <a:latin typeface="+mn-lt"/>
-                <a:ea typeface="+mn-ea"/>
-                <a:cs typeface="+mn-cs"/>
-              </a:defRPr>
-            </a:lvl3pPr>
-            <a:lvl4pPr marL="1600200" indent="-228600" algn="l" defTabSz="914400" rtl="0" eaLnBrk="1" latinLnBrk="0" hangingPunct="1">
-              <a:lnSpc>
-                <a:spcPct val="90000"/>
-              </a:lnSpc>
-              <a:spcBef>
-                <a:spcPts val="500"/>
-              </a:spcBef>
-              <a:buFont typeface="Arial" panose="020B0604020202020204" pitchFamily="34" charset="0"/>
-              <a:buChar char="•"/>
-              <a:defRPr sz="1800" kern="1200">
-                <a:solidFill>
-                  <a:schemeClr val="tx1"/>
-                </a:solidFill>
-                <a:latin typeface="+mn-lt"/>
-                <a:ea typeface="+mn-ea"/>
-                <a:cs typeface="+mn-cs"/>
-              </a:defRPr>
-            </a:lvl4pPr>
-            <a:lvl5pPr marL="2057400" indent="-228600" algn="l" defTabSz="914400" rtl="0" eaLnBrk="1" latinLnBrk="0" hangingPunct="1">
-              <a:lnSpc>
-                <a:spcPct val="90000"/>
-              </a:lnSpc>
-              <a:spcBef>
-                <a:spcPts val="500"/>
-              </a:spcBef>
-              <a:buFont typeface="Arial" panose="020B0604020202020204" pitchFamily="34" charset="0"/>
-              <a:buChar char="•"/>
-              <a:defRPr sz="1800" kern="1200">
-                <a:solidFill>
-                  <a:schemeClr val="tx1"/>
-                </a:solidFill>
-                <a:latin typeface="+mn-lt"/>
-                <a:ea typeface="+mn-ea"/>
-                <a:cs typeface="+mn-cs"/>
-              </a:defRPr>
-            </a:lvl5pPr>
-            <a:lvl6pPr marL="2514600" indent="-228600" algn="l" defTabSz="914400" rtl="0" eaLnBrk="1" latinLnBrk="0" hangingPunct="1">
-              <a:lnSpc>
-                <a:spcPct val="90000"/>
-              </a:lnSpc>
-              <a:spcBef>
-                <a:spcPts val="500"/>
-              </a:spcBef>
-              <a:buFont typeface="Arial" panose="020B0604020202020204" pitchFamily="34" charset="0"/>
-              <a:buChar char="•"/>
-              <a:defRPr sz="1800" kern="1200">
-                <a:solidFill>
-                  <a:schemeClr val="tx1"/>
-                </a:solidFill>
-                <a:latin typeface="+mn-lt"/>
-                <a:ea typeface="+mn-ea"/>
-                <a:cs typeface="+mn-cs"/>
-              </a:defRPr>
-            </a:lvl6pPr>
-            <a:lvl7pPr marL="2971800" indent="-228600" algn="l" defTabSz="914400" rtl="0" eaLnBrk="1" latinLnBrk="0" hangingPunct="1">
-              <a:lnSpc>
-                <a:spcPct val="90000"/>
-              </a:lnSpc>
-              <a:spcBef>
-                <a:spcPts val="500"/>
-              </a:spcBef>
-              <a:buFont typeface="Arial" panose="020B0604020202020204" pitchFamily="34" charset="0"/>
-              <a:buChar char="•"/>
-              <a:defRPr sz="1800" kern="1200">
-                <a:solidFill>
-                  <a:schemeClr val="tx1"/>
-                </a:solidFill>
-                <a:latin typeface="+mn-lt"/>
-                <a:ea typeface="+mn-ea"/>
-                <a:cs typeface="+mn-cs"/>
-              </a:defRPr>
-            </a:lvl7pPr>
-            <a:lvl8pPr marL="3429000" indent="-228600" algn="l" defTabSz="914400" rtl="0" eaLnBrk="1" latinLnBrk="0" hangingPunct="1">
-              <a:lnSpc>
-                <a:spcPct val="90000"/>
-              </a:lnSpc>
-              <a:spcBef>
-                <a:spcPts val="500"/>
-              </a:spcBef>
-              <a:buFont typeface="Arial" panose="020B0604020202020204" pitchFamily="34" charset="0"/>
-              <a:buChar char="•"/>
-              <a:defRPr sz="1800" kern="1200">
-                <a:solidFill>
-                  <a:schemeClr val="tx1"/>
-                </a:solidFill>
-                <a:latin typeface="+mn-lt"/>
-                <a:ea typeface="+mn-ea"/>
-                <a:cs typeface="+mn-cs"/>
-              </a:defRPr>
-            </a:lvl8pPr>
-            <a:lvl9pPr marL="3886200" indent="-228600" algn="l" defTabSz="914400" rtl="0" eaLnBrk="1" latinLnBrk="0" hangingPunct="1">
-              <a:lnSpc>
-                <a:spcPct val="90000"/>
-              </a:lnSpc>
-              <a:spcBef>
-                <a:spcPts val="500"/>
-              </a:spcBef>
-              <a:buFont typeface="Arial" panose="020B0604020202020204" pitchFamily="34" charset="0"/>
-              <a:buChar char="•"/>
-              <a:defRPr sz="1800" kern="1200">
-                <a:solidFill>
-                  <a:schemeClr val="tx1"/>
-                </a:solidFill>
-                <a:latin typeface="+mn-lt"/>
-                <a:ea typeface="+mn-ea"/>
-                <a:cs typeface="+mn-cs"/>
-              </a:defRPr>
-            </a:lvl9pPr>
-          </a:lstStyle>
-          <a:p>
-            <a:pPr marL="0" indent="0">
-              <a:buFont typeface="Arial" panose="020B0604020202020204" pitchFamily="34" charset="0"/>
-              <a:buNone/>
-            </a:pPr>
-            <a:r>
-              <a:rPr lang="en-US" dirty="0"/>
-              <a:t>Postman </a:t>
-            </a:r>
-            <a:r>
-              <a:rPr lang="en-US" dirty="0" err="1"/>
-              <a:t>adalah</a:t>
-            </a:r>
-            <a:r>
-              <a:rPr lang="en-US" dirty="0"/>
-              <a:t> </a:t>
-            </a:r>
-            <a:r>
-              <a:rPr lang="en-US" dirty="0" err="1"/>
-              <a:t>aplikasi</a:t>
-            </a:r>
-            <a:r>
-              <a:rPr lang="en-US" dirty="0"/>
-              <a:t> yang </a:t>
-            </a:r>
-            <a:r>
-              <a:rPr lang="en-US" dirty="0" err="1"/>
-              <a:t>digunakan</a:t>
-            </a:r>
-            <a:r>
-              <a:rPr lang="en-US" dirty="0"/>
-              <a:t> </a:t>
-            </a:r>
-            <a:r>
-              <a:rPr lang="en-US" dirty="0" err="1"/>
-              <a:t>untuk</a:t>
-            </a:r>
-            <a:r>
-              <a:rPr lang="en-US" dirty="0"/>
-              <a:t> </a:t>
-            </a:r>
-            <a:r>
-              <a:rPr lang="en-US" dirty="0" err="1"/>
-              <a:t>melakukan</a:t>
-            </a:r>
-            <a:r>
-              <a:rPr lang="en-US" dirty="0"/>
-              <a:t> </a:t>
-            </a:r>
-            <a:r>
-              <a:rPr lang="en-US" dirty="0" err="1"/>
-              <a:t>pengujian</a:t>
-            </a:r>
-            <a:r>
-              <a:rPr lang="en-US" dirty="0"/>
-              <a:t> API</a:t>
-            </a:r>
-          </a:p>
-        </p:txBody>
-      </p:sp>
-    </p:spTree>
-    <p:extLst>
-      <p:ext uri="{BB962C8B-B14F-4D97-AF65-F5344CB8AC3E}">
-        <p14:creationId xmlns:p14="http://schemas.microsoft.com/office/powerpoint/2010/main" val="76728007"/>
-      </p:ext>
-    </p:extLst>
-  </p:cSld>
-  <p:clrMapOvr>
-    <a:masterClrMapping/>
-  </p:clrMapOvr>
-</p:sld>
-</file>
-
-<file path=ppt/slides/slide5.xml><?xml version="1.0" encoding="utf-8"?>
-<p:sld xmlns:a="http://schemas.openxmlformats.org/drawingml/2006/main" xmlns:r="http://schemas.openxmlformats.org/officeDocument/2006/relationships" xmlns:p="http://schemas.openxmlformats.org/presentationml/2006/main">
-  <p:cSld>
-    <p:bg>
-      <p:bgPr>
-        <a:solidFill>
-          <a:schemeClr val="bg1"/>
-        </a:solidFill>
-        <a:effectLst/>
-      </p:bgPr>
-    </p:bg>
-    <p:spTree>
-      <p:nvGrpSpPr>
-        <p:cNvPr id="1" name=""/>
-        <p:cNvGrpSpPr/>
-        <p:nvPr/>
-      </p:nvGrpSpPr>
-      <p:grpSpPr>
-        <a:xfrm>
-          <a:off x="0" y="0"/>
-          <a:ext cx="0" cy="0"/>
-          <a:chOff x="0" y="0"/>
-          <a:chExt cx="0" cy="0"/>
-        </a:xfrm>
-      </p:grpSpPr>
-      <p:sp>
-        <p:nvSpPr>
-          <p:cNvPr id="2" name="Judul 1">
-            <a:extLst>
-              <a:ext uri="{FF2B5EF4-FFF2-40B4-BE49-F238E27FC236}">
-                <a16:creationId xmlns:a16="http://schemas.microsoft.com/office/drawing/2014/main" id="{4CED390E-0317-5FCB-D0F4-BBAF7BBBF488}"/>
-              </a:ext>
-            </a:extLst>
-          </p:cNvPr>
-          <p:cNvSpPr>
-            <a:spLocks noGrp="1"/>
-          </p:cNvSpPr>
-          <p:nvPr>
-            <p:ph type="title"/>
-          </p:nvPr>
-        </p:nvSpPr>
-        <p:spPr/>
-        <p:txBody>
-          <a:bodyPr/>
-          <a:lstStyle/>
-          <a:p>
-            <a:r>
-              <a:rPr lang="en-US" b="1" dirty="0" err="1"/>
-              <a:t>Perbedaan</a:t>
-            </a:r>
-            <a:r>
-              <a:rPr lang="en-US" b="1" dirty="0"/>
-              <a:t> Swagger dan Postman</a:t>
-            </a:r>
-          </a:p>
-        </p:txBody>
-      </p:sp>
-      <p:sp>
-        <p:nvSpPr>
-          <p:cNvPr id="3" name="Tampungan Konten 2">
-            <a:extLst>
-              <a:ext uri="{FF2B5EF4-FFF2-40B4-BE49-F238E27FC236}">
-                <a16:creationId xmlns:a16="http://schemas.microsoft.com/office/drawing/2014/main" id="{7508189E-A0D5-0169-820C-ACD4E4F04759}"/>
-              </a:ext>
-            </a:extLst>
-          </p:cNvPr>
-          <p:cNvSpPr>
-            <a:spLocks noGrp="1"/>
-          </p:cNvSpPr>
-          <p:nvPr>
-            <p:ph idx="1"/>
-          </p:nvPr>
-        </p:nvSpPr>
-        <p:spPr>
-          <a:xfrm>
-            <a:off x="838200" y="1825625"/>
-            <a:ext cx="5257800" cy="4351338"/>
-          </a:xfrm>
-        </p:spPr>
-        <p:txBody>
-          <a:bodyPr/>
-          <a:lstStyle/>
-          <a:p>
-            <a:pPr marL="0" indent="0">
-              <a:buNone/>
-            </a:pPr>
-            <a:r>
-              <a:rPr lang="en-US" dirty="0"/>
-              <a:t>Swagger </a:t>
-            </a:r>
-          </a:p>
-          <a:p>
-            <a:r>
-              <a:rPr lang="en-US" dirty="0" err="1"/>
-              <a:t>Fokus</a:t>
-            </a:r>
-            <a:r>
-              <a:rPr lang="en-US" dirty="0"/>
-              <a:t> pada </a:t>
-            </a:r>
-            <a:r>
-              <a:rPr lang="en-US" dirty="0" err="1"/>
-              <a:t>dokumentasi</a:t>
-            </a:r>
-            <a:r>
-              <a:rPr lang="en-US" dirty="0"/>
-              <a:t> API</a:t>
-            </a:r>
-          </a:p>
-          <a:p>
-            <a:r>
-              <a:rPr lang="en-US" dirty="0" err="1"/>
-              <a:t>mendeskripsikan</a:t>
-            </a:r>
-            <a:r>
-              <a:rPr lang="en-US" dirty="0"/>
-              <a:t> API </a:t>
-            </a:r>
-            <a:r>
-              <a:rPr lang="en-US" dirty="0" err="1"/>
-              <a:t>dengan</a:t>
-            </a:r>
-            <a:r>
-              <a:rPr lang="en-US" dirty="0"/>
-              <a:t> </a:t>
-            </a:r>
-            <a:r>
-              <a:rPr lang="en-US" dirty="0" err="1"/>
-              <a:t>cara</a:t>
-            </a:r>
-            <a:r>
-              <a:rPr lang="en-US" dirty="0"/>
-              <a:t> yang </a:t>
-            </a:r>
-            <a:r>
-              <a:rPr lang="en-US" dirty="0" err="1"/>
-              <a:t>mudah</a:t>
-            </a:r>
-            <a:r>
-              <a:rPr lang="en-US" dirty="0"/>
-              <a:t> </a:t>
-            </a:r>
-            <a:r>
-              <a:rPr lang="en-US" dirty="0" err="1"/>
-              <a:t>dipahami</a:t>
-            </a:r>
-            <a:endParaRPr lang="en-US" dirty="0"/>
-          </a:p>
-        </p:txBody>
-      </p:sp>
-      <p:sp>
-        <p:nvSpPr>
-          <p:cNvPr id="4" name="Tampungan Konten 2">
-            <a:extLst>
-              <a:ext uri="{FF2B5EF4-FFF2-40B4-BE49-F238E27FC236}">
-                <a16:creationId xmlns:a16="http://schemas.microsoft.com/office/drawing/2014/main" id="{15AA921F-E631-E22A-C0CD-2DAAF95D9C56}"/>
-              </a:ext>
-            </a:extLst>
-          </p:cNvPr>
-          <p:cNvSpPr txBox="1">
-            <a:spLocks/>
-          </p:cNvSpPr>
-          <p:nvPr/>
-        </p:nvSpPr>
-        <p:spPr>
-          <a:xfrm>
-            <a:off x="6096000" y="1825625"/>
-            <a:ext cx="5410200" cy="4351338"/>
-          </a:xfrm>
-          <a:prstGeom prst="rect">
-            <a:avLst/>
-          </a:prstGeom>
-        </p:spPr>
-        <p:txBody>
-          <a:bodyPr vert="horz" lIns="91440" tIns="45720" rIns="91440" bIns="45720" rtlCol="0">
-            <a:normAutofit/>
-          </a:bodyPr>
-          <a:lstStyle>
-            <a:lvl1pPr marL="228600" indent="-228600" algn="l" defTabSz="914400" rtl="0" eaLnBrk="1" latinLnBrk="0" hangingPunct="1">
-              <a:lnSpc>
-                <a:spcPct val="90000"/>
-              </a:lnSpc>
-              <a:spcBef>
-                <a:spcPts val="1000"/>
-              </a:spcBef>
-              <a:buFont typeface="Arial" panose="020B0604020202020204" pitchFamily="34" charset="0"/>
-              <a:buChar char="•"/>
-              <a:defRPr sz="2800" kern="1200">
-                <a:solidFill>
-                  <a:schemeClr val="tx1"/>
-                </a:solidFill>
-                <a:latin typeface="+mn-lt"/>
-                <a:ea typeface="+mn-ea"/>
-                <a:cs typeface="+mn-cs"/>
-              </a:defRPr>
-            </a:lvl1pPr>
-            <a:lvl2pPr marL="685800" indent="-228600" algn="l" defTabSz="914400" rtl="0" eaLnBrk="1" latinLnBrk="0" hangingPunct="1">
-              <a:lnSpc>
-                <a:spcPct val="90000"/>
-              </a:lnSpc>
-              <a:spcBef>
-                <a:spcPts val="500"/>
-              </a:spcBef>
-              <a:buFont typeface="Arial" panose="020B0604020202020204" pitchFamily="34" charset="0"/>
-              <a:buChar char="•"/>
-              <a:defRPr sz="2400" kern="1200">
-                <a:solidFill>
-                  <a:schemeClr val="tx1"/>
-                </a:solidFill>
-                <a:latin typeface="+mn-lt"/>
-                <a:ea typeface="+mn-ea"/>
-                <a:cs typeface="+mn-cs"/>
-              </a:defRPr>
-            </a:lvl2pPr>
-            <a:lvl3pPr marL="1143000" indent="-228600" algn="l" defTabSz="914400" rtl="0" eaLnBrk="1" latinLnBrk="0" hangingPunct="1">
-              <a:lnSpc>
-                <a:spcPct val="90000"/>
-              </a:lnSpc>
-              <a:spcBef>
-                <a:spcPts val="500"/>
-              </a:spcBef>
-              <a:buFont typeface="Arial" panose="020B0604020202020204" pitchFamily="34" charset="0"/>
-              <a:buChar char="•"/>
-              <a:defRPr sz="2000" kern="1200">
-                <a:solidFill>
-                  <a:schemeClr val="tx1"/>
-                </a:solidFill>
-                <a:latin typeface="+mn-lt"/>
-                <a:ea typeface="+mn-ea"/>
-                <a:cs typeface="+mn-cs"/>
-              </a:defRPr>
-            </a:lvl3pPr>
-            <a:lvl4pPr marL="1600200" indent="-228600" algn="l" defTabSz="914400" rtl="0" eaLnBrk="1" latinLnBrk="0" hangingPunct="1">
-              <a:lnSpc>
-                <a:spcPct val="90000"/>
-              </a:lnSpc>
-              <a:spcBef>
-                <a:spcPts val="500"/>
-              </a:spcBef>
-              <a:buFont typeface="Arial" panose="020B0604020202020204" pitchFamily="34" charset="0"/>
-              <a:buChar char="•"/>
-              <a:defRPr sz="1800" kern="1200">
-                <a:solidFill>
-                  <a:schemeClr val="tx1"/>
-                </a:solidFill>
-                <a:latin typeface="+mn-lt"/>
-                <a:ea typeface="+mn-ea"/>
-                <a:cs typeface="+mn-cs"/>
-              </a:defRPr>
-            </a:lvl4pPr>
-            <a:lvl5pPr marL="2057400" indent="-228600" algn="l" defTabSz="914400" rtl="0" eaLnBrk="1" latinLnBrk="0" hangingPunct="1">
-              <a:lnSpc>
-                <a:spcPct val="90000"/>
-              </a:lnSpc>
-              <a:spcBef>
-                <a:spcPts val="500"/>
-              </a:spcBef>
-              <a:buFont typeface="Arial" panose="020B0604020202020204" pitchFamily="34" charset="0"/>
-              <a:buChar char="•"/>
-              <a:defRPr sz="1800" kern="1200">
-                <a:solidFill>
-                  <a:schemeClr val="tx1"/>
-                </a:solidFill>
-                <a:latin typeface="+mn-lt"/>
-                <a:ea typeface="+mn-ea"/>
-                <a:cs typeface="+mn-cs"/>
-              </a:defRPr>
-            </a:lvl5pPr>
-            <a:lvl6pPr marL="2514600" indent="-228600" algn="l" defTabSz="914400" rtl="0" eaLnBrk="1" latinLnBrk="0" hangingPunct="1">
-              <a:lnSpc>
-                <a:spcPct val="90000"/>
-              </a:lnSpc>
-              <a:spcBef>
-                <a:spcPts val="500"/>
-              </a:spcBef>
-              <a:buFont typeface="Arial" panose="020B0604020202020204" pitchFamily="34" charset="0"/>
-              <a:buChar char="•"/>
-              <a:defRPr sz="1800" kern="1200">
-                <a:solidFill>
-                  <a:schemeClr val="tx1"/>
-                </a:solidFill>
-                <a:latin typeface="+mn-lt"/>
-                <a:ea typeface="+mn-ea"/>
-                <a:cs typeface="+mn-cs"/>
-              </a:defRPr>
-            </a:lvl6pPr>
-            <a:lvl7pPr marL="2971800" indent="-228600" algn="l" defTabSz="914400" rtl="0" eaLnBrk="1" latinLnBrk="0" hangingPunct="1">
-              <a:lnSpc>
-                <a:spcPct val="90000"/>
-              </a:lnSpc>
-              <a:spcBef>
-                <a:spcPts val="500"/>
-              </a:spcBef>
-              <a:buFont typeface="Arial" panose="020B0604020202020204" pitchFamily="34" charset="0"/>
-              <a:buChar char="•"/>
-              <a:defRPr sz="1800" kern="1200">
-                <a:solidFill>
-                  <a:schemeClr val="tx1"/>
-                </a:solidFill>
-                <a:latin typeface="+mn-lt"/>
-                <a:ea typeface="+mn-ea"/>
-                <a:cs typeface="+mn-cs"/>
-              </a:defRPr>
-            </a:lvl7pPr>
-            <a:lvl8pPr marL="3429000" indent="-228600" algn="l" defTabSz="914400" rtl="0" eaLnBrk="1" latinLnBrk="0" hangingPunct="1">
-              <a:lnSpc>
-                <a:spcPct val="90000"/>
-              </a:lnSpc>
-              <a:spcBef>
-                <a:spcPts val="500"/>
-              </a:spcBef>
-              <a:buFont typeface="Arial" panose="020B0604020202020204" pitchFamily="34" charset="0"/>
-              <a:buChar char="•"/>
-              <a:defRPr sz="1800" kern="1200">
-                <a:solidFill>
-                  <a:schemeClr val="tx1"/>
-                </a:solidFill>
-                <a:latin typeface="+mn-lt"/>
-                <a:ea typeface="+mn-ea"/>
-                <a:cs typeface="+mn-cs"/>
-              </a:defRPr>
-            </a:lvl8pPr>
-            <a:lvl9pPr marL="3886200" indent="-228600" algn="l" defTabSz="914400" rtl="0" eaLnBrk="1" latinLnBrk="0" hangingPunct="1">
-              <a:lnSpc>
-                <a:spcPct val="90000"/>
-              </a:lnSpc>
-              <a:spcBef>
-                <a:spcPts val="500"/>
-              </a:spcBef>
-              <a:buFont typeface="Arial" panose="020B0604020202020204" pitchFamily="34" charset="0"/>
-              <a:buChar char="•"/>
-              <a:defRPr sz="1800" kern="1200">
-                <a:solidFill>
-                  <a:schemeClr val="tx1"/>
-                </a:solidFill>
-                <a:latin typeface="+mn-lt"/>
-                <a:ea typeface="+mn-ea"/>
-                <a:cs typeface="+mn-cs"/>
-              </a:defRPr>
-            </a:lvl9pPr>
-          </a:lstStyle>
-          <a:p>
-            <a:pPr marL="0" indent="0">
-              <a:buFont typeface="Arial" panose="020B0604020202020204" pitchFamily="34" charset="0"/>
-              <a:buNone/>
-            </a:pPr>
-            <a:r>
-              <a:rPr lang="en-US" dirty="0"/>
-              <a:t>Postman</a:t>
-            </a:r>
-          </a:p>
-          <a:p>
-            <a:r>
-              <a:rPr lang="en-US" dirty="0" err="1"/>
-              <a:t>Fokus</a:t>
-            </a:r>
-            <a:r>
-              <a:rPr lang="en-US" dirty="0"/>
-              <a:t> pada </a:t>
-            </a:r>
-            <a:r>
-              <a:rPr lang="en-US" dirty="0" err="1"/>
-              <a:t>pengujian</a:t>
-            </a:r>
-            <a:r>
-              <a:rPr lang="en-US" dirty="0"/>
-              <a:t> API</a:t>
-            </a:r>
-          </a:p>
-          <a:p>
-            <a:r>
-              <a:rPr lang="en-US" dirty="0" err="1"/>
-              <a:t>Menyediakan</a:t>
-            </a:r>
-            <a:r>
-              <a:rPr lang="en-US" dirty="0"/>
-              <a:t> </a:t>
-            </a:r>
-            <a:r>
-              <a:rPr lang="en-US" dirty="0" err="1"/>
-              <a:t>antarmuka</a:t>
-            </a:r>
-            <a:r>
-              <a:rPr lang="en-US" dirty="0"/>
-              <a:t> yang </a:t>
-            </a:r>
-            <a:r>
-              <a:rPr lang="en-US" dirty="0" err="1"/>
-              <a:t>intuitif</a:t>
-            </a:r>
-            <a:r>
-              <a:rPr lang="en-US" dirty="0"/>
-              <a:t> </a:t>
-            </a:r>
-            <a:r>
-              <a:rPr lang="en-US" dirty="0" err="1"/>
-              <a:t>untuk</a:t>
-            </a:r>
-            <a:r>
-              <a:rPr lang="en-US" dirty="0"/>
-              <a:t> </a:t>
-            </a:r>
-            <a:r>
-              <a:rPr lang="en-US" dirty="0" err="1"/>
-              <a:t>membuat</a:t>
-            </a:r>
-            <a:r>
-              <a:rPr lang="en-US" dirty="0"/>
-              <a:t>, </a:t>
-            </a:r>
-            <a:r>
-              <a:rPr lang="en-US" dirty="0" err="1"/>
-              <a:t>mengirim</a:t>
-            </a:r>
-            <a:r>
-              <a:rPr lang="en-US" dirty="0"/>
-              <a:t>, dan </a:t>
-            </a:r>
-            <a:r>
-              <a:rPr lang="en-US" dirty="0" err="1"/>
-              <a:t>menganalisis</a:t>
-            </a:r>
-            <a:r>
-              <a:rPr lang="en-US" dirty="0"/>
-              <a:t> </a:t>
-            </a:r>
-            <a:r>
-              <a:rPr lang="en-US" dirty="0" err="1"/>
-              <a:t>permintaan</a:t>
-            </a:r>
-            <a:r>
-              <a:rPr lang="en-US" dirty="0"/>
-              <a:t> HTTP</a:t>
-            </a:r>
-          </a:p>
-          <a:p>
-            <a:r>
-              <a:rPr lang="en-US" dirty="0" err="1"/>
-              <a:t>Mendukung</a:t>
-            </a:r>
-            <a:r>
-              <a:rPr lang="en-US" dirty="0"/>
-              <a:t> </a:t>
-            </a:r>
-            <a:r>
-              <a:rPr lang="en-US" dirty="0" err="1"/>
-              <a:t>berbagai</a:t>
-            </a:r>
-            <a:r>
-              <a:rPr lang="en-US" dirty="0"/>
-              <a:t> </a:t>
-            </a:r>
-            <a:r>
-              <a:rPr lang="en-US" dirty="0" err="1"/>
-              <a:t>metode</a:t>
-            </a:r>
-            <a:r>
-              <a:rPr lang="en-US" dirty="0"/>
-              <a:t> GET, POST, PATCH, dan DELETE</a:t>
-            </a:r>
-          </a:p>
-          <a:p>
-            <a:endParaRPr lang="en-US" dirty="0"/>
-          </a:p>
-        </p:txBody>
-      </p:sp>
-    </p:spTree>
-    <p:extLst>
-      <p:ext uri="{BB962C8B-B14F-4D97-AF65-F5344CB8AC3E}">
-        <p14:creationId xmlns:p14="http://schemas.microsoft.com/office/powerpoint/2010/main" val="2882587042"/>
-      </p:ext>
-    </p:extLst>
-  </p:cSld>
-  <p:clrMapOvr>
-    <a:masterClrMapping/>
-  </p:clrMapOvr>
-</p:sld>
-</file>
-
-<file path=ppt/slides/slide6.xml><?xml version="1.0" encoding="utf-8"?>
-<p:sld xmlns:a="http://schemas.openxmlformats.org/drawingml/2006/main" xmlns:r="http://schemas.openxmlformats.org/officeDocument/2006/relationships" xmlns:p="http://schemas.openxmlformats.org/presentationml/2006/main">
-  <p:cSld>
-    <p:spTree>
-      <p:nvGrpSpPr>
-        <p:cNvPr id="1" name=""/>
-        <p:cNvGrpSpPr/>
-        <p:nvPr/>
-      </p:nvGrpSpPr>
-      <p:grpSpPr>
-        <a:xfrm>
-          <a:off x="0" y="0"/>
-          <a:ext cx="0" cy="0"/>
-          <a:chOff x="0" y="0"/>
-          <a:chExt cx="0" cy="0"/>
-        </a:xfrm>
-      </p:grpSpPr>
-      <p:sp>
-        <p:nvSpPr>
-          <p:cNvPr id="2" name="Judul 1">
-            <a:extLst>
-              <a:ext uri="{FF2B5EF4-FFF2-40B4-BE49-F238E27FC236}">
                 <a16:creationId xmlns:a16="http://schemas.microsoft.com/office/drawing/2014/main" id="{98265D6E-1247-C6A6-4685-407BB99E655F}"/>
               </a:ext>
             </a:extLst>
@@ -5295,24 +4044,7 @@
             </a:pPr>
             <a:r>
               <a:rPr lang="en-US" sz="4000" dirty="0"/>
-              <a:t>Demo </a:t>
-            </a:r>
-            <a:r>
-              <a:rPr lang="en-US" sz="4000" dirty="0" err="1"/>
-              <a:t>menggunakan</a:t>
-            </a:r>
-            <a:r>
-              <a:rPr lang="en-US" sz="4000" dirty="0"/>
-              <a:t> </a:t>
-            </a:r>
-          </a:p>
-          <a:p>
-            <a:pPr marL="0" indent="0" algn="ctr">
-              <a:buNone/>
-            </a:pPr>
-            <a:r>
-              <a:rPr lang="en-US" sz="4000" dirty="0"/>
-              <a:t>Swagger</a:t>
+              <a:t>Demo</a:t>
             </a:r>
           </a:p>
         </p:txBody>
